--- a/Quiz bemutató.pptx
+++ b/Quiz bemutató.pptx
@@ -2,7 +2,7 @@
 <file path=ppt/presentation.xml><?xml version="1.0" encoding="utf-8"?>
 <p:presentation xmlns:a="http://schemas.openxmlformats.org/drawingml/2006/main" xmlns:r="http://schemas.openxmlformats.org/officeDocument/2006/relationships" xmlns:p="http://schemas.openxmlformats.org/presentationml/2006/main" saveSubsetFonts="1">
   <p:sldMasterIdLst>
-    <p:sldMasterId id="2147483648" r:id="rId1"/>
+    <p:sldMasterId id="2147483678" r:id="rId1"/>
   </p:sldMasterIdLst>
   <p:sldIdLst>
     <p:sldId id="256" r:id="rId2"/>
@@ -22,9 +22,9 @@
   <p:notesSz cx="6858000" cy="9144000"/>
   <p:defaultTextStyle>
     <a:defPPr>
-      <a:defRPr lang="hu-HU"/>
+      <a:defRPr lang="en-US"/>
     </a:defPPr>
-    <a:lvl1pPr marL="0" algn="l" defTabSz="914400" rtl="0" eaLnBrk="1" latinLnBrk="0" hangingPunct="1">
+    <a:lvl1pPr marL="0" algn="l" defTabSz="457200" rtl="0" eaLnBrk="1" latinLnBrk="0" hangingPunct="1">
       <a:defRPr sz="1800" kern="1200">
         <a:solidFill>
           <a:schemeClr val="tx1"/>
@@ -34,7 +34,7 @@
         <a:cs typeface="+mn-cs"/>
       </a:defRPr>
     </a:lvl1pPr>
-    <a:lvl2pPr marL="457200" algn="l" defTabSz="914400" rtl="0" eaLnBrk="1" latinLnBrk="0" hangingPunct="1">
+    <a:lvl2pPr marL="457200" algn="l" defTabSz="457200" rtl="0" eaLnBrk="1" latinLnBrk="0" hangingPunct="1">
       <a:defRPr sz="1800" kern="1200">
         <a:solidFill>
           <a:schemeClr val="tx1"/>
@@ -44,7 +44,7 @@
         <a:cs typeface="+mn-cs"/>
       </a:defRPr>
     </a:lvl2pPr>
-    <a:lvl3pPr marL="914400" algn="l" defTabSz="914400" rtl="0" eaLnBrk="1" latinLnBrk="0" hangingPunct="1">
+    <a:lvl3pPr marL="914400" algn="l" defTabSz="457200" rtl="0" eaLnBrk="1" latinLnBrk="0" hangingPunct="1">
       <a:defRPr sz="1800" kern="1200">
         <a:solidFill>
           <a:schemeClr val="tx1"/>
@@ -54,7 +54,7 @@
         <a:cs typeface="+mn-cs"/>
       </a:defRPr>
     </a:lvl3pPr>
-    <a:lvl4pPr marL="1371600" algn="l" defTabSz="914400" rtl="0" eaLnBrk="1" latinLnBrk="0" hangingPunct="1">
+    <a:lvl4pPr marL="1371600" algn="l" defTabSz="457200" rtl="0" eaLnBrk="1" latinLnBrk="0" hangingPunct="1">
       <a:defRPr sz="1800" kern="1200">
         <a:solidFill>
           <a:schemeClr val="tx1"/>
@@ -64,7 +64,7 @@
         <a:cs typeface="+mn-cs"/>
       </a:defRPr>
     </a:lvl4pPr>
-    <a:lvl5pPr marL="1828800" algn="l" defTabSz="914400" rtl="0" eaLnBrk="1" latinLnBrk="0" hangingPunct="1">
+    <a:lvl5pPr marL="1828800" algn="l" defTabSz="457200" rtl="0" eaLnBrk="1" latinLnBrk="0" hangingPunct="1">
       <a:defRPr sz="1800" kern="1200">
         <a:solidFill>
           <a:schemeClr val="tx1"/>
@@ -74,7 +74,7 @@
         <a:cs typeface="+mn-cs"/>
       </a:defRPr>
     </a:lvl5pPr>
-    <a:lvl6pPr marL="2286000" algn="l" defTabSz="914400" rtl="0" eaLnBrk="1" latinLnBrk="0" hangingPunct="1">
+    <a:lvl6pPr marL="2286000" algn="l" defTabSz="457200" rtl="0" eaLnBrk="1" latinLnBrk="0" hangingPunct="1">
       <a:defRPr sz="1800" kern="1200">
         <a:solidFill>
           <a:schemeClr val="tx1"/>
@@ -84,7 +84,7 @@
         <a:cs typeface="+mn-cs"/>
       </a:defRPr>
     </a:lvl6pPr>
-    <a:lvl7pPr marL="2743200" algn="l" defTabSz="914400" rtl="0" eaLnBrk="1" latinLnBrk="0" hangingPunct="1">
+    <a:lvl7pPr marL="2743200" algn="l" defTabSz="457200" rtl="0" eaLnBrk="1" latinLnBrk="0" hangingPunct="1">
       <a:defRPr sz="1800" kern="1200">
         <a:solidFill>
           <a:schemeClr val="tx1"/>
@@ -94,7 +94,7 @@
         <a:cs typeface="+mn-cs"/>
       </a:defRPr>
     </a:lvl7pPr>
-    <a:lvl8pPr marL="3200400" algn="l" defTabSz="914400" rtl="0" eaLnBrk="1" latinLnBrk="0" hangingPunct="1">
+    <a:lvl8pPr marL="3200400" algn="l" defTabSz="457200" rtl="0" eaLnBrk="1" latinLnBrk="0" hangingPunct="1">
       <a:defRPr sz="1800" kern="1200">
         <a:solidFill>
           <a:schemeClr val="tx1"/>
@@ -104,7 +104,7 @@
         <a:cs typeface="+mn-cs"/>
       </a:defRPr>
     </a:lvl8pPr>
-    <a:lvl9pPr marL="3657600" algn="l" defTabSz="914400" rtl="0" eaLnBrk="1" latinLnBrk="0" hangingPunct="1">
+    <a:lvl9pPr marL="3657600" algn="l" defTabSz="457200" rtl="0" eaLnBrk="1" latinLnBrk="0" hangingPunct="1">
       <a:defRPr sz="1800" kern="1200">
         <a:solidFill>
           <a:schemeClr val="tx1"/>
@@ -124,7 +124,7 @@
 </file>
 
 <file path=ppt/slideLayouts/slideLayout1.xml><?xml version="1.0" encoding="utf-8"?>
-<p:sldLayout xmlns:a="http://schemas.openxmlformats.org/drawingml/2006/main" xmlns:r="http://schemas.openxmlformats.org/officeDocument/2006/relationships" xmlns:p="http://schemas.openxmlformats.org/presentationml/2006/main" type="title" preserve="1">
+<p:sldLayout xmlns:a="http://schemas.openxmlformats.org/drawingml/2006/main" xmlns:r="http://schemas.openxmlformats.org/officeDocument/2006/relationships" xmlns:p="http://schemas.openxmlformats.org/presentationml/2006/main" showMasterSp="0" type="title" preserve="1">
   <p:cSld name="Címdia">
     <p:spTree>
       <p:nvGrpSpPr>
@@ -142,13 +142,7 @@
       </p:grpSpPr>
       <p:sp>
         <p:nvSpPr>
-          <p:cNvPr id="2" name="Cím 1">
-            <a:extLst>
-              <a:ext uri="{FF2B5EF4-FFF2-40B4-BE49-F238E27FC236}">
-                <a16:creationId xmlns:a16="http://schemas.microsoft.com/office/drawing/2014/main" id="{C942577D-1CE6-4F2A-A1B7-D9654AE5B940}"/>
-              </a:ext>
-            </a:extLst>
-          </p:cNvPr>
+          <p:cNvPr id="2" name="Title 1"/>
           <p:cNvSpPr>
             <a:spLocks noGrp="1"/>
           </p:cNvSpPr>
@@ -158,15 +152,19 @@
         </p:nvSpPr>
         <p:spPr>
           <a:xfrm>
-            <a:off x="1524000" y="1122363"/>
-            <a:ext cx="9144000" cy="2387600"/>
+            <a:off x="684212" y="685799"/>
+            <a:ext cx="8001000" cy="2971801"/>
           </a:xfrm>
         </p:spPr>
         <p:txBody>
-          <a:bodyPr anchor="b"/>
+          <a:bodyPr anchor="b">
+            <a:normAutofit/>
+          </a:bodyPr>
           <a:lstStyle>
-            <a:lvl1pPr algn="ctr">
-              <a:defRPr sz="6000"/>
+            <a:lvl1pPr algn="l">
+              <a:defRPr sz="4800">
+                <a:effectLst/>
+              </a:defRPr>
             </a:lvl1pPr>
           </a:lstStyle>
           <a:p>
@@ -174,18 +172,13 @@
               <a:rPr lang="hu-HU"/>
               <a:t>Mintacím szerkesztése</a:t>
             </a:r>
-          </a:p>
-        </p:txBody>
-      </p:sp>
-      <p:sp>
-        <p:nvSpPr>
-          <p:cNvPr id="3" name="Alcím 2">
-            <a:extLst>
-              <a:ext uri="{FF2B5EF4-FFF2-40B4-BE49-F238E27FC236}">
-                <a16:creationId xmlns:a16="http://schemas.microsoft.com/office/drawing/2014/main" id="{9D058598-78EE-4855-96CE-BE72DFA9A530}"/>
-              </a:ext>
-            </a:extLst>
-          </p:cNvPr>
+            <a:endParaRPr lang="en-US" dirty="0"/>
+          </a:p>
+        </p:txBody>
+      </p:sp>
+      <p:sp>
+        <p:nvSpPr>
+          <p:cNvPr id="3" name="Subtitle 2"/>
           <p:cNvSpPr>
             <a:spLocks noGrp="1"/>
           </p:cNvSpPr>
@@ -195,48 +188,104 @@
         </p:nvSpPr>
         <p:spPr>
           <a:xfrm>
-            <a:off x="1524000" y="3602038"/>
-            <a:ext cx="9144000" cy="1655762"/>
+            <a:off x="684212" y="3843867"/>
+            <a:ext cx="6400800" cy="1947333"/>
           </a:xfrm>
         </p:spPr>
         <p:txBody>
-          <a:bodyPr/>
+          <a:bodyPr anchor="t">
+            <a:normAutofit/>
+          </a:bodyPr>
           <a:lstStyle>
-            <a:lvl1pPr marL="0" indent="0" algn="ctr">
-              <a:buNone/>
-              <a:defRPr sz="2400"/>
+            <a:lvl1pPr marL="0" indent="0" algn="l">
+              <a:buNone/>
+              <a:defRPr sz="2100">
+                <a:solidFill>
+                  <a:schemeClr val="bg2">
+                    <a:lumMod val="75000"/>
+                  </a:schemeClr>
+                </a:solidFill>
+              </a:defRPr>
             </a:lvl1pPr>
             <a:lvl2pPr marL="457200" indent="0" algn="ctr">
               <a:buNone/>
-              <a:defRPr sz="2000"/>
+              <a:defRPr>
+                <a:solidFill>
+                  <a:schemeClr val="tx1">
+                    <a:tint val="75000"/>
+                  </a:schemeClr>
+                </a:solidFill>
+              </a:defRPr>
             </a:lvl2pPr>
             <a:lvl3pPr marL="914400" indent="0" algn="ctr">
               <a:buNone/>
-              <a:defRPr sz="1800"/>
+              <a:defRPr>
+                <a:solidFill>
+                  <a:schemeClr val="tx1">
+                    <a:tint val="75000"/>
+                  </a:schemeClr>
+                </a:solidFill>
+              </a:defRPr>
             </a:lvl3pPr>
             <a:lvl4pPr marL="1371600" indent="0" algn="ctr">
               <a:buNone/>
-              <a:defRPr sz="1600"/>
+              <a:defRPr>
+                <a:solidFill>
+                  <a:schemeClr val="tx1">
+                    <a:tint val="75000"/>
+                  </a:schemeClr>
+                </a:solidFill>
+              </a:defRPr>
             </a:lvl4pPr>
             <a:lvl5pPr marL="1828800" indent="0" algn="ctr">
               <a:buNone/>
-              <a:defRPr sz="1600"/>
+              <a:defRPr>
+                <a:solidFill>
+                  <a:schemeClr val="tx1">
+                    <a:tint val="75000"/>
+                  </a:schemeClr>
+                </a:solidFill>
+              </a:defRPr>
             </a:lvl5pPr>
             <a:lvl6pPr marL="2286000" indent="0" algn="ctr">
               <a:buNone/>
-              <a:defRPr sz="1600"/>
+              <a:defRPr>
+                <a:solidFill>
+                  <a:schemeClr val="tx1">
+                    <a:tint val="75000"/>
+                  </a:schemeClr>
+                </a:solidFill>
+              </a:defRPr>
             </a:lvl6pPr>
             <a:lvl7pPr marL="2743200" indent="0" algn="ctr">
               <a:buNone/>
-              <a:defRPr sz="1600"/>
+              <a:defRPr>
+                <a:solidFill>
+                  <a:schemeClr val="tx1">
+                    <a:tint val="75000"/>
+                  </a:schemeClr>
+                </a:solidFill>
+              </a:defRPr>
             </a:lvl7pPr>
             <a:lvl8pPr marL="3200400" indent="0" algn="ctr">
               <a:buNone/>
-              <a:defRPr sz="1600"/>
+              <a:defRPr>
+                <a:solidFill>
+                  <a:schemeClr val="tx1">
+                    <a:tint val="75000"/>
+                  </a:schemeClr>
+                </a:solidFill>
+              </a:defRPr>
             </a:lvl8pPr>
             <a:lvl9pPr marL="3657600" indent="0" algn="ctr">
               <a:buNone/>
-              <a:defRPr sz="1600"/>
+              <a:defRPr>
+                <a:solidFill>
+                  <a:schemeClr val="tx1">
+                    <a:tint val="75000"/>
+                  </a:schemeClr>
+                </a:solidFill>
+              </a:defRPr>
             </a:lvl9pPr>
           </a:lstStyle>
           <a:p>
@@ -244,18 +293,13 @@
               <a:rPr lang="hu-HU"/>
               <a:t>Kattintson ide az alcím mintájának szerkesztéséhez</a:t>
             </a:r>
-          </a:p>
-        </p:txBody>
-      </p:sp>
-      <p:sp>
-        <p:nvSpPr>
-          <p:cNvPr id="4" name="Dátum helye 3">
-            <a:extLst>
-              <a:ext uri="{FF2B5EF4-FFF2-40B4-BE49-F238E27FC236}">
-                <a16:creationId xmlns:a16="http://schemas.microsoft.com/office/drawing/2014/main" id="{342B010A-2544-489B-9C15-D174A1952D17}"/>
-              </a:ext>
-            </a:extLst>
-          </p:cNvPr>
+            <a:endParaRPr lang="en-US" dirty="0"/>
+          </a:p>
+        </p:txBody>
+      </p:sp>
+      <p:sp>
+        <p:nvSpPr>
+          <p:cNvPr id="4" name="Date Placeholder 3"/>
           <p:cNvSpPr>
             <a:spLocks noGrp="1"/>
           </p:cNvSpPr>
@@ -270,7 +314,7 @@
           <a:p>
             <a:fld id="{A14AEA5C-A5BC-4DE8-9202-74515C7584F2}" type="datetimeFigureOut">
               <a:rPr lang="hu-HU" smtClean="0"/>
-              <a:t>2024.03.18.</a:t>
+              <a:t>2024.03.25.</a:t>
             </a:fld>
             <a:endParaRPr lang="hu-HU"/>
           </a:p>
@@ -278,13 +322,7 @@
       </p:sp>
       <p:sp>
         <p:nvSpPr>
-          <p:cNvPr id="5" name="Élőláb helye 4">
-            <a:extLst>
-              <a:ext uri="{FF2B5EF4-FFF2-40B4-BE49-F238E27FC236}">
-                <a16:creationId xmlns:a16="http://schemas.microsoft.com/office/drawing/2014/main" id="{F1AAE1BB-1A75-4851-90D9-70DEC67AF9B4}"/>
-              </a:ext>
-            </a:extLst>
-          </p:cNvPr>
+          <p:cNvPr id="5" name="Footer Placeholder 4"/>
           <p:cNvSpPr>
             <a:spLocks noGrp="1"/>
           </p:cNvSpPr>
@@ -303,13 +341,7 @@
       </p:sp>
       <p:sp>
         <p:nvSpPr>
-          <p:cNvPr id="6" name="Dia számának helye 5">
-            <a:extLst>
-              <a:ext uri="{FF2B5EF4-FFF2-40B4-BE49-F238E27FC236}">
-                <a16:creationId xmlns:a16="http://schemas.microsoft.com/office/drawing/2014/main" id="{03234CC2-E58C-49A0-92DE-AFD3A4FE6EC4}"/>
-              </a:ext>
-            </a:extLst>
-          </p:cNvPr>
+          <p:cNvPr id="6" name="Slide Number Placeholder 5"/>
           <p:cNvSpPr>
             <a:spLocks noGrp="1"/>
           </p:cNvSpPr>
@@ -330,10 +362,185 @@
           </a:p>
         </p:txBody>
       </p:sp>
+      <p:cxnSp>
+        <p:nvCxnSpPr>
+          <p:cNvPr id="16" name="Straight Connector 15"/>
+          <p:cNvCxnSpPr/>
+          <p:nvPr/>
+        </p:nvCxnSpPr>
+        <p:spPr>
+          <a:xfrm flipH="1">
+            <a:off x="8228012" y="8467"/>
+            <a:ext cx="3810000" cy="3810000"/>
+          </a:xfrm>
+          <a:prstGeom prst="line">
+            <a:avLst/>
+          </a:prstGeom>
+          <a:ln w="12700">
+            <a:solidFill>
+              <a:schemeClr val="tx1"/>
+            </a:solidFill>
+          </a:ln>
+        </p:spPr>
+        <p:style>
+          <a:lnRef idx="2">
+            <a:schemeClr val="accent1"/>
+          </a:lnRef>
+          <a:fillRef idx="0">
+            <a:schemeClr val="accent1"/>
+          </a:fillRef>
+          <a:effectRef idx="1">
+            <a:schemeClr val="accent1"/>
+          </a:effectRef>
+          <a:fontRef idx="minor">
+            <a:schemeClr val="tx1"/>
+          </a:fontRef>
+        </p:style>
+      </p:cxnSp>
+      <p:cxnSp>
+        <p:nvCxnSpPr>
+          <p:cNvPr id="17" name="Straight Connector 16"/>
+          <p:cNvCxnSpPr/>
+          <p:nvPr/>
+        </p:nvCxnSpPr>
+        <p:spPr>
+          <a:xfrm flipH="1">
+            <a:off x="6108170" y="91545"/>
+            <a:ext cx="6080655" cy="6080655"/>
+          </a:xfrm>
+          <a:prstGeom prst="line">
+            <a:avLst/>
+          </a:prstGeom>
+          <a:ln w="12700">
+            <a:solidFill>
+              <a:schemeClr val="tx1"/>
+            </a:solidFill>
+          </a:ln>
+        </p:spPr>
+        <p:style>
+          <a:lnRef idx="2">
+            <a:schemeClr val="accent1"/>
+          </a:lnRef>
+          <a:fillRef idx="0">
+            <a:schemeClr val="accent1"/>
+          </a:fillRef>
+          <a:effectRef idx="1">
+            <a:schemeClr val="accent1"/>
+          </a:effectRef>
+          <a:fontRef idx="minor">
+            <a:schemeClr val="tx1"/>
+          </a:fontRef>
+        </p:style>
+      </p:cxnSp>
+      <p:cxnSp>
+        <p:nvCxnSpPr>
+          <p:cNvPr id="19" name="Straight Connector 18"/>
+          <p:cNvCxnSpPr/>
+          <p:nvPr/>
+        </p:nvCxnSpPr>
+        <p:spPr>
+          <a:xfrm flipH="1">
+            <a:off x="7235825" y="228600"/>
+            <a:ext cx="4953000" cy="4953000"/>
+          </a:xfrm>
+          <a:prstGeom prst="line">
+            <a:avLst/>
+          </a:prstGeom>
+          <a:ln w="12700">
+            <a:solidFill>
+              <a:schemeClr val="tx1"/>
+            </a:solidFill>
+          </a:ln>
+        </p:spPr>
+        <p:style>
+          <a:lnRef idx="2">
+            <a:schemeClr val="accent1"/>
+          </a:lnRef>
+          <a:fillRef idx="0">
+            <a:schemeClr val="accent1"/>
+          </a:fillRef>
+          <a:effectRef idx="1">
+            <a:schemeClr val="accent1"/>
+          </a:effectRef>
+          <a:fontRef idx="minor">
+            <a:schemeClr val="tx1"/>
+          </a:fontRef>
+        </p:style>
+      </p:cxnSp>
+      <p:cxnSp>
+        <p:nvCxnSpPr>
+          <p:cNvPr id="21" name="Straight Connector 20"/>
+          <p:cNvCxnSpPr/>
+          <p:nvPr/>
+        </p:nvCxnSpPr>
+        <p:spPr>
+          <a:xfrm flipH="1">
+            <a:off x="7335837" y="32278"/>
+            <a:ext cx="4852989" cy="4852989"/>
+          </a:xfrm>
+          <a:prstGeom prst="line">
+            <a:avLst/>
+          </a:prstGeom>
+          <a:ln w="31750">
+            <a:solidFill>
+              <a:schemeClr val="tx1"/>
+            </a:solidFill>
+          </a:ln>
+        </p:spPr>
+        <p:style>
+          <a:lnRef idx="2">
+            <a:schemeClr val="accent1"/>
+          </a:lnRef>
+          <a:fillRef idx="0">
+            <a:schemeClr val="accent1"/>
+          </a:fillRef>
+          <a:effectRef idx="1">
+            <a:schemeClr val="accent1"/>
+          </a:effectRef>
+          <a:fontRef idx="minor">
+            <a:schemeClr val="tx1"/>
+          </a:fontRef>
+        </p:style>
+      </p:cxnSp>
+      <p:cxnSp>
+        <p:nvCxnSpPr>
+          <p:cNvPr id="23" name="Straight Connector 22"/>
+          <p:cNvCxnSpPr/>
+          <p:nvPr/>
+        </p:nvCxnSpPr>
+        <p:spPr>
+          <a:xfrm flipH="1">
+            <a:off x="7845426" y="609601"/>
+            <a:ext cx="4343399" cy="4343399"/>
+          </a:xfrm>
+          <a:prstGeom prst="line">
+            <a:avLst/>
+          </a:prstGeom>
+          <a:ln w="31750">
+            <a:solidFill>
+              <a:schemeClr val="tx1"/>
+            </a:solidFill>
+          </a:ln>
+        </p:spPr>
+        <p:style>
+          <a:lnRef idx="2">
+            <a:schemeClr val="accent1"/>
+          </a:lnRef>
+          <a:fillRef idx="0">
+            <a:schemeClr val="accent1"/>
+          </a:fillRef>
+          <a:effectRef idx="1">
+            <a:schemeClr val="accent1"/>
+          </a:effectRef>
+          <a:fontRef idx="minor">
+            <a:schemeClr val="tx1"/>
+          </a:fontRef>
+        </p:style>
+      </p:cxnSp>
     </p:spTree>
     <p:extLst>
       <p:ext uri="{BB962C8B-B14F-4D97-AF65-F5344CB8AC3E}">
-        <p14:creationId xmlns:p14="http://schemas.microsoft.com/office/powerpoint/2010/main" val="3670067101"/>
+        <p14:creationId xmlns:p14="http://schemas.microsoft.com/office/powerpoint/2010/main" val="1463737931"/>
       </p:ext>
     </p:extLst>
   </p:cSld>
@@ -344,6 +551,1812 @@
 </file>
 
 <file path=ppt/slideLayouts/slideLayout10.xml><?xml version="1.0" encoding="utf-8"?>
+<p:sldLayout xmlns:a="http://schemas.openxmlformats.org/drawingml/2006/main" xmlns:r="http://schemas.openxmlformats.org/officeDocument/2006/relationships" xmlns:p="http://schemas.openxmlformats.org/presentationml/2006/main" preserve="1">
+  <p:cSld name="Panorámakép képaláírással">
+    <p:spTree>
+      <p:nvGrpSpPr>
+        <p:cNvPr id="1" name=""/>
+        <p:cNvGrpSpPr/>
+        <p:nvPr/>
+      </p:nvGrpSpPr>
+      <p:grpSpPr>
+        <a:xfrm>
+          <a:off x="0" y="0"/>
+          <a:ext cx="0" cy="0"/>
+          <a:chOff x="0" y="0"/>
+          <a:chExt cx="0" cy="0"/>
+        </a:xfrm>
+      </p:grpSpPr>
+      <p:sp>
+        <p:nvSpPr>
+          <p:cNvPr id="2" name="Title 1"/>
+          <p:cNvSpPr>
+            <a:spLocks noGrp="1"/>
+          </p:cNvSpPr>
+          <p:nvPr>
+            <p:ph type="title"/>
+          </p:nvPr>
+        </p:nvSpPr>
+        <p:spPr/>
+        <p:txBody>
+          <a:bodyPr/>
+          <a:lstStyle/>
+          <a:p>
+            <a:r>
+              <a:rPr lang="hu-HU"/>
+              <a:t>Mintacím szerkesztése</a:t>
+            </a:r>
+            <a:endParaRPr lang="en-US" dirty="0"/>
+          </a:p>
+        </p:txBody>
+      </p:sp>
+      <p:sp>
+        <p:nvSpPr>
+          <p:cNvPr id="17" name="Picture Placeholder 2"/>
+          <p:cNvSpPr>
+            <a:spLocks noGrp="1" noChangeAspect="1"/>
+          </p:cNvSpPr>
+          <p:nvPr>
+            <p:ph type="pic" idx="13"/>
+          </p:nvPr>
+        </p:nvSpPr>
+        <p:spPr>
+          <a:xfrm>
+            <a:off x="685800" y="533400"/>
+            <a:ext cx="10818812" cy="3124200"/>
+          </a:xfrm>
+          <a:prstGeom prst="snip2DiagRect">
+            <a:avLst>
+              <a:gd name="adj1" fmla="val 10815"/>
+              <a:gd name="adj2" fmla="val 0"/>
+            </a:avLst>
+          </a:prstGeom>
+          <a:ln w="15875">
+            <a:solidFill>
+              <a:schemeClr val="tx1">
+                <a:alpha val="40000"/>
+              </a:schemeClr>
+            </a:solidFill>
+          </a:ln>
+          <a:effectLst>
+            <a:innerShdw blurRad="57150" dist="38100" dir="14460000">
+              <a:srgbClr val="000000">
+                <a:alpha val="70000"/>
+              </a:srgbClr>
+            </a:innerShdw>
+          </a:effectLst>
+        </p:spPr>
+        <p:txBody>
+          <a:bodyPr anchor="t">
+            <a:normAutofit/>
+          </a:bodyPr>
+          <a:lstStyle>
+            <a:lvl1pPr marL="0" indent="0" algn="ctr">
+              <a:buNone/>
+              <a:defRPr sz="1600"/>
+            </a:lvl1pPr>
+            <a:lvl2pPr marL="457200" indent="0">
+              <a:buNone/>
+              <a:defRPr sz="1600"/>
+            </a:lvl2pPr>
+            <a:lvl3pPr marL="914400" indent="0">
+              <a:buNone/>
+              <a:defRPr sz="1600"/>
+            </a:lvl3pPr>
+            <a:lvl4pPr marL="1371600" indent="0">
+              <a:buNone/>
+              <a:defRPr sz="1600"/>
+            </a:lvl4pPr>
+            <a:lvl5pPr marL="1828800" indent="0">
+              <a:buNone/>
+              <a:defRPr sz="1600"/>
+            </a:lvl5pPr>
+            <a:lvl6pPr marL="2286000" indent="0">
+              <a:buNone/>
+              <a:defRPr sz="1600"/>
+            </a:lvl6pPr>
+            <a:lvl7pPr marL="2743200" indent="0">
+              <a:buNone/>
+              <a:defRPr sz="1600"/>
+            </a:lvl7pPr>
+            <a:lvl8pPr marL="3200400" indent="0">
+              <a:buNone/>
+              <a:defRPr sz="1600"/>
+            </a:lvl8pPr>
+            <a:lvl9pPr marL="3657600" indent="0">
+              <a:buNone/>
+              <a:defRPr sz="1600"/>
+            </a:lvl9pPr>
+          </a:lstStyle>
+          <a:p>
+            <a:r>
+              <a:rPr lang="hu-HU"/>
+              <a:t>Kép beszúrásához kattintson az ikonra</a:t>
+            </a:r>
+            <a:endParaRPr lang="en-US" dirty="0"/>
+          </a:p>
+        </p:txBody>
+      </p:sp>
+      <p:sp>
+        <p:nvSpPr>
+          <p:cNvPr id="16" name="Text Placeholder 9"/>
+          <p:cNvSpPr>
+            <a:spLocks noGrp="1"/>
+          </p:cNvSpPr>
+          <p:nvPr>
+            <p:ph type="body" sz="quarter" idx="14"/>
+          </p:nvPr>
+        </p:nvSpPr>
+        <p:spPr>
+          <a:xfrm>
+            <a:off x="914402" y="3843867"/>
+            <a:ext cx="8304210" cy="457200"/>
+          </a:xfrm>
+        </p:spPr>
+        <p:txBody>
+          <a:bodyPr anchor="t">
+            <a:normAutofit/>
+          </a:bodyPr>
+          <a:lstStyle>
+            <a:lvl1pPr marL="0" indent="0">
+              <a:buFontTx/>
+              <a:buNone/>
+              <a:defRPr sz="1600"/>
+            </a:lvl1pPr>
+            <a:lvl2pPr marL="457200" indent="0">
+              <a:buFontTx/>
+              <a:buNone/>
+              <a:defRPr/>
+            </a:lvl2pPr>
+            <a:lvl3pPr marL="914400" indent="0">
+              <a:buFontTx/>
+              <a:buNone/>
+              <a:defRPr/>
+            </a:lvl3pPr>
+            <a:lvl4pPr marL="1371600" indent="0">
+              <a:buFontTx/>
+              <a:buNone/>
+              <a:defRPr/>
+            </a:lvl4pPr>
+            <a:lvl5pPr marL="1828800" indent="0">
+              <a:buFontTx/>
+              <a:buNone/>
+              <a:defRPr/>
+            </a:lvl5pPr>
+          </a:lstStyle>
+          <a:p>
+            <a:pPr lvl="0"/>
+            <a:r>
+              <a:rPr lang="hu-HU"/>
+              <a:t>Mintaszöveg szerkesztése</a:t>
+            </a:r>
+          </a:p>
+        </p:txBody>
+      </p:sp>
+      <p:sp>
+        <p:nvSpPr>
+          <p:cNvPr id="3" name="Date Placeholder 2"/>
+          <p:cNvSpPr>
+            <a:spLocks noGrp="1"/>
+          </p:cNvSpPr>
+          <p:nvPr>
+            <p:ph type="dt" sz="half" idx="10"/>
+          </p:nvPr>
+        </p:nvSpPr>
+        <p:spPr/>
+        <p:txBody>
+          <a:bodyPr/>
+          <a:lstStyle/>
+          <a:p>
+            <a:fld id="{A14AEA5C-A5BC-4DE8-9202-74515C7584F2}" type="datetimeFigureOut">
+              <a:rPr lang="hu-HU" smtClean="0"/>
+              <a:t>2024.03.25.</a:t>
+            </a:fld>
+            <a:endParaRPr lang="hu-HU"/>
+          </a:p>
+        </p:txBody>
+      </p:sp>
+      <p:sp>
+        <p:nvSpPr>
+          <p:cNvPr id="4" name="Footer Placeholder 3"/>
+          <p:cNvSpPr>
+            <a:spLocks noGrp="1"/>
+          </p:cNvSpPr>
+          <p:nvPr>
+            <p:ph type="ftr" sz="quarter" idx="11"/>
+          </p:nvPr>
+        </p:nvSpPr>
+        <p:spPr/>
+        <p:txBody>
+          <a:bodyPr/>
+          <a:lstStyle/>
+          <a:p>
+            <a:endParaRPr lang="hu-HU"/>
+          </a:p>
+        </p:txBody>
+      </p:sp>
+      <p:sp>
+        <p:nvSpPr>
+          <p:cNvPr id="5" name="Slide Number Placeholder 4"/>
+          <p:cNvSpPr>
+            <a:spLocks noGrp="1"/>
+          </p:cNvSpPr>
+          <p:nvPr>
+            <p:ph type="sldNum" sz="quarter" idx="12"/>
+          </p:nvPr>
+        </p:nvSpPr>
+        <p:spPr/>
+        <p:txBody>
+          <a:bodyPr/>
+          <a:lstStyle/>
+          <a:p>
+            <a:fld id="{7F962801-2828-412A-B268-303032E7E645}" type="slidenum">
+              <a:rPr lang="hu-HU" smtClean="0"/>
+              <a:t>‹#›</a:t>
+            </a:fld>
+            <a:endParaRPr lang="hu-HU"/>
+          </a:p>
+        </p:txBody>
+      </p:sp>
+    </p:spTree>
+    <p:extLst>
+      <p:ext uri="{BB962C8B-B14F-4D97-AF65-F5344CB8AC3E}">
+        <p14:creationId xmlns:p14="http://schemas.microsoft.com/office/powerpoint/2010/main" val="2487853620"/>
+      </p:ext>
+    </p:extLst>
+  </p:cSld>
+  <p:clrMapOvr>
+    <a:masterClrMapping/>
+  </p:clrMapOvr>
+</p:sldLayout>
+</file>
+
+<file path=ppt/slideLayouts/slideLayout11.xml><?xml version="1.0" encoding="utf-8"?>
+<p:sldLayout xmlns:a="http://schemas.openxmlformats.org/drawingml/2006/main" xmlns:r="http://schemas.openxmlformats.org/officeDocument/2006/relationships" xmlns:p="http://schemas.openxmlformats.org/presentationml/2006/main" preserve="1">
+  <p:cSld name="Cím és képaláírás">
+    <p:spTree>
+      <p:nvGrpSpPr>
+        <p:cNvPr id="1" name=""/>
+        <p:cNvGrpSpPr/>
+        <p:nvPr/>
+      </p:nvGrpSpPr>
+      <p:grpSpPr>
+        <a:xfrm>
+          <a:off x="0" y="0"/>
+          <a:ext cx="0" cy="0"/>
+          <a:chOff x="0" y="0"/>
+          <a:chExt cx="0" cy="0"/>
+        </a:xfrm>
+      </p:grpSpPr>
+      <p:sp>
+        <p:nvSpPr>
+          <p:cNvPr id="2" name="Title 1"/>
+          <p:cNvSpPr>
+            <a:spLocks noGrp="1"/>
+          </p:cNvSpPr>
+          <p:nvPr>
+            <p:ph type="title"/>
+          </p:nvPr>
+        </p:nvSpPr>
+        <p:spPr>
+          <a:xfrm>
+            <a:off x="684213" y="685800"/>
+            <a:ext cx="10058400" cy="2743200"/>
+          </a:xfrm>
+        </p:spPr>
+        <p:txBody>
+          <a:bodyPr anchor="ctr">
+            <a:normAutofit/>
+          </a:bodyPr>
+          <a:lstStyle>
+            <a:lvl1pPr algn="l">
+              <a:defRPr sz="3200" b="0" cap="all"/>
+            </a:lvl1pPr>
+          </a:lstStyle>
+          <a:p>
+            <a:r>
+              <a:rPr lang="hu-HU"/>
+              <a:t>Mintacím szerkesztése</a:t>
+            </a:r>
+            <a:endParaRPr lang="en-US" dirty="0"/>
+          </a:p>
+        </p:txBody>
+      </p:sp>
+      <p:sp>
+        <p:nvSpPr>
+          <p:cNvPr id="3" name="Text Placeholder 2"/>
+          <p:cNvSpPr>
+            <a:spLocks noGrp="1"/>
+          </p:cNvSpPr>
+          <p:nvPr>
+            <p:ph type="body" idx="1"/>
+          </p:nvPr>
+        </p:nvSpPr>
+        <p:spPr>
+          <a:xfrm>
+            <a:off x="684212" y="4114800"/>
+            <a:ext cx="8535988" cy="1879600"/>
+          </a:xfrm>
+        </p:spPr>
+        <p:txBody>
+          <a:bodyPr anchor="ctr">
+            <a:normAutofit/>
+          </a:bodyPr>
+          <a:lstStyle>
+            <a:lvl1pPr marL="0" indent="0" algn="l">
+              <a:buNone/>
+              <a:defRPr sz="2000">
+                <a:solidFill>
+                  <a:schemeClr val="bg2">
+                    <a:lumMod val="75000"/>
+                  </a:schemeClr>
+                </a:solidFill>
+              </a:defRPr>
+            </a:lvl1pPr>
+            <a:lvl2pPr marL="457200" indent="0">
+              <a:buNone/>
+              <a:defRPr sz="1800">
+                <a:solidFill>
+                  <a:schemeClr val="tx1">
+                    <a:tint val="75000"/>
+                  </a:schemeClr>
+                </a:solidFill>
+              </a:defRPr>
+            </a:lvl2pPr>
+            <a:lvl3pPr marL="914400" indent="0">
+              <a:buNone/>
+              <a:defRPr sz="1600">
+                <a:solidFill>
+                  <a:schemeClr val="tx1">
+                    <a:tint val="75000"/>
+                  </a:schemeClr>
+                </a:solidFill>
+              </a:defRPr>
+            </a:lvl3pPr>
+            <a:lvl4pPr marL="1371600" indent="0">
+              <a:buNone/>
+              <a:defRPr sz="1400">
+                <a:solidFill>
+                  <a:schemeClr val="tx1">
+                    <a:tint val="75000"/>
+                  </a:schemeClr>
+                </a:solidFill>
+              </a:defRPr>
+            </a:lvl4pPr>
+            <a:lvl5pPr marL="1828800" indent="0">
+              <a:buNone/>
+              <a:defRPr sz="1400">
+                <a:solidFill>
+                  <a:schemeClr val="tx1">
+                    <a:tint val="75000"/>
+                  </a:schemeClr>
+                </a:solidFill>
+              </a:defRPr>
+            </a:lvl5pPr>
+            <a:lvl6pPr marL="2286000" indent="0">
+              <a:buNone/>
+              <a:defRPr sz="1400">
+                <a:solidFill>
+                  <a:schemeClr val="tx1">
+                    <a:tint val="75000"/>
+                  </a:schemeClr>
+                </a:solidFill>
+              </a:defRPr>
+            </a:lvl6pPr>
+            <a:lvl7pPr marL="2743200" indent="0">
+              <a:buNone/>
+              <a:defRPr sz="1400">
+                <a:solidFill>
+                  <a:schemeClr val="tx1">
+                    <a:tint val="75000"/>
+                  </a:schemeClr>
+                </a:solidFill>
+              </a:defRPr>
+            </a:lvl7pPr>
+            <a:lvl8pPr marL="3200400" indent="0">
+              <a:buNone/>
+              <a:defRPr sz="1400">
+                <a:solidFill>
+                  <a:schemeClr val="tx1">
+                    <a:tint val="75000"/>
+                  </a:schemeClr>
+                </a:solidFill>
+              </a:defRPr>
+            </a:lvl8pPr>
+            <a:lvl9pPr marL="3657600" indent="0">
+              <a:buNone/>
+              <a:defRPr sz="1400">
+                <a:solidFill>
+                  <a:schemeClr val="tx1">
+                    <a:tint val="75000"/>
+                  </a:schemeClr>
+                </a:solidFill>
+              </a:defRPr>
+            </a:lvl9pPr>
+          </a:lstStyle>
+          <a:p>
+            <a:pPr lvl="0"/>
+            <a:r>
+              <a:rPr lang="hu-HU"/>
+              <a:t>Mintaszöveg szerkesztése</a:t>
+            </a:r>
+          </a:p>
+        </p:txBody>
+      </p:sp>
+      <p:sp>
+        <p:nvSpPr>
+          <p:cNvPr id="4" name="Date Placeholder 3"/>
+          <p:cNvSpPr>
+            <a:spLocks noGrp="1"/>
+          </p:cNvSpPr>
+          <p:nvPr>
+            <p:ph type="dt" sz="half" idx="10"/>
+          </p:nvPr>
+        </p:nvSpPr>
+        <p:spPr/>
+        <p:txBody>
+          <a:bodyPr/>
+          <a:lstStyle/>
+          <a:p>
+            <a:fld id="{A14AEA5C-A5BC-4DE8-9202-74515C7584F2}" type="datetimeFigureOut">
+              <a:rPr lang="hu-HU" smtClean="0"/>
+              <a:t>2024.03.25.</a:t>
+            </a:fld>
+            <a:endParaRPr lang="hu-HU"/>
+          </a:p>
+        </p:txBody>
+      </p:sp>
+      <p:sp>
+        <p:nvSpPr>
+          <p:cNvPr id="5" name="Footer Placeholder 4"/>
+          <p:cNvSpPr>
+            <a:spLocks noGrp="1"/>
+          </p:cNvSpPr>
+          <p:nvPr>
+            <p:ph type="ftr" sz="quarter" idx="11"/>
+          </p:nvPr>
+        </p:nvSpPr>
+        <p:spPr/>
+        <p:txBody>
+          <a:bodyPr/>
+          <a:lstStyle/>
+          <a:p>
+            <a:endParaRPr lang="hu-HU"/>
+          </a:p>
+        </p:txBody>
+      </p:sp>
+      <p:sp>
+        <p:nvSpPr>
+          <p:cNvPr id="6" name="Slide Number Placeholder 5"/>
+          <p:cNvSpPr>
+            <a:spLocks noGrp="1"/>
+          </p:cNvSpPr>
+          <p:nvPr>
+            <p:ph type="sldNum" sz="quarter" idx="12"/>
+          </p:nvPr>
+        </p:nvSpPr>
+        <p:spPr/>
+        <p:txBody>
+          <a:bodyPr/>
+          <a:lstStyle/>
+          <a:p>
+            <a:fld id="{7F962801-2828-412A-B268-303032E7E645}" type="slidenum">
+              <a:rPr lang="hu-HU" smtClean="0"/>
+              <a:t>‹#›</a:t>
+            </a:fld>
+            <a:endParaRPr lang="hu-HU"/>
+          </a:p>
+        </p:txBody>
+      </p:sp>
+    </p:spTree>
+    <p:extLst>
+      <p:ext uri="{BB962C8B-B14F-4D97-AF65-F5344CB8AC3E}">
+        <p14:creationId xmlns:p14="http://schemas.microsoft.com/office/powerpoint/2010/main" val="2561055501"/>
+      </p:ext>
+    </p:extLst>
+  </p:cSld>
+  <p:clrMapOvr>
+    <a:masterClrMapping/>
+  </p:clrMapOvr>
+</p:sldLayout>
+</file>
+
+<file path=ppt/slideLayouts/slideLayout12.xml><?xml version="1.0" encoding="utf-8"?>
+<p:sldLayout xmlns:a="http://schemas.openxmlformats.org/drawingml/2006/main" xmlns:r="http://schemas.openxmlformats.org/officeDocument/2006/relationships" xmlns:p="http://schemas.openxmlformats.org/presentationml/2006/main" preserve="1">
+  <p:cSld name="Idézet képaláírással">
+    <p:spTree>
+      <p:nvGrpSpPr>
+        <p:cNvPr id="1" name=""/>
+        <p:cNvGrpSpPr/>
+        <p:nvPr/>
+      </p:nvGrpSpPr>
+      <p:grpSpPr>
+        <a:xfrm>
+          <a:off x="0" y="0"/>
+          <a:ext cx="0" cy="0"/>
+          <a:chOff x="0" y="0"/>
+          <a:chExt cx="0" cy="0"/>
+        </a:xfrm>
+      </p:grpSpPr>
+      <p:sp>
+        <p:nvSpPr>
+          <p:cNvPr id="2" name="Title 1"/>
+          <p:cNvSpPr>
+            <a:spLocks noGrp="1"/>
+          </p:cNvSpPr>
+          <p:nvPr>
+            <p:ph type="title"/>
+          </p:nvPr>
+        </p:nvSpPr>
+        <p:spPr>
+          <a:xfrm>
+            <a:off x="1141411" y="685800"/>
+            <a:ext cx="9144001" cy="2743200"/>
+          </a:xfrm>
+        </p:spPr>
+        <p:txBody>
+          <a:bodyPr anchor="ctr">
+            <a:normAutofit/>
+          </a:bodyPr>
+          <a:lstStyle>
+            <a:lvl1pPr algn="l">
+              <a:defRPr sz="3200" b="0" cap="all">
+                <a:solidFill>
+                  <a:schemeClr val="tx1"/>
+                </a:solidFill>
+              </a:defRPr>
+            </a:lvl1pPr>
+          </a:lstStyle>
+          <a:p>
+            <a:r>
+              <a:rPr lang="hu-HU"/>
+              <a:t>Mintacím szerkesztése</a:t>
+            </a:r>
+            <a:endParaRPr lang="en-US" dirty="0"/>
+          </a:p>
+        </p:txBody>
+      </p:sp>
+      <p:sp>
+        <p:nvSpPr>
+          <p:cNvPr id="10" name="Text Placeholder 9"/>
+          <p:cNvSpPr>
+            <a:spLocks noGrp="1"/>
+          </p:cNvSpPr>
+          <p:nvPr>
+            <p:ph type="body" sz="quarter" idx="13"/>
+          </p:nvPr>
+        </p:nvSpPr>
+        <p:spPr>
+          <a:xfrm>
+            <a:off x="1446212" y="3429000"/>
+            <a:ext cx="8534400" cy="381000"/>
+          </a:xfrm>
+        </p:spPr>
+        <p:txBody>
+          <a:bodyPr anchor="ctr"/>
+          <a:lstStyle>
+            <a:lvl1pPr marL="0" indent="0">
+              <a:buFontTx/>
+              <a:buNone/>
+              <a:defRPr/>
+            </a:lvl1pPr>
+            <a:lvl2pPr marL="457200" indent="0">
+              <a:buFontTx/>
+              <a:buNone/>
+              <a:defRPr/>
+            </a:lvl2pPr>
+            <a:lvl3pPr marL="914400" indent="0">
+              <a:buFontTx/>
+              <a:buNone/>
+              <a:defRPr/>
+            </a:lvl3pPr>
+            <a:lvl4pPr marL="1371600" indent="0">
+              <a:buFontTx/>
+              <a:buNone/>
+              <a:defRPr/>
+            </a:lvl4pPr>
+            <a:lvl5pPr marL="1828800" indent="0">
+              <a:buFontTx/>
+              <a:buNone/>
+              <a:defRPr/>
+            </a:lvl5pPr>
+          </a:lstStyle>
+          <a:p>
+            <a:pPr lvl="0"/>
+            <a:r>
+              <a:rPr lang="hu-HU"/>
+              <a:t>Mintaszöveg szerkesztése</a:t>
+            </a:r>
+          </a:p>
+        </p:txBody>
+      </p:sp>
+      <p:sp>
+        <p:nvSpPr>
+          <p:cNvPr id="3" name="Text Placeholder 2"/>
+          <p:cNvSpPr>
+            <a:spLocks noGrp="1"/>
+          </p:cNvSpPr>
+          <p:nvPr>
+            <p:ph type="body" idx="1"/>
+          </p:nvPr>
+        </p:nvSpPr>
+        <p:spPr>
+          <a:xfrm>
+            <a:off x="684213" y="4301067"/>
+            <a:ext cx="8534400" cy="1684865"/>
+          </a:xfrm>
+        </p:spPr>
+        <p:txBody>
+          <a:bodyPr anchor="ctr">
+            <a:normAutofit/>
+          </a:bodyPr>
+          <a:lstStyle>
+            <a:lvl1pPr marL="0" indent="0" algn="l">
+              <a:buNone/>
+              <a:defRPr sz="2000">
+                <a:solidFill>
+                  <a:schemeClr val="bg2">
+                    <a:lumMod val="75000"/>
+                  </a:schemeClr>
+                </a:solidFill>
+              </a:defRPr>
+            </a:lvl1pPr>
+            <a:lvl2pPr marL="457200" indent="0">
+              <a:buNone/>
+              <a:defRPr sz="1800">
+                <a:solidFill>
+                  <a:schemeClr val="tx1">
+                    <a:tint val="75000"/>
+                  </a:schemeClr>
+                </a:solidFill>
+              </a:defRPr>
+            </a:lvl2pPr>
+            <a:lvl3pPr marL="914400" indent="0">
+              <a:buNone/>
+              <a:defRPr sz="1600">
+                <a:solidFill>
+                  <a:schemeClr val="tx1">
+                    <a:tint val="75000"/>
+                  </a:schemeClr>
+                </a:solidFill>
+              </a:defRPr>
+            </a:lvl3pPr>
+            <a:lvl4pPr marL="1371600" indent="0">
+              <a:buNone/>
+              <a:defRPr sz="1400">
+                <a:solidFill>
+                  <a:schemeClr val="tx1">
+                    <a:tint val="75000"/>
+                  </a:schemeClr>
+                </a:solidFill>
+              </a:defRPr>
+            </a:lvl4pPr>
+            <a:lvl5pPr marL="1828800" indent="0">
+              <a:buNone/>
+              <a:defRPr sz="1400">
+                <a:solidFill>
+                  <a:schemeClr val="tx1">
+                    <a:tint val="75000"/>
+                  </a:schemeClr>
+                </a:solidFill>
+              </a:defRPr>
+            </a:lvl5pPr>
+            <a:lvl6pPr marL="2286000" indent="0">
+              <a:buNone/>
+              <a:defRPr sz="1400">
+                <a:solidFill>
+                  <a:schemeClr val="tx1">
+                    <a:tint val="75000"/>
+                  </a:schemeClr>
+                </a:solidFill>
+              </a:defRPr>
+            </a:lvl6pPr>
+            <a:lvl7pPr marL="2743200" indent="0">
+              <a:buNone/>
+              <a:defRPr sz="1400">
+                <a:solidFill>
+                  <a:schemeClr val="tx1">
+                    <a:tint val="75000"/>
+                  </a:schemeClr>
+                </a:solidFill>
+              </a:defRPr>
+            </a:lvl7pPr>
+            <a:lvl8pPr marL="3200400" indent="0">
+              <a:buNone/>
+              <a:defRPr sz="1400">
+                <a:solidFill>
+                  <a:schemeClr val="tx1">
+                    <a:tint val="75000"/>
+                  </a:schemeClr>
+                </a:solidFill>
+              </a:defRPr>
+            </a:lvl8pPr>
+            <a:lvl9pPr marL="3657600" indent="0">
+              <a:buNone/>
+              <a:defRPr sz="1400">
+                <a:solidFill>
+                  <a:schemeClr val="tx1">
+                    <a:tint val="75000"/>
+                  </a:schemeClr>
+                </a:solidFill>
+              </a:defRPr>
+            </a:lvl9pPr>
+          </a:lstStyle>
+          <a:p>
+            <a:pPr lvl="0"/>
+            <a:r>
+              <a:rPr lang="hu-HU"/>
+              <a:t>Mintaszöveg szerkesztése</a:t>
+            </a:r>
+          </a:p>
+        </p:txBody>
+      </p:sp>
+      <p:sp>
+        <p:nvSpPr>
+          <p:cNvPr id="4" name="Date Placeholder 3"/>
+          <p:cNvSpPr>
+            <a:spLocks noGrp="1"/>
+          </p:cNvSpPr>
+          <p:nvPr>
+            <p:ph type="dt" sz="half" idx="10"/>
+          </p:nvPr>
+        </p:nvSpPr>
+        <p:spPr/>
+        <p:txBody>
+          <a:bodyPr/>
+          <a:lstStyle/>
+          <a:p>
+            <a:fld id="{A14AEA5C-A5BC-4DE8-9202-74515C7584F2}" type="datetimeFigureOut">
+              <a:rPr lang="hu-HU" smtClean="0"/>
+              <a:t>2024.03.25.</a:t>
+            </a:fld>
+            <a:endParaRPr lang="hu-HU"/>
+          </a:p>
+        </p:txBody>
+      </p:sp>
+      <p:sp>
+        <p:nvSpPr>
+          <p:cNvPr id="5" name="Footer Placeholder 4"/>
+          <p:cNvSpPr>
+            <a:spLocks noGrp="1"/>
+          </p:cNvSpPr>
+          <p:nvPr>
+            <p:ph type="ftr" sz="quarter" idx="11"/>
+          </p:nvPr>
+        </p:nvSpPr>
+        <p:spPr/>
+        <p:txBody>
+          <a:bodyPr/>
+          <a:lstStyle/>
+          <a:p>
+            <a:endParaRPr lang="hu-HU"/>
+          </a:p>
+        </p:txBody>
+      </p:sp>
+      <p:sp>
+        <p:nvSpPr>
+          <p:cNvPr id="6" name="Slide Number Placeholder 5"/>
+          <p:cNvSpPr>
+            <a:spLocks noGrp="1"/>
+          </p:cNvSpPr>
+          <p:nvPr>
+            <p:ph type="sldNum" sz="quarter" idx="12"/>
+          </p:nvPr>
+        </p:nvSpPr>
+        <p:spPr/>
+        <p:txBody>
+          <a:bodyPr/>
+          <a:lstStyle/>
+          <a:p>
+            <a:fld id="{7F962801-2828-412A-B268-303032E7E645}" type="slidenum">
+              <a:rPr lang="hu-HU" smtClean="0"/>
+              <a:t>‹#›</a:t>
+            </a:fld>
+            <a:endParaRPr lang="hu-HU"/>
+          </a:p>
+        </p:txBody>
+      </p:sp>
+      <p:sp>
+        <p:nvSpPr>
+          <p:cNvPr id="14" name="TextBox 13"/>
+          <p:cNvSpPr txBox="1"/>
+          <p:nvPr/>
+        </p:nvSpPr>
+        <p:spPr>
+          <a:xfrm>
+            <a:off x="531812" y="812222"/>
+            <a:ext cx="609600" cy="584776"/>
+          </a:xfrm>
+          <a:prstGeom prst="rect">
+            <a:avLst/>
+          </a:prstGeom>
+        </p:spPr>
+        <p:txBody>
+          <a:bodyPr vert="horz" lIns="91440" tIns="45720" rIns="91440" bIns="45720" rtlCol="0" anchor="ctr">
+            <a:noAutofit/>
+          </a:bodyPr>
+          <a:lstStyle/>
+          <a:p>
+            <a:pPr lvl="0"/>
+            <a:r>
+              <a:rPr lang="en-US" sz="8000" dirty="0">
+                <a:solidFill>
+                  <a:schemeClr val="tx1"/>
+                </a:solidFill>
+                <a:effectLst/>
+              </a:rPr>
+              <a:t>“</a:t>
+            </a:r>
+          </a:p>
+        </p:txBody>
+      </p:sp>
+      <p:sp>
+        <p:nvSpPr>
+          <p:cNvPr id="15" name="TextBox 14"/>
+          <p:cNvSpPr txBox="1"/>
+          <p:nvPr/>
+        </p:nvSpPr>
+        <p:spPr>
+          <a:xfrm>
+            <a:off x="10285412" y="2768601"/>
+            <a:ext cx="609600" cy="584776"/>
+          </a:xfrm>
+          <a:prstGeom prst="rect">
+            <a:avLst/>
+          </a:prstGeom>
+        </p:spPr>
+        <p:txBody>
+          <a:bodyPr vert="horz" lIns="91440" tIns="45720" rIns="91440" bIns="45720" rtlCol="0" anchor="ctr">
+            <a:noAutofit/>
+          </a:bodyPr>
+          <a:lstStyle/>
+          <a:p>
+            <a:pPr lvl="0" algn="r"/>
+            <a:r>
+              <a:rPr lang="en-US" sz="8000" dirty="0">
+                <a:solidFill>
+                  <a:schemeClr val="tx1"/>
+                </a:solidFill>
+                <a:effectLst/>
+              </a:rPr>
+              <a:t>”</a:t>
+            </a:r>
+          </a:p>
+        </p:txBody>
+      </p:sp>
+    </p:spTree>
+    <p:extLst>
+      <p:ext uri="{BB962C8B-B14F-4D97-AF65-F5344CB8AC3E}">
+        <p14:creationId xmlns:p14="http://schemas.microsoft.com/office/powerpoint/2010/main" val="3234155181"/>
+      </p:ext>
+    </p:extLst>
+  </p:cSld>
+  <p:clrMapOvr>
+    <a:masterClrMapping/>
+  </p:clrMapOvr>
+</p:sldLayout>
+</file>
+
+<file path=ppt/slideLayouts/slideLayout13.xml><?xml version="1.0" encoding="utf-8"?>
+<p:sldLayout xmlns:a="http://schemas.openxmlformats.org/drawingml/2006/main" xmlns:r="http://schemas.openxmlformats.org/officeDocument/2006/relationships" xmlns:p="http://schemas.openxmlformats.org/presentationml/2006/main" preserve="1">
+  <p:cSld name="Névkártya">
+    <p:spTree>
+      <p:nvGrpSpPr>
+        <p:cNvPr id="1" name=""/>
+        <p:cNvGrpSpPr/>
+        <p:nvPr/>
+      </p:nvGrpSpPr>
+      <p:grpSpPr>
+        <a:xfrm>
+          <a:off x="0" y="0"/>
+          <a:ext cx="0" cy="0"/>
+          <a:chOff x="0" y="0"/>
+          <a:chExt cx="0" cy="0"/>
+        </a:xfrm>
+      </p:grpSpPr>
+      <p:sp>
+        <p:nvSpPr>
+          <p:cNvPr id="2" name="Title 1"/>
+          <p:cNvSpPr>
+            <a:spLocks noGrp="1"/>
+          </p:cNvSpPr>
+          <p:nvPr>
+            <p:ph type="title"/>
+          </p:nvPr>
+        </p:nvSpPr>
+        <p:spPr>
+          <a:xfrm>
+            <a:off x="684212" y="3429000"/>
+            <a:ext cx="8534400" cy="1697400"/>
+          </a:xfrm>
+        </p:spPr>
+        <p:txBody>
+          <a:bodyPr anchor="b">
+            <a:normAutofit/>
+          </a:bodyPr>
+          <a:lstStyle>
+            <a:lvl1pPr algn="l">
+              <a:defRPr sz="3200" b="0" cap="all"/>
+            </a:lvl1pPr>
+          </a:lstStyle>
+          <a:p>
+            <a:r>
+              <a:rPr lang="hu-HU"/>
+              <a:t>Mintacím szerkesztése</a:t>
+            </a:r>
+            <a:endParaRPr lang="en-US" dirty="0"/>
+          </a:p>
+        </p:txBody>
+      </p:sp>
+      <p:sp>
+        <p:nvSpPr>
+          <p:cNvPr id="3" name="Text Placeholder 2"/>
+          <p:cNvSpPr>
+            <a:spLocks noGrp="1"/>
+          </p:cNvSpPr>
+          <p:nvPr>
+            <p:ph type="body" idx="1"/>
+          </p:nvPr>
+        </p:nvSpPr>
+        <p:spPr>
+          <a:xfrm>
+            <a:off x="684211" y="5132981"/>
+            <a:ext cx="8535990" cy="860400"/>
+          </a:xfrm>
+        </p:spPr>
+        <p:txBody>
+          <a:bodyPr anchor="t">
+            <a:normAutofit/>
+          </a:bodyPr>
+          <a:lstStyle>
+            <a:lvl1pPr marL="0" indent="0" algn="l">
+              <a:buNone/>
+              <a:defRPr sz="2000">
+                <a:solidFill>
+                  <a:schemeClr val="bg2">
+                    <a:lumMod val="75000"/>
+                  </a:schemeClr>
+                </a:solidFill>
+              </a:defRPr>
+            </a:lvl1pPr>
+            <a:lvl2pPr marL="457200" indent="0">
+              <a:buNone/>
+              <a:defRPr sz="1800">
+                <a:solidFill>
+                  <a:schemeClr val="tx1">
+                    <a:tint val="75000"/>
+                  </a:schemeClr>
+                </a:solidFill>
+              </a:defRPr>
+            </a:lvl2pPr>
+            <a:lvl3pPr marL="914400" indent="0">
+              <a:buNone/>
+              <a:defRPr sz="1600">
+                <a:solidFill>
+                  <a:schemeClr val="tx1">
+                    <a:tint val="75000"/>
+                  </a:schemeClr>
+                </a:solidFill>
+              </a:defRPr>
+            </a:lvl3pPr>
+            <a:lvl4pPr marL="1371600" indent="0">
+              <a:buNone/>
+              <a:defRPr sz="1400">
+                <a:solidFill>
+                  <a:schemeClr val="tx1">
+                    <a:tint val="75000"/>
+                  </a:schemeClr>
+                </a:solidFill>
+              </a:defRPr>
+            </a:lvl4pPr>
+            <a:lvl5pPr marL="1828800" indent="0">
+              <a:buNone/>
+              <a:defRPr sz="1400">
+                <a:solidFill>
+                  <a:schemeClr val="tx1">
+                    <a:tint val="75000"/>
+                  </a:schemeClr>
+                </a:solidFill>
+              </a:defRPr>
+            </a:lvl5pPr>
+            <a:lvl6pPr marL="2286000" indent="0">
+              <a:buNone/>
+              <a:defRPr sz="1400">
+                <a:solidFill>
+                  <a:schemeClr val="tx1">
+                    <a:tint val="75000"/>
+                  </a:schemeClr>
+                </a:solidFill>
+              </a:defRPr>
+            </a:lvl6pPr>
+            <a:lvl7pPr marL="2743200" indent="0">
+              <a:buNone/>
+              <a:defRPr sz="1400">
+                <a:solidFill>
+                  <a:schemeClr val="tx1">
+                    <a:tint val="75000"/>
+                  </a:schemeClr>
+                </a:solidFill>
+              </a:defRPr>
+            </a:lvl7pPr>
+            <a:lvl8pPr marL="3200400" indent="0">
+              <a:buNone/>
+              <a:defRPr sz="1400">
+                <a:solidFill>
+                  <a:schemeClr val="tx1">
+                    <a:tint val="75000"/>
+                  </a:schemeClr>
+                </a:solidFill>
+              </a:defRPr>
+            </a:lvl8pPr>
+            <a:lvl9pPr marL="3657600" indent="0">
+              <a:buNone/>
+              <a:defRPr sz="1400">
+                <a:solidFill>
+                  <a:schemeClr val="tx1">
+                    <a:tint val="75000"/>
+                  </a:schemeClr>
+                </a:solidFill>
+              </a:defRPr>
+            </a:lvl9pPr>
+          </a:lstStyle>
+          <a:p>
+            <a:pPr lvl="0"/>
+            <a:r>
+              <a:rPr lang="hu-HU"/>
+              <a:t>Mintaszöveg szerkesztése</a:t>
+            </a:r>
+          </a:p>
+        </p:txBody>
+      </p:sp>
+      <p:sp>
+        <p:nvSpPr>
+          <p:cNvPr id="4" name="Date Placeholder 3"/>
+          <p:cNvSpPr>
+            <a:spLocks noGrp="1"/>
+          </p:cNvSpPr>
+          <p:nvPr>
+            <p:ph type="dt" sz="half" idx="10"/>
+          </p:nvPr>
+        </p:nvSpPr>
+        <p:spPr/>
+        <p:txBody>
+          <a:bodyPr/>
+          <a:lstStyle/>
+          <a:p>
+            <a:fld id="{A14AEA5C-A5BC-4DE8-9202-74515C7584F2}" type="datetimeFigureOut">
+              <a:rPr lang="hu-HU" smtClean="0"/>
+              <a:t>2024.03.25.</a:t>
+            </a:fld>
+            <a:endParaRPr lang="hu-HU"/>
+          </a:p>
+        </p:txBody>
+      </p:sp>
+      <p:sp>
+        <p:nvSpPr>
+          <p:cNvPr id="5" name="Footer Placeholder 4"/>
+          <p:cNvSpPr>
+            <a:spLocks noGrp="1"/>
+          </p:cNvSpPr>
+          <p:nvPr>
+            <p:ph type="ftr" sz="quarter" idx="11"/>
+          </p:nvPr>
+        </p:nvSpPr>
+        <p:spPr/>
+        <p:txBody>
+          <a:bodyPr/>
+          <a:lstStyle/>
+          <a:p>
+            <a:endParaRPr lang="hu-HU"/>
+          </a:p>
+        </p:txBody>
+      </p:sp>
+      <p:sp>
+        <p:nvSpPr>
+          <p:cNvPr id="6" name="Slide Number Placeholder 5"/>
+          <p:cNvSpPr>
+            <a:spLocks noGrp="1"/>
+          </p:cNvSpPr>
+          <p:nvPr>
+            <p:ph type="sldNum" sz="quarter" idx="12"/>
+          </p:nvPr>
+        </p:nvSpPr>
+        <p:spPr/>
+        <p:txBody>
+          <a:bodyPr/>
+          <a:lstStyle/>
+          <a:p>
+            <a:fld id="{7F962801-2828-412A-B268-303032E7E645}" type="slidenum">
+              <a:rPr lang="hu-HU" smtClean="0"/>
+              <a:t>‹#›</a:t>
+            </a:fld>
+            <a:endParaRPr lang="hu-HU"/>
+          </a:p>
+        </p:txBody>
+      </p:sp>
+    </p:spTree>
+    <p:extLst>
+      <p:ext uri="{BB962C8B-B14F-4D97-AF65-F5344CB8AC3E}">
+        <p14:creationId xmlns:p14="http://schemas.microsoft.com/office/powerpoint/2010/main" val="3283882741"/>
+      </p:ext>
+    </p:extLst>
+  </p:cSld>
+  <p:clrMapOvr>
+    <a:masterClrMapping/>
+  </p:clrMapOvr>
+</p:sldLayout>
+</file>
+
+<file path=ppt/slideLayouts/slideLayout14.xml><?xml version="1.0" encoding="utf-8"?>
+<p:sldLayout xmlns:a="http://schemas.openxmlformats.org/drawingml/2006/main" xmlns:r="http://schemas.openxmlformats.org/officeDocument/2006/relationships" xmlns:p="http://schemas.openxmlformats.org/presentationml/2006/main" preserve="1">
+  <p:cSld name="Névkártya idézettel">
+    <p:spTree>
+      <p:nvGrpSpPr>
+        <p:cNvPr id="1" name=""/>
+        <p:cNvGrpSpPr/>
+        <p:nvPr/>
+      </p:nvGrpSpPr>
+      <p:grpSpPr>
+        <a:xfrm>
+          <a:off x="0" y="0"/>
+          <a:ext cx="0" cy="0"/>
+          <a:chOff x="0" y="0"/>
+          <a:chExt cx="0" cy="0"/>
+        </a:xfrm>
+      </p:grpSpPr>
+      <p:sp>
+        <p:nvSpPr>
+          <p:cNvPr id="2" name="Title 1"/>
+          <p:cNvSpPr>
+            <a:spLocks noGrp="1"/>
+          </p:cNvSpPr>
+          <p:nvPr>
+            <p:ph type="title"/>
+          </p:nvPr>
+        </p:nvSpPr>
+        <p:spPr>
+          <a:xfrm>
+            <a:off x="1141413" y="685800"/>
+            <a:ext cx="9144000" cy="2743200"/>
+          </a:xfrm>
+        </p:spPr>
+        <p:txBody>
+          <a:bodyPr anchor="ctr">
+            <a:normAutofit/>
+          </a:bodyPr>
+          <a:lstStyle>
+            <a:lvl1pPr algn="l">
+              <a:defRPr sz="3200" b="0" cap="all">
+                <a:solidFill>
+                  <a:schemeClr val="tx1"/>
+                </a:solidFill>
+              </a:defRPr>
+            </a:lvl1pPr>
+          </a:lstStyle>
+          <a:p>
+            <a:r>
+              <a:rPr lang="hu-HU"/>
+              <a:t>Mintacím szerkesztése</a:t>
+            </a:r>
+            <a:endParaRPr lang="en-US" dirty="0"/>
+          </a:p>
+        </p:txBody>
+      </p:sp>
+      <p:sp>
+        <p:nvSpPr>
+          <p:cNvPr id="10" name="Text Placeholder 9"/>
+          <p:cNvSpPr>
+            <a:spLocks noGrp="1"/>
+          </p:cNvSpPr>
+          <p:nvPr>
+            <p:ph type="body" sz="quarter" idx="13"/>
+          </p:nvPr>
+        </p:nvSpPr>
+        <p:spPr>
+          <a:xfrm>
+            <a:off x="684212" y="3928534"/>
+            <a:ext cx="8534401" cy="1049866"/>
+          </a:xfrm>
+        </p:spPr>
+        <p:txBody>
+          <a:bodyPr vert="horz" lIns="91440" tIns="45720" rIns="91440" bIns="45720" rtlCol="0" anchor="b">
+            <a:normAutofit/>
+          </a:bodyPr>
+          <a:lstStyle>
+            <a:lvl1pPr>
+              <a:buNone/>
+              <a:defRPr lang="en-US" sz="2400" b="0" cap="all" dirty="0">
+                <a:ln w="3175" cmpd="sng">
+                  <a:noFill/>
+                </a:ln>
+                <a:solidFill>
+                  <a:schemeClr val="tx1"/>
+                </a:solidFill>
+                <a:effectLst/>
+              </a:defRPr>
+            </a:lvl1pPr>
+          </a:lstStyle>
+          <a:p>
+            <a:pPr marL="0" lvl="0">
+              <a:spcBef>
+                <a:spcPct val="0"/>
+              </a:spcBef>
+              <a:buNone/>
+            </a:pPr>
+            <a:r>
+              <a:rPr lang="hu-HU"/>
+              <a:t>Mintaszöveg szerkesztése</a:t>
+            </a:r>
+          </a:p>
+        </p:txBody>
+      </p:sp>
+      <p:sp>
+        <p:nvSpPr>
+          <p:cNvPr id="3" name="Text Placeholder 2"/>
+          <p:cNvSpPr>
+            <a:spLocks noGrp="1"/>
+          </p:cNvSpPr>
+          <p:nvPr>
+            <p:ph type="body" idx="1"/>
+          </p:nvPr>
+        </p:nvSpPr>
+        <p:spPr>
+          <a:xfrm>
+            <a:off x="684211" y="4978400"/>
+            <a:ext cx="8534401" cy="1016000"/>
+          </a:xfrm>
+        </p:spPr>
+        <p:txBody>
+          <a:bodyPr anchor="t">
+            <a:normAutofit/>
+          </a:bodyPr>
+          <a:lstStyle>
+            <a:lvl1pPr marL="0" indent="0" algn="l">
+              <a:buNone/>
+              <a:defRPr sz="1800">
+                <a:solidFill>
+                  <a:schemeClr val="bg2">
+                    <a:lumMod val="75000"/>
+                  </a:schemeClr>
+                </a:solidFill>
+              </a:defRPr>
+            </a:lvl1pPr>
+            <a:lvl2pPr marL="457200" indent="0">
+              <a:buNone/>
+              <a:defRPr sz="1800">
+                <a:solidFill>
+                  <a:schemeClr val="tx1">
+                    <a:tint val="75000"/>
+                  </a:schemeClr>
+                </a:solidFill>
+              </a:defRPr>
+            </a:lvl2pPr>
+            <a:lvl3pPr marL="914400" indent="0">
+              <a:buNone/>
+              <a:defRPr sz="1600">
+                <a:solidFill>
+                  <a:schemeClr val="tx1">
+                    <a:tint val="75000"/>
+                  </a:schemeClr>
+                </a:solidFill>
+              </a:defRPr>
+            </a:lvl3pPr>
+            <a:lvl4pPr marL="1371600" indent="0">
+              <a:buNone/>
+              <a:defRPr sz="1400">
+                <a:solidFill>
+                  <a:schemeClr val="tx1">
+                    <a:tint val="75000"/>
+                  </a:schemeClr>
+                </a:solidFill>
+              </a:defRPr>
+            </a:lvl4pPr>
+            <a:lvl5pPr marL="1828800" indent="0">
+              <a:buNone/>
+              <a:defRPr sz="1400">
+                <a:solidFill>
+                  <a:schemeClr val="tx1">
+                    <a:tint val="75000"/>
+                  </a:schemeClr>
+                </a:solidFill>
+              </a:defRPr>
+            </a:lvl5pPr>
+            <a:lvl6pPr marL="2286000" indent="0">
+              <a:buNone/>
+              <a:defRPr sz="1400">
+                <a:solidFill>
+                  <a:schemeClr val="tx1">
+                    <a:tint val="75000"/>
+                  </a:schemeClr>
+                </a:solidFill>
+              </a:defRPr>
+            </a:lvl6pPr>
+            <a:lvl7pPr marL="2743200" indent="0">
+              <a:buNone/>
+              <a:defRPr sz="1400">
+                <a:solidFill>
+                  <a:schemeClr val="tx1">
+                    <a:tint val="75000"/>
+                  </a:schemeClr>
+                </a:solidFill>
+              </a:defRPr>
+            </a:lvl7pPr>
+            <a:lvl8pPr marL="3200400" indent="0">
+              <a:buNone/>
+              <a:defRPr sz="1400">
+                <a:solidFill>
+                  <a:schemeClr val="tx1">
+                    <a:tint val="75000"/>
+                  </a:schemeClr>
+                </a:solidFill>
+              </a:defRPr>
+            </a:lvl8pPr>
+            <a:lvl9pPr marL="3657600" indent="0">
+              <a:buNone/>
+              <a:defRPr sz="1400">
+                <a:solidFill>
+                  <a:schemeClr val="tx1">
+                    <a:tint val="75000"/>
+                  </a:schemeClr>
+                </a:solidFill>
+              </a:defRPr>
+            </a:lvl9pPr>
+          </a:lstStyle>
+          <a:p>
+            <a:pPr lvl="0"/>
+            <a:r>
+              <a:rPr lang="hu-HU"/>
+              <a:t>Mintaszöveg szerkesztése</a:t>
+            </a:r>
+          </a:p>
+        </p:txBody>
+      </p:sp>
+      <p:sp>
+        <p:nvSpPr>
+          <p:cNvPr id="4" name="Date Placeholder 3"/>
+          <p:cNvSpPr>
+            <a:spLocks noGrp="1"/>
+          </p:cNvSpPr>
+          <p:nvPr>
+            <p:ph type="dt" sz="half" idx="10"/>
+          </p:nvPr>
+        </p:nvSpPr>
+        <p:spPr/>
+        <p:txBody>
+          <a:bodyPr/>
+          <a:lstStyle/>
+          <a:p>
+            <a:fld id="{A14AEA5C-A5BC-4DE8-9202-74515C7584F2}" type="datetimeFigureOut">
+              <a:rPr lang="hu-HU" smtClean="0"/>
+              <a:t>2024.03.25.</a:t>
+            </a:fld>
+            <a:endParaRPr lang="hu-HU"/>
+          </a:p>
+        </p:txBody>
+      </p:sp>
+      <p:sp>
+        <p:nvSpPr>
+          <p:cNvPr id="5" name="Footer Placeholder 4"/>
+          <p:cNvSpPr>
+            <a:spLocks noGrp="1"/>
+          </p:cNvSpPr>
+          <p:nvPr>
+            <p:ph type="ftr" sz="quarter" idx="11"/>
+          </p:nvPr>
+        </p:nvSpPr>
+        <p:spPr/>
+        <p:txBody>
+          <a:bodyPr/>
+          <a:lstStyle/>
+          <a:p>
+            <a:endParaRPr lang="hu-HU"/>
+          </a:p>
+        </p:txBody>
+      </p:sp>
+      <p:sp>
+        <p:nvSpPr>
+          <p:cNvPr id="6" name="Slide Number Placeholder 5"/>
+          <p:cNvSpPr>
+            <a:spLocks noGrp="1"/>
+          </p:cNvSpPr>
+          <p:nvPr>
+            <p:ph type="sldNum" sz="quarter" idx="12"/>
+          </p:nvPr>
+        </p:nvSpPr>
+        <p:spPr/>
+        <p:txBody>
+          <a:bodyPr/>
+          <a:lstStyle/>
+          <a:p>
+            <a:fld id="{7F962801-2828-412A-B268-303032E7E645}" type="slidenum">
+              <a:rPr lang="hu-HU" smtClean="0"/>
+              <a:t>‹#›</a:t>
+            </a:fld>
+            <a:endParaRPr lang="hu-HU"/>
+          </a:p>
+        </p:txBody>
+      </p:sp>
+      <p:sp>
+        <p:nvSpPr>
+          <p:cNvPr id="11" name="TextBox 10"/>
+          <p:cNvSpPr txBox="1"/>
+          <p:nvPr/>
+        </p:nvSpPr>
+        <p:spPr>
+          <a:xfrm>
+            <a:off x="531812" y="812222"/>
+            <a:ext cx="609600" cy="584776"/>
+          </a:xfrm>
+          <a:prstGeom prst="rect">
+            <a:avLst/>
+          </a:prstGeom>
+        </p:spPr>
+        <p:txBody>
+          <a:bodyPr vert="horz" lIns="91440" tIns="45720" rIns="91440" bIns="45720" rtlCol="0" anchor="ctr">
+            <a:noAutofit/>
+          </a:bodyPr>
+          <a:lstStyle/>
+          <a:p>
+            <a:pPr lvl="0"/>
+            <a:r>
+              <a:rPr lang="en-US" sz="8000" dirty="0">
+                <a:solidFill>
+                  <a:schemeClr val="tx1"/>
+                </a:solidFill>
+                <a:effectLst/>
+              </a:rPr>
+              <a:t>“</a:t>
+            </a:r>
+          </a:p>
+        </p:txBody>
+      </p:sp>
+      <p:sp>
+        <p:nvSpPr>
+          <p:cNvPr id="12" name="TextBox 11"/>
+          <p:cNvSpPr txBox="1"/>
+          <p:nvPr/>
+        </p:nvSpPr>
+        <p:spPr>
+          <a:xfrm>
+            <a:off x="10285412" y="2768601"/>
+            <a:ext cx="609600" cy="584776"/>
+          </a:xfrm>
+          <a:prstGeom prst="rect">
+            <a:avLst/>
+          </a:prstGeom>
+        </p:spPr>
+        <p:txBody>
+          <a:bodyPr vert="horz" lIns="91440" tIns="45720" rIns="91440" bIns="45720" rtlCol="0" anchor="ctr">
+            <a:noAutofit/>
+          </a:bodyPr>
+          <a:lstStyle/>
+          <a:p>
+            <a:pPr lvl="0" algn="r"/>
+            <a:r>
+              <a:rPr lang="en-US" sz="8000" dirty="0">
+                <a:solidFill>
+                  <a:schemeClr val="tx1"/>
+                </a:solidFill>
+                <a:effectLst/>
+              </a:rPr>
+              <a:t>”</a:t>
+            </a:r>
+          </a:p>
+        </p:txBody>
+      </p:sp>
+    </p:spTree>
+    <p:extLst>
+      <p:ext uri="{BB962C8B-B14F-4D97-AF65-F5344CB8AC3E}">
+        <p14:creationId xmlns:p14="http://schemas.microsoft.com/office/powerpoint/2010/main" val="3942866537"/>
+      </p:ext>
+    </p:extLst>
+  </p:cSld>
+  <p:clrMapOvr>
+    <a:masterClrMapping/>
+  </p:clrMapOvr>
+</p:sldLayout>
+</file>
+
+<file path=ppt/slideLayouts/slideLayout15.xml><?xml version="1.0" encoding="utf-8"?>
+<p:sldLayout xmlns:a="http://schemas.openxmlformats.org/drawingml/2006/main" xmlns:r="http://schemas.openxmlformats.org/officeDocument/2006/relationships" xmlns:p="http://schemas.openxmlformats.org/presentationml/2006/main" preserve="1">
+  <p:cSld name="Igaz vagy hamis">
+    <p:spTree>
+      <p:nvGrpSpPr>
+        <p:cNvPr id="1" name=""/>
+        <p:cNvGrpSpPr/>
+        <p:nvPr/>
+      </p:nvGrpSpPr>
+      <p:grpSpPr>
+        <a:xfrm>
+          <a:off x="0" y="0"/>
+          <a:ext cx="0" cy="0"/>
+          <a:chOff x="0" y="0"/>
+          <a:chExt cx="0" cy="0"/>
+        </a:xfrm>
+      </p:grpSpPr>
+      <p:sp>
+        <p:nvSpPr>
+          <p:cNvPr id="2" name="Title 1"/>
+          <p:cNvSpPr>
+            <a:spLocks noGrp="1"/>
+          </p:cNvSpPr>
+          <p:nvPr>
+            <p:ph type="title"/>
+          </p:nvPr>
+        </p:nvSpPr>
+        <p:spPr>
+          <a:xfrm>
+            <a:off x="684213" y="685800"/>
+            <a:ext cx="10058400" cy="2743200"/>
+          </a:xfrm>
+        </p:spPr>
+        <p:txBody>
+          <a:bodyPr vert="horz" lIns="91440" tIns="45720" rIns="91440" bIns="45720" rtlCol="0" anchor="ctr">
+            <a:normAutofit/>
+          </a:bodyPr>
+          <a:lstStyle>
+            <a:lvl1pPr>
+              <a:defRPr lang="en-US" b="0" dirty="0"/>
+            </a:lvl1pPr>
+          </a:lstStyle>
+          <a:p>
+            <a:pPr marL="0" lvl="0"/>
+            <a:r>
+              <a:rPr lang="hu-HU"/>
+              <a:t>Mintacím szerkesztése</a:t>
+            </a:r>
+            <a:endParaRPr lang="en-US" dirty="0"/>
+          </a:p>
+        </p:txBody>
+      </p:sp>
+      <p:sp>
+        <p:nvSpPr>
+          <p:cNvPr id="10" name="Text Placeholder 9"/>
+          <p:cNvSpPr>
+            <a:spLocks noGrp="1"/>
+          </p:cNvSpPr>
+          <p:nvPr>
+            <p:ph type="body" sz="quarter" idx="13"/>
+          </p:nvPr>
+        </p:nvSpPr>
+        <p:spPr>
+          <a:xfrm>
+            <a:off x="684212" y="3928534"/>
+            <a:ext cx="8534400" cy="838200"/>
+          </a:xfrm>
+        </p:spPr>
+        <p:txBody>
+          <a:bodyPr vert="horz" lIns="91440" tIns="45720" rIns="91440" bIns="45720" rtlCol="0" anchor="b">
+            <a:normAutofit/>
+          </a:bodyPr>
+          <a:lstStyle>
+            <a:lvl1pPr>
+              <a:buNone/>
+              <a:defRPr lang="en-US" sz="2400" b="0" cap="all" dirty="0">
+                <a:ln w="3175" cmpd="sng">
+                  <a:noFill/>
+                </a:ln>
+                <a:solidFill>
+                  <a:schemeClr val="tx1"/>
+                </a:solidFill>
+                <a:effectLst/>
+              </a:defRPr>
+            </a:lvl1pPr>
+          </a:lstStyle>
+          <a:p>
+            <a:pPr marL="0" lvl="0">
+              <a:spcBef>
+                <a:spcPct val="0"/>
+              </a:spcBef>
+              <a:buNone/>
+            </a:pPr>
+            <a:r>
+              <a:rPr lang="hu-HU"/>
+              <a:t>Mintaszöveg szerkesztése</a:t>
+            </a:r>
+          </a:p>
+        </p:txBody>
+      </p:sp>
+      <p:sp>
+        <p:nvSpPr>
+          <p:cNvPr id="3" name="Text Placeholder 2"/>
+          <p:cNvSpPr>
+            <a:spLocks noGrp="1"/>
+          </p:cNvSpPr>
+          <p:nvPr>
+            <p:ph type="body" idx="1"/>
+          </p:nvPr>
+        </p:nvSpPr>
+        <p:spPr>
+          <a:xfrm>
+            <a:off x="684211" y="4766732"/>
+            <a:ext cx="8534401" cy="1227667"/>
+          </a:xfrm>
+        </p:spPr>
+        <p:txBody>
+          <a:bodyPr anchor="t">
+            <a:normAutofit/>
+          </a:bodyPr>
+          <a:lstStyle>
+            <a:lvl1pPr marL="0" indent="0" algn="l">
+              <a:buNone/>
+              <a:defRPr sz="1800">
+                <a:solidFill>
+                  <a:schemeClr val="bg2">
+                    <a:lumMod val="75000"/>
+                  </a:schemeClr>
+                </a:solidFill>
+              </a:defRPr>
+            </a:lvl1pPr>
+            <a:lvl2pPr marL="457200" indent="0">
+              <a:buNone/>
+              <a:defRPr sz="1800">
+                <a:solidFill>
+                  <a:schemeClr val="tx1">
+                    <a:tint val="75000"/>
+                  </a:schemeClr>
+                </a:solidFill>
+              </a:defRPr>
+            </a:lvl2pPr>
+            <a:lvl3pPr marL="914400" indent="0">
+              <a:buNone/>
+              <a:defRPr sz="1600">
+                <a:solidFill>
+                  <a:schemeClr val="tx1">
+                    <a:tint val="75000"/>
+                  </a:schemeClr>
+                </a:solidFill>
+              </a:defRPr>
+            </a:lvl3pPr>
+            <a:lvl4pPr marL="1371600" indent="0">
+              <a:buNone/>
+              <a:defRPr sz="1400">
+                <a:solidFill>
+                  <a:schemeClr val="tx1">
+                    <a:tint val="75000"/>
+                  </a:schemeClr>
+                </a:solidFill>
+              </a:defRPr>
+            </a:lvl4pPr>
+            <a:lvl5pPr marL="1828800" indent="0">
+              <a:buNone/>
+              <a:defRPr sz="1400">
+                <a:solidFill>
+                  <a:schemeClr val="tx1">
+                    <a:tint val="75000"/>
+                  </a:schemeClr>
+                </a:solidFill>
+              </a:defRPr>
+            </a:lvl5pPr>
+            <a:lvl6pPr marL="2286000" indent="0">
+              <a:buNone/>
+              <a:defRPr sz="1400">
+                <a:solidFill>
+                  <a:schemeClr val="tx1">
+                    <a:tint val="75000"/>
+                  </a:schemeClr>
+                </a:solidFill>
+              </a:defRPr>
+            </a:lvl6pPr>
+            <a:lvl7pPr marL="2743200" indent="0">
+              <a:buNone/>
+              <a:defRPr sz="1400">
+                <a:solidFill>
+                  <a:schemeClr val="tx1">
+                    <a:tint val="75000"/>
+                  </a:schemeClr>
+                </a:solidFill>
+              </a:defRPr>
+            </a:lvl7pPr>
+            <a:lvl8pPr marL="3200400" indent="0">
+              <a:buNone/>
+              <a:defRPr sz="1400">
+                <a:solidFill>
+                  <a:schemeClr val="tx1">
+                    <a:tint val="75000"/>
+                  </a:schemeClr>
+                </a:solidFill>
+              </a:defRPr>
+            </a:lvl8pPr>
+            <a:lvl9pPr marL="3657600" indent="0">
+              <a:buNone/>
+              <a:defRPr sz="1400">
+                <a:solidFill>
+                  <a:schemeClr val="tx1">
+                    <a:tint val="75000"/>
+                  </a:schemeClr>
+                </a:solidFill>
+              </a:defRPr>
+            </a:lvl9pPr>
+          </a:lstStyle>
+          <a:p>
+            <a:pPr lvl="0"/>
+            <a:r>
+              <a:rPr lang="hu-HU"/>
+              <a:t>Mintaszöveg szerkesztése</a:t>
+            </a:r>
+          </a:p>
+        </p:txBody>
+      </p:sp>
+      <p:sp>
+        <p:nvSpPr>
+          <p:cNvPr id="4" name="Date Placeholder 3"/>
+          <p:cNvSpPr>
+            <a:spLocks noGrp="1"/>
+          </p:cNvSpPr>
+          <p:nvPr>
+            <p:ph type="dt" sz="half" idx="10"/>
+          </p:nvPr>
+        </p:nvSpPr>
+        <p:spPr/>
+        <p:txBody>
+          <a:bodyPr/>
+          <a:lstStyle/>
+          <a:p>
+            <a:fld id="{A14AEA5C-A5BC-4DE8-9202-74515C7584F2}" type="datetimeFigureOut">
+              <a:rPr lang="hu-HU" smtClean="0"/>
+              <a:t>2024.03.25.</a:t>
+            </a:fld>
+            <a:endParaRPr lang="hu-HU"/>
+          </a:p>
+        </p:txBody>
+      </p:sp>
+      <p:sp>
+        <p:nvSpPr>
+          <p:cNvPr id="5" name="Footer Placeholder 4"/>
+          <p:cNvSpPr>
+            <a:spLocks noGrp="1"/>
+          </p:cNvSpPr>
+          <p:nvPr>
+            <p:ph type="ftr" sz="quarter" idx="11"/>
+          </p:nvPr>
+        </p:nvSpPr>
+        <p:spPr/>
+        <p:txBody>
+          <a:bodyPr/>
+          <a:lstStyle/>
+          <a:p>
+            <a:endParaRPr lang="hu-HU"/>
+          </a:p>
+        </p:txBody>
+      </p:sp>
+      <p:sp>
+        <p:nvSpPr>
+          <p:cNvPr id="6" name="Slide Number Placeholder 5"/>
+          <p:cNvSpPr>
+            <a:spLocks noGrp="1"/>
+          </p:cNvSpPr>
+          <p:nvPr>
+            <p:ph type="sldNum" sz="quarter" idx="12"/>
+          </p:nvPr>
+        </p:nvSpPr>
+        <p:spPr/>
+        <p:txBody>
+          <a:bodyPr/>
+          <a:lstStyle/>
+          <a:p>
+            <a:fld id="{7F962801-2828-412A-B268-303032E7E645}" type="slidenum">
+              <a:rPr lang="hu-HU" smtClean="0"/>
+              <a:t>‹#›</a:t>
+            </a:fld>
+            <a:endParaRPr lang="hu-HU"/>
+          </a:p>
+        </p:txBody>
+      </p:sp>
+    </p:spTree>
+    <p:extLst>
+      <p:ext uri="{BB962C8B-B14F-4D97-AF65-F5344CB8AC3E}">
+        <p14:creationId xmlns:p14="http://schemas.microsoft.com/office/powerpoint/2010/main" val="1305657509"/>
+      </p:ext>
+    </p:extLst>
+  </p:cSld>
+  <p:clrMapOvr>
+    <a:masterClrMapping/>
+  </p:clrMapOvr>
+</p:sldLayout>
+</file>
+
+<file path=ppt/slideLayouts/slideLayout16.xml><?xml version="1.0" encoding="utf-8"?>
 <p:sldLayout xmlns:a="http://schemas.openxmlformats.org/drawingml/2006/main" xmlns:r="http://schemas.openxmlformats.org/officeDocument/2006/relationships" xmlns:p="http://schemas.openxmlformats.org/presentationml/2006/main" type="vertTx" preserve="1">
   <p:cSld name="Cím és függőleges szöveg">
     <p:spTree>
@@ -362,13 +2375,7 @@
       </p:grpSpPr>
       <p:sp>
         <p:nvSpPr>
-          <p:cNvPr id="2" name="Cím 1">
-            <a:extLst>
-              <a:ext uri="{FF2B5EF4-FFF2-40B4-BE49-F238E27FC236}">
-                <a16:creationId xmlns:a16="http://schemas.microsoft.com/office/drawing/2014/main" id="{8B8043C5-889D-4372-89CD-DD778634C8D7}"/>
-              </a:ext>
-            </a:extLst>
-          </p:cNvPr>
+          <p:cNvPr id="2" name="Title 1"/>
           <p:cNvSpPr>
             <a:spLocks noGrp="1"/>
           </p:cNvSpPr>
@@ -379,24 +2386,23 @@
         <p:spPr/>
         <p:txBody>
           <a:bodyPr/>
-          <a:lstStyle/>
+          <a:lstStyle>
+            <a:lvl1pPr algn="l">
+              <a:defRPr/>
+            </a:lvl1pPr>
+          </a:lstStyle>
           <a:p>
             <a:r>
               <a:rPr lang="hu-HU"/>
               <a:t>Mintacím szerkesztése</a:t>
             </a:r>
-          </a:p>
-        </p:txBody>
-      </p:sp>
-      <p:sp>
-        <p:nvSpPr>
-          <p:cNvPr id="3" name="Függőleges szöveg helye 2">
-            <a:extLst>
-              <a:ext uri="{FF2B5EF4-FFF2-40B4-BE49-F238E27FC236}">
-                <a16:creationId xmlns:a16="http://schemas.microsoft.com/office/drawing/2014/main" id="{D4BF5C9F-DA04-4F8C-BE24-31031B3B4569}"/>
-              </a:ext>
-            </a:extLst>
-          </p:cNvPr>
+            <a:endParaRPr lang="en-US" dirty="0"/>
+          </a:p>
+        </p:txBody>
+      </p:sp>
+      <p:sp>
+        <p:nvSpPr>
+          <p:cNvPr id="3" name="Vertical Text Placeholder 2"/>
           <p:cNvSpPr>
             <a:spLocks noGrp="1"/>
           </p:cNvSpPr>
@@ -406,7 +2412,7 @@
         </p:nvSpPr>
         <p:spPr/>
         <p:txBody>
-          <a:bodyPr vert="eaVert"/>
+          <a:bodyPr vert="eaVert" anchor="t"/>
           <a:lstStyle/>
           <a:p>
             <a:pPr lvl="0"/>
@@ -442,18 +2448,13 @@
               <a:rPr lang="hu-HU"/>
               <a:t>Ötödik szint</a:t>
             </a:r>
-          </a:p>
-        </p:txBody>
-      </p:sp>
-      <p:sp>
-        <p:nvSpPr>
-          <p:cNvPr id="4" name="Dátum helye 3">
-            <a:extLst>
-              <a:ext uri="{FF2B5EF4-FFF2-40B4-BE49-F238E27FC236}">
-                <a16:creationId xmlns:a16="http://schemas.microsoft.com/office/drawing/2014/main" id="{7301F0BB-345A-4AD3-B47D-112303B15B69}"/>
-              </a:ext>
-            </a:extLst>
-          </p:cNvPr>
+            <a:endParaRPr lang="en-US" dirty="0"/>
+          </a:p>
+        </p:txBody>
+      </p:sp>
+      <p:sp>
+        <p:nvSpPr>
+          <p:cNvPr id="4" name="Date Placeholder 3"/>
           <p:cNvSpPr>
             <a:spLocks noGrp="1"/>
           </p:cNvSpPr>
@@ -468,7 +2469,7 @@
           <a:p>
             <a:fld id="{A14AEA5C-A5BC-4DE8-9202-74515C7584F2}" type="datetimeFigureOut">
               <a:rPr lang="hu-HU" smtClean="0"/>
-              <a:t>2024.03.18.</a:t>
+              <a:t>2024.03.25.</a:t>
             </a:fld>
             <a:endParaRPr lang="hu-HU"/>
           </a:p>
@@ -476,13 +2477,7 @@
       </p:sp>
       <p:sp>
         <p:nvSpPr>
-          <p:cNvPr id="5" name="Élőláb helye 4">
-            <a:extLst>
-              <a:ext uri="{FF2B5EF4-FFF2-40B4-BE49-F238E27FC236}">
-                <a16:creationId xmlns:a16="http://schemas.microsoft.com/office/drawing/2014/main" id="{CAF53B6B-8378-44B1-925C-862D7A02C057}"/>
-              </a:ext>
-            </a:extLst>
-          </p:cNvPr>
+          <p:cNvPr id="5" name="Footer Placeholder 4"/>
           <p:cNvSpPr>
             <a:spLocks noGrp="1"/>
           </p:cNvSpPr>
@@ -501,13 +2496,7 @@
       </p:sp>
       <p:sp>
         <p:nvSpPr>
-          <p:cNvPr id="6" name="Dia számának helye 5">
-            <a:extLst>
-              <a:ext uri="{FF2B5EF4-FFF2-40B4-BE49-F238E27FC236}">
-                <a16:creationId xmlns:a16="http://schemas.microsoft.com/office/drawing/2014/main" id="{68882006-C8BB-4AA0-AA69-B73277037D0D}"/>
-              </a:ext>
-            </a:extLst>
-          </p:cNvPr>
+          <p:cNvPr id="6" name="Slide Number Placeholder 5"/>
           <p:cNvSpPr>
             <a:spLocks noGrp="1"/>
           </p:cNvSpPr>
@@ -531,7 +2520,7 @@
     </p:spTree>
     <p:extLst>
       <p:ext uri="{BB962C8B-B14F-4D97-AF65-F5344CB8AC3E}">
-        <p14:creationId xmlns:p14="http://schemas.microsoft.com/office/powerpoint/2010/main" val="1054186918"/>
+        <p14:creationId xmlns:p14="http://schemas.microsoft.com/office/powerpoint/2010/main" val="713551100"/>
       </p:ext>
     </p:extLst>
   </p:cSld>
@@ -541,7 +2530,7 @@
 </p:sldLayout>
 </file>
 
-<file path=ppt/slideLayouts/slideLayout11.xml><?xml version="1.0" encoding="utf-8"?>
+<file path=ppt/slideLayouts/slideLayout17.xml><?xml version="1.0" encoding="utf-8"?>
 <p:sldLayout xmlns:a="http://schemas.openxmlformats.org/drawingml/2006/main" xmlns:r="http://schemas.openxmlformats.org/officeDocument/2006/relationships" xmlns:p="http://schemas.openxmlformats.org/presentationml/2006/main" type="vertTitleAndTx" preserve="1">
   <p:cSld name="Függőleges cím és szöveg">
     <p:spTree>
@@ -560,13 +2549,7 @@
       </p:grpSpPr>
       <p:sp>
         <p:nvSpPr>
-          <p:cNvPr id="2" name="Függőleges cím 1">
-            <a:extLst>
-              <a:ext uri="{FF2B5EF4-FFF2-40B4-BE49-F238E27FC236}">
-                <a16:creationId xmlns:a16="http://schemas.microsoft.com/office/drawing/2014/main" id="{1EF3E597-9DCB-4D91-80BA-7D8751492A7C}"/>
-              </a:ext>
-            </a:extLst>
-          </p:cNvPr>
+          <p:cNvPr id="2" name="Vertical Title 1"/>
           <p:cNvSpPr>
             <a:spLocks noGrp="1"/>
           </p:cNvSpPr>
@@ -576,8 +2559,8 @@
         </p:nvSpPr>
         <p:spPr>
           <a:xfrm>
-            <a:off x="8724900" y="365125"/>
-            <a:ext cx="2628900" cy="5811838"/>
+            <a:off x="8685212" y="685800"/>
+            <a:ext cx="2057400" cy="4572000"/>
           </a:xfrm>
         </p:spPr>
         <p:txBody>
@@ -588,18 +2571,13 @@
               <a:rPr lang="hu-HU"/>
               <a:t>Mintacím szerkesztése</a:t>
             </a:r>
-          </a:p>
-        </p:txBody>
-      </p:sp>
-      <p:sp>
-        <p:nvSpPr>
-          <p:cNvPr id="3" name="Függőleges szöveg helye 2">
-            <a:extLst>
-              <a:ext uri="{FF2B5EF4-FFF2-40B4-BE49-F238E27FC236}">
-                <a16:creationId xmlns:a16="http://schemas.microsoft.com/office/drawing/2014/main" id="{5A6AC86B-616B-4F71-BF77-7E3EE27BC8AF}"/>
-              </a:ext>
-            </a:extLst>
-          </p:cNvPr>
+            <a:endParaRPr lang="en-US" dirty="0"/>
+          </a:p>
+        </p:txBody>
+      </p:sp>
+      <p:sp>
+        <p:nvSpPr>
+          <p:cNvPr id="3" name="Vertical Text Placeholder 2"/>
           <p:cNvSpPr>
             <a:spLocks noGrp="1"/>
           </p:cNvSpPr>
@@ -609,12 +2587,12 @@
         </p:nvSpPr>
         <p:spPr>
           <a:xfrm>
-            <a:off x="838200" y="365125"/>
-            <a:ext cx="7734300" cy="5811838"/>
+            <a:off x="685800" y="685800"/>
+            <a:ext cx="7823200" cy="5308600"/>
           </a:xfrm>
         </p:spPr>
         <p:txBody>
-          <a:bodyPr vert="eaVert"/>
+          <a:bodyPr vert="eaVert" anchor="t"/>
           <a:lstStyle/>
           <a:p>
             <a:pPr lvl="0"/>
@@ -650,18 +2628,13 @@
               <a:rPr lang="hu-HU"/>
               <a:t>Ötödik szint</a:t>
             </a:r>
-          </a:p>
-        </p:txBody>
-      </p:sp>
-      <p:sp>
-        <p:nvSpPr>
-          <p:cNvPr id="4" name="Dátum helye 3">
-            <a:extLst>
-              <a:ext uri="{FF2B5EF4-FFF2-40B4-BE49-F238E27FC236}">
-                <a16:creationId xmlns:a16="http://schemas.microsoft.com/office/drawing/2014/main" id="{F206D013-3E3E-40BA-AAD0-50EDC7A26F77}"/>
-              </a:ext>
-            </a:extLst>
-          </p:cNvPr>
+            <a:endParaRPr lang="en-US" dirty="0"/>
+          </a:p>
+        </p:txBody>
+      </p:sp>
+      <p:sp>
+        <p:nvSpPr>
+          <p:cNvPr id="4" name="Date Placeholder 3"/>
           <p:cNvSpPr>
             <a:spLocks noGrp="1"/>
           </p:cNvSpPr>
@@ -676,7 +2649,7 @@
           <a:p>
             <a:fld id="{A14AEA5C-A5BC-4DE8-9202-74515C7584F2}" type="datetimeFigureOut">
               <a:rPr lang="hu-HU" smtClean="0"/>
-              <a:t>2024.03.18.</a:t>
+              <a:t>2024.03.25.</a:t>
             </a:fld>
             <a:endParaRPr lang="hu-HU"/>
           </a:p>
@@ -684,13 +2657,7 @@
       </p:sp>
       <p:sp>
         <p:nvSpPr>
-          <p:cNvPr id="5" name="Élőláb helye 4">
-            <a:extLst>
-              <a:ext uri="{FF2B5EF4-FFF2-40B4-BE49-F238E27FC236}">
-                <a16:creationId xmlns:a16="http://schemas.microsoft.com/office/drawing/2014/main" id="{84A19786-706A-483F-816F-43F878ACC329}"/>
-              </a:ext>
-            </a:extLst>
-          </p:cNvPr>
+          <p:cNvPr id="5" name="Footer Placeholder 4"/>
           <p:cNvSpPr>
             <a:spLocks noGrp="1"/>
           </p:cNvSpPr>
@@ -709,13 +2676,7 @@
       </p:sp>
       <p:sp>
         <p:nvSpPr>
-          <p:cNvPr id="6" name="Dia számának helye 5">
-            <a:extLst>
-              <a:ext uri="{FF2B5EF4-FFF2-40B4-BE49-F238E27FC236}">
-                <a16:creationId xmlns:a16="http://schemas.microsoft.com/office/drawing/2014/main" id="{61DCD995-0690-477F-9C3A-06E2A168692E}"/>
-              </a:ext>
-            </a:extLst>
-          </p:cNvPr>
+          <p:cNvPr id="6" name="Slide Number Placeholder 5"/>
           <p:cNvSpPr>
             <a:spLocks noGrp="1"/>
           </p:cNvSpPr>
@@ -739,7 +2700,7 @@
     </p:spTree>
     <p:extLst>
       <p:ext uri="{BB962C8B-B14F-4D97-AF65-F5344CB8AC3E}">
-        <p14:creationId xmlns:p14="http://schemas.microsoft.com/office/powerpoint/2010/main" val="1709582271"/>
+        <p14:creationId xmlns:p14="http://schemas.microsoft.com/office/powerpoint/2010/main" val="3793817272"/>
       </p:ext>
     </p:extLst>
   </p:cSld>
@@ -768,13 +2729,7 @@
       </p:grpSpPr>
       <p:sp>
         <p:nvSpPr>
-          <p:cNvPr id="2" name="Cím 1">
-            <a:extLst>
-              <a:ext uri="{FF2B5EF4-FFF2-40B4-BE49-F238E27FC236}">
-                <a16:creationId xmlns:a16="http://schemas.microsoft.com/office/drawing/2014/main" id="{1A68291E-D715-4B22-BA80-4B397D017DC6}"/>
-              </a:ext>
-            </a:extLst>
-          </p:cNvPr>
+          <p:cNvPr id="2" name="Title 1"/>
           <p:cNvSpPr>
             <a:spLocks noGrp="1"/>
           </p:cNvSpPr>
@@ -791,18 +2746,13 @@
               <a:rPr lang="hu-HU"/>
               <a:t>Mintacím szerkesztése</a:t>
             </a:r>
-          </a:p>
-        </p:txBody>
-      </p:sp>
-      <p:sp>
-        <p:nvSpPr>
-          <p:cNvPr id="3" name="Tartalom helye 2">
-            <a:extLst>
-              <a:ext uri="{FF2B5EF4-FFF2-40B4-BE49-F238E27FC236}">
-                <a16:creationId xmlns:a16="http://schemas.microsoft.com/office/drawing/2014/main" id="{50B63D4D-7E9E-4EE6-93E1-004E7767A965}"/>
-              </a:ext>
-            </a:extLst>
-          </p:cNvPr>
+            <a:endParaRPr lang="en-US" dirty="0"/>
+          </a:p>
+        </p:txBody>
+      </p:sp>
+      <p:sp>
+        <p:nvSpPr>
+          <p:cNvPr id="3" name="Content Placeholder 2"/>
           <p:cNvSpPr>
             <a:spLocks noGrp="1"/>
           </p:cNvSpPr>
@@ -812,7 +2762,7 @@
         </p:nvSpPr>
         <p:spPr/>
         <p:txBody>
-          <a:bodyPr/>
+          <a:bodyPr anchor="ctr"/>
           <a:lstStyle/>
           <a:p>
             <a:pPr lvl="0"/>
@@ -848,18 +2798,13 @@
               <a:rPr lang="hu-HU"/>
               <a:t>Ötödik szint</a:t>
             </a:r>
-          </a:p>
-        </p:txBody>
-      </p:sp>
-      <p:sp>
-        <p:nvSpPr>
-          <p:cNvPr id="4" name="Dátum helye 3">
-            <a:extLst>
-              <a:ext uri="{FF2B5EF4-FFF2-40B4-BE49-F238E27FC236}">
-                <a16:creationId xmlns:a16="http://schemas.microsoft.com/office/drawing/2014/main" id="{D12DCC08-0E94-4456-8E4C-18602AAA5BE0}"/>
-              </a:ext>
-            </a:extLst>
-          </p:cNvPr>
+            <a:endParaRPr lang="en-US" dirty="0"/>
+          </a:p>
+        </p:txBody>
+      </p:sp>
+      <p:sp>
+        <p:nvSpPr>
+          <p:cNvPr id="4" name="Date Placeholder 3"/>
           <p:cNvSpPr>
             <a:spLocks noGrp="1"/>
           </p:cNvSpPr>
@@ -874,7 +2819,7 @@
           <a:p>
             <a:fld id="{A14AEA5C-A5BC-4DE8-9202-74515C7584F2}" type="datetimeFigureOut">
               <a:rPr lang="hu-HU" smtClean="0"/>
-              <a:t>2024.03.18.</a:t>
+              <a:t>2024.03.25.</a:t>
             </a:fld>
             <a:endParaRPr lang="hu-HU"/>
           </a:p>
@@ -882,13 +2827,7 @@
       </p:sp>
       <p:sp>
         <p:nvSpPr>
-          <p:cNvPr id="5" name="Élőláb helye 4">
-            <a:extLst>
-              <a:ext uri="{FF2B5EF4-FFF2-40B4-BE49-F238E27FC236}">
-                <a16:creationId xmlns:a16="http://schemas.microsoft.com/office/drawing/2014/main" id="{34F731C8-DDA3-4098-82F2-14ECCBEBE25B}"/>
-              </a:ext>
-            </a:extLst>
-          </p:cNvPr>
+          <p:cNvPr id="5" name="Footer Placeholder 4"/>
           <p:cNvSpPr>
             <a:spLocks noGrp="1"/>
           </p:cNvSpPr>
@@ -907,13 +2846,7 @@
       </p:sp>
       <p:sp>
         <p:nvSpPr>
-          <p:cNvPr id="6" name="Dia számának helye 5">
-            <a:extLst>
-              <a:ext uri="{FF2B5EF4-FFF2-40B4-BE49-F238E27FC236}">
-                <a16:creationId xmlns:a16="http://schemas.microsoft.com/office/drawing/2014/main" id="{1F633937-1F0C-4ED6-9976-CE41C713A240}"/>
-              </a:ext>
-            </a:extLst>
-          </p:cNvPr>
+          <p:cNvPr id="6" name="Slide Number Placeholder 5"/>
           <p:cNvSpPr>
             <a:spLocks noGrp="1"/>
           </p:cNvSpPr>
@@ -937,7 +2870,7 @@
     </p:spTree>
     <p:extLst>
       <p:ext uri="{BB962C8B-B14F-4D97-AF65-F5344CB8AC3E}">
-        <p14:creationId xmlns:p14="http://schemas.microsoft.com/office/powerpoint/2010/main" val="2341314960"/>
+        <p14:creationId xmlns:p14="http://schemas.microsoft.com/office/powerpoint/2010/main" val="725731357"/>
       </p:ext>
     </p:extLst>
   </p:cSld>
@@ -966,13 +2899,7 @@
       </p:grpSpPr>
       <p:sp>
         <p:nvSpPr>
-          <p:cNvPr id="2" name="Cím 1">
-            <a:extLst>
-              <a:ext uri="{FF2B5EF4-FFF2-40B4-BE49-F238E27FC236}">
-                <a16:creationId xmlns:a16="http://schemas.microsoft.com/office/drawing/2014/main" id="{A4547BB0-1AC9-4944-A469-F8400A1BDA7D}"/>
-              </a:ext>
-            </a:extLst>
-          </p:cNvPr>
+          <p:cNvPr id="2" name="Title 1"/>
           <p:cNvSpPr>
             <a:spLocks noGrp="1"/>
           </p:cNvSpPr>
@@ -982,15 +2909,17 @@
         </p:nvSpPr>
         <p:spPr>
           <a:xfrm>
-            <a:off x="831850" y="1709738"/>
-            <a:ext cx="10515600" cy="2852737"/>
+            <a:off x="684211" y="2006600"/>
+            <a:ext cx="8534401" cy="2281600"/>
           </a:xfrm>
         </p:spPr>
         <p:txBody>
-          <a:bodyPr anchor="b"/>
+          <a:bodyPr anchor="b">
+            <a:normAutofit/>
+          </a:bodyPr>
           <a:lstStyle>
-            <a:lvl1pPr>
-              <a:defRPr sz="6000"/>
+            <a:lvl1pPr algn="l">
+              <a:defRPr sz="3600" b="0" cap="all"/>
             </a:lvl1pPr>
           </a:lstStyle>
           <a:p>
@@ -998,18 +2927,13 @@
               <a:rPr lang="hu-HU"/>
               <a:t>Mintacím szerkesztése</a:t>
             </a:r>
-          </a:p>
-        </p:txBody>
-      </p:sp>
-      <p:sp>
-        <p:nvSpPr>
-          <p:cNvPr id="3" name="Szöveg helye 2">
-            <a:extLst>
-              <a:ext uri="{FF2B5EF4-FFF2-40B4-BE49-F238E27FC236}">
-                <a16:creationId xmlns:a16="http://schemas.microsoft.com/office/drawing/2014/main" id="{F7D746CB-5D26-4600-AD70-25D0C9C4D644}"/>
-              </a:ext>
-            </a:extLst>
-          </p:cNvPr>
+            <a:endParaRPr lang="en-US" dirty="0"/>
+          </a:p>
+        </p:txBody>
+      </p:sp>
+      <p:sp>
+        <p:nvSpPr>
+          <p:cNvPr id="3" name="Text Placeholder 2"/>
           <p:cNvSpPr>
             <a:spLocks noGrp="1"/>
           </p:cNvSpPr>
@@ -1019,102 +2943,104 @@
         </p:nvSpPr>
         <p:spPr>
           <a:xfrm>
-            <a:off x="831850" y="4589463"/>
-            <a:ext cx="10515600" cy="1500187"/>
+            <a:off x="684213" y="4495800"/>
+            <a:ext cx="8534400" cy="1498600"/>
           </a:xfrm>
         </p:spPr>
         <p:txBody>
-          <a:bodyPr/>
+          <a:bodyPr anchor="t">
+            <a:normAutofit/>
+          </a:bodyPr>
           <a:lstStyle>
-            <a:lvl1pPr marL="0" indent="0">
-              <a:buNone/>
-              <a:defRPr sz="2400">
+            <a:lvl1pPr marL="0" indent="0" algn="l">
+              <a:buNone/>
+              <a:defRPr sz="1800">
+                <a:solidFill>
+                  <a:schemeClr val="bg2">
+                    <a:lumMod val="75000"/>
+                  </a:schemeClr>
+                </a:solidFill>
+              </a:defRPr>
+            </a:lvl1pPr>
+            <a:lvl2pPr marL="457200" indent="0">
+              <a:buNone/>
+              <a:defRPr sz="1800">
                 <a:solidFill>
                   <a:schemeClr val="tx1">
                     <a:tint val="75000"/>
                   </a:schemeClr>
                 </a:solidFill>
               </a:defRPr>
-            </a:lvl1pPr>
-            <a:lvl2pPr marL="457200" indent="0">
-              <a:buNone/>
-              <a:defRPr sz="2000">
+            </a:lvl2pPr>
+            <a:lvl3pPr marL="914400" indent="0">
+              <a:buNone/>
+              <a:defRPr sz="1600">
                 <a:solidFill>
                   <a:schemeClr val="tx1">
                     <a:tint val="75000"/>
                   </a:schemeClr>
                 </a:solidFill>
               </a:defRPr>
-            </a:lvl2pPr>
-            <a:lvl3pPr marL="914400" indent="0">
-              <a:buNone/>
-              <a:defRPr sz="1800">
+            </a:lvl3pPr>
+            <a:lvl4pPr marL="1371600" indent="0">
+              <a:buNone/>
+              <a:defRPr sz="1400">
                 <a:solidFill>
                   <a:schemeClr val="tx1">
                     <a:tint val="75000"/>
                   </a:schemeClr>
                 </a:solidFill>
               </a:defRPr>
-            </a:lvl3pPr>
-            <a:lvl4pPr marL="1371600" indent="0">
-              <a:buNone/>
-              <a:defRPr sz="1600">
+            </a:lvl4pPr>
+            <a:lvl5pPr marL="1828800" indent="0">
+              <a:buNone/>
+              <a:defRPr sz="1400">
                 <a:solidFill>
                   <a:schemeClr val="tx1">
                     <a:tint val="75000"/>
                   </a:schemeClr>
                 </a:solidFill>
               </a:defRPr>
-            </a:lvl4pPr>
-            <a:lvl5pPr marL="1828800" indent="0">
-              <a:buNone/>
-              <a:defRPr sz="1600">
+            </a:lvl5pPr>
+            <a:lvl6pPr marL="2286000" indent="0">
+              <a:buNone/>
+              <a:defRPr sz="1400">
                 <a:solidFill>
                   <a:schemeClr val="tx1">
                     <a:tint val="75000"/>
                   </a:schemeClr>
                 </a:solidFill>
               </a:defRPr>
-            </a:lvl5pPr>
-            <a:lvl6pPr marL="2286000" indent="0">
-              <a:buNone/>
-              <a:defRPr sz="1600">
+            </a:lvl6pPr>
+            <a:lvl7pPr marL="2743200" indent="0">
+              <a:buNone/>
+              <a:defRPr sz="1400">
                 <a:solidFill>
                   <a:schemeClr val="tx1">
                     <a:tint val="75000"/>
                   </a:schemeClr>
                 </a:solidFill>
               </a:defRPr>
-            </a:lvl6pPr>
-            <a:lvl7pPr marL="2743200" indent="0">
-              <a:buNone/>
-              <a:defRPr sz="1600">
+            </a:lvl7pPr>
+            <a:lvl8pPr marL="3200400" indent="0">
+              <a:buNone/>
+              <a:defRPr sz="1400">
                 <a:solidFill>
                   <a:schemeClr val="tx1">
                     <a:tint val="75000"/>
                   </a:schemeClr>
                 </a:solidFill>
               </a:defRPr>
-            </a:lvl7pPr>
-            <a:lvl8pPr marL="3200400" indent="0">
-              <a:buNone/>
-              <a:defRPr sz="1600">
+            </a:lvl8pPr>
+            <a:lvl9pPr marL="3657600" indent="0">
+              <a:buNone/>
+              <a:defRPr sz="1400">
                 <a:solidFill>
                   <a:schemeClr val="tx1">
                     <a:tint val="75000"/>
                   </a:schemeClr>
                 </a:solidFill>
               </a:defRPr>
-            </a:lvl8pPr>
-            <a:lvl9pPr marL="3657600" indent="0">
-              <a:buNone/>
-              <a:defRPr sz="1600">
-                <a:solidFill>
-                  <a:schemeClr val="tx1">
-                    <a:tint val="75000"/>
-                  </a:schemeClr>
-                </a:solidFill>
-              </a:defRPr>
             </a:lvl9pPr>
           </a:lstStyle>
           <a:p>
@@ -1128,13 +3054,7 @@
       </p:sp>
       <p:sp>
         <p:nvSpPr>
-          <p:cNvPr id="4" name="Dátum helye 3">
-            <a:extLst>
-              <a:ext uri="{FF2B5EF4-FFF2-40B4-BE49-F238E27FC236}">
-                <a16:creationId xmlns:a16="http://schemas.microsoft.com/office/drawing/2014/main" id="{20D5AF89-E1DB-4EDA-92F0-F87926F4A4B4}"/>
-              </a:ext>
-            </a:extLst>
-          </p:cNvPr>
+          <p:cNvPr id="4" name="Date Placeholder 3"/>
           <p:cNvSpPr>
             <a:spLocks noGrp="1"/>
           </p:cNvSpPr>
@@ -1149,7 +3069,7 @@
           <a:p>
             <a:fld id="{A14AEA5C-A5BC-4DE8-9202-74515C7584F2}" type="datetimeFigureOut">
               <a:rPr lang="hu-HU" smtClean="0"/>
-              <a:t>2024.03.18.</a:t>
+              <a:t>2024.03.25.</a:t>
             </a:fld>
             <a:endParaRPr lang="hu-HU"/>
           </a:p>
@@ -1157,13 +3077,7 @@
       </p:sp>
       <p:sp>
         <p:nvSpPr>
-          <p:cNvPr id="5" name="Élőláb helye 4">
-            <a:extLst>
-              <a:ext uri="{FF2B5EF4-FFF2-40B4-BE49-F238E27FC236}">
-                <a16:creationId xmlns:a16="http://schemas.microsoft.com/office/drawing/2014/main" id="{02BAAE18-9792-49CA-98E9-4F0676EB3BB8}"/>
-              </a:ext>
-            </a:extLst>
-          </p:cNvPr>
+          <p:cNvPr id="5" name="Footer Placeholder 4"/>
           <p:cNvSpPr>
             <a:spLocks noGrp="1"/>
           </p:cNvSpPr>
@@ -1182,13 +3096,7 @@
       </p:sp>
       <p:sp>
         <p:nvSpPr>
-          <p:cNvPr id="6" name="Dia számának helye 5">
-            <a:extLst>
-              <a:ext uri="{FF2B5EF4-FFF2-40B4-BE49-F238E27FC236}">
-                <a16:creationId xmlns:a16="http://schemas.microsoft.com/office/drawing/2014/main" id="{E7A2F89D-E894-4880-991F-FC83E9508807}"/>
-              </a:ext>
-            </a:extLst>
-          </p:cNvPr>
+          <p:cNvPr id="6" name="Slide Number Placeholder 5"/>
           <p:cNvSpPr>
             <a:spLocks noGrp="1"/>
           </p:cNvSpPr>
@@ -1212,7 +3120,7 @@
     </p:spTree>
     <p:extLst>
       <p:ext uri="{BB962C8B-B14F-4D97-AF65-F5344CB8AC3E}">
-        <p14:creationId xmlns:p14="http://schemas.microsoft.com/office/powerpoint/2010/main" val="343790396"/>
+        <p14:creationId xmlns:p14="http://schemas.microsoft.com/office/powerpoint/2010/main" val="526400111"/>
       </p:ext>
     </p:extLst>
   </p:cSld>
@@ -1241,13 +3149,7 @@
       </p:grpSpPr>
       <p:sp>
         <p:nvSpPr>
-          <p:cNvPr id="2" name="Cím 1">
-            <a:extLst>
-              <a:ext uri="{FF2B5EF4-FFF2-40B4-BE49-F238E27FC236}">
-                <a16:creationId xmlns:a16="http://schemas.microsoft.com/office/drawing/2014/main" id="{B42E61C7-5155-4A6F-8193-53F0286BF187}"/>
-              </a:ext>
-            </a:extLst>
-          </p:cNvPr>
+          <p:cNvPr id="2" name="Title 1"/>
           <p:cNvSpPr>
             <a:spLocks noGrp="1"/>
           </p:cNvSpPr>
@@ -1264,18 +3166,13 @@
               <a:rPr lang="hu-HU"/>
               <a:t>Mintacím szerkesztése</a:t>
             </a:r>
-          </a:p>
-        </p:txBody>
-      </p:sp>
-      <p:sp>
-        <p:nvSpPr>
-          <p:cNvPr id="3" name="Tartalom helye 2">
-            <a:extLst>
-              <a:ext uri="{FF2B5EF4-FFF2-40B4-BE49-F238E27FC236}">
-                <a16:creationId xmlns:a16="http://schemas.microsoft.com/office/drawing/2014/main" id="{2E4A1E2E-6701-4613-B32B-B41880363D38}"/>
-              </a:ext>
-            </a:extLst>
-          </p:cNvPr>
+            <a:endParaRPr lang="en-US" dirty="0"/>
+          </a:p>
+        </p:txBody>
+      </p:sp>
+      <p:sp>
+        <p:nvSpPr>
+          <p:cNvPr id="3" name="Content Placeholder 2"/>
           <p:cNvSpPr>
             <a:spLocks noGrp="1"/>
           </p:cNvSpPr>
@@ -1285,12 +3182,14 @@
         </p:nvSpPr>
         <p:spPr>
           <a:xfrm>
-            <a:off x="838200" y="1825625"/>
-            <a:ext cx="5181600" cy="4351338"/>
+            <a:off x="684211" y="685800"/>
+            <a:ext cx="4937655" cy="3615267"/>
           </a:xfrm>
         </p:spPr>
         <p:txBody>
-          <a:bodyPr/>
+          <a:bodyPr>
+            <a:normAutofit/>
+          </a:bodyPr>
           <a:lstStyle/>
           <a:p>
             <a:pPr lvl="0"/>
@@ -1326,18 +3225,13 @@
               <a:rPr lang="hu-HU"/>
               <a:t>Ötödik szint</a:t>
             </a:r>
-          </a:p>
-        </p:txBody>
-      </p:sp>
-      <p:sp>
-        <p:nvSpPr>
-          <p:cNvPr id="4" name="Tartalom helye 3">
-            <a:extLst>
-              <a:ext uri="{FF2B5EF4-FFF2-40B4-BE49-F238E27FC236}">
-                <a16:creationId xmlns:a16="http://schemas.microsoft.com/office/drawing/2014/main" id="{47777AE2-3678-4666-9572-3968D2CF664C}"/>
-              </a:ext>
-            </a:extLst>
-          </p:cNvPr>
+            <a:endParaRPr lang="en-US" dirty="0"/>
+          </a:p>
+        </p:txBody>
+      </p:sp>
+      <p:sp>
+        <p:nvSpPr>
+          <p:cNvPr id="4" name="Content Placeholder 3"/>
           <p:cNvSpPr>
             <a:spLocks noGrp="1"/>
           </p:cNvSpPr>
@@ -1347,12 +3241,14 @@
         </p:nvSpPr>
         <p:spPr>
           <a:xfrm>
-            <a:off x="6172200" y="1825625"/>
-            <a:ext cx="5181600" cy="4351338"/>
+            <a:off x="5808133" y="685801"/>
+            <a:ext cx="4934479" cy="3615266"/>
           </a:xfrm>
         </p:spPr>
         <p:txBody>
-          <a:bodyPr/>
+          <a:bodyPr>
+            <a:normAutofit/>
+          </a:bodyPr>
           <a:lstStyle/>
           <a:p>
             <a:pPr lvl="0"/>
@@ -1388,18 +3284,13 @@
               <a:rPr lang="hu-HU"/>
               <a:t>Ötödik szint</a:t>
             </a:r>
-          </a:p>
-        </p:txBody>
-      </p:sp>
-      <p:sp>
-        <p:nvSpPr>
-          <p:cNvPr id="5" name="Dátum helye 4">
-            <a:extLst>
-              <a:ext uri="{FF2B5EF4-FFF2-40B4-BE49-F238E27FC236}">
-                <a16:creationId xmlns:a16="http://schemas.microsoft.com/office/drawing/2014/main" id="{4AF99CFE-3F54-49A2-8414-09B322C747C0}"/>
-              </a:ext>
-            </a:extLst>
-          </p:cNvPr>
+            <a:endParaRPr lang="en-US" dirty="0"/>
+          </a:p>
+        </p:txBody>
+      </p:sp>
+      <p:sp>
+        <p:nvSpPr>
+          <p:cNvPr id="5" name="Date Placeholder 4"/>
           <p:cNvSpPr>
             <a:spLocks noGrp="1"/>
           </p:cNvSpPr>
@@ -1414,7 +3305,7 @@
           <a:p>
             <a:fld id="{A14AEA5C-A5BC-4DE8-9202-74515C7584F2}" type="datetimeFigureOut">
               <a:rPr lang="hu-HU" smtClean="0"/>
-              <a:t>2024.03.18.</a:t>
+              <a:t>2024.03.25.</a:t>
             </a:fld>
             <a:endParaRPr lang="hu-HU"/>
           </a:p>
@@ -1422,13 +3313,7 @@
       </p:sp>
       <p:sp>
         <p:nvSpPr>
-          <p:cNvPr id="6" name="Élőláb helye 5">
-            <a:extLst>
-              <a:ext uri="{FF2B5EF4-FFF2-40B4-BE49-F238E27FC236}">
-                <a16:creationId xmlns:a16="http://schemas.microsoft.com/office/drawing/2014/main" id="{F914B292-F588-487B-AF33-276BA2D8CB4E}"/>
-              </a:ext>
-            </a:extLst>
-          </p:cNvPr>
+          <p:cNvPr id="6" name="Footer Placeholder 5"/>
           <p:cNvSpPr>
             <a:spLocks noGrp="1"/>
           </p:cNvSpPr>
@@ -1447,13 +3332,7 @@
       </p:sp>
       <p:sp>
         <p:nvSpPr>
-          <p:cNvPr id="7" name="Dia számának helye 6">
-            <a:extLst>
-              <a:ext uri="{FF2B5EF4-FFF2-40B4-BE49-F238E27FC236}">
-                <a16:creationId xmlns:a16="http://schemas.microsoft.com/office/drawing/2014/main" id="{54988FEC-99FC-4238-B33D-EA67ABF41BEB}"/>
-              </a:ext>
-            </a:extLst>
-          </p:cNvPr>
+          <p:cNvPr id="7" name="Slide Number Placeholder 6"/>
           <p:cNvSpPr>
             <a:spLocks noGrp="1"/>
           </p:cNvSpPr>
@@ -1477,7 +3356,7 @@
     </p:spTree>
     <p:extLst>
       <p:ext uri="{BB962C8B-B14F-4D97-AF65-F5344CB8AC3E}">
-        <p14:creationId xmlns:p14="http://schemas.microsoft.com/office/powerpoint/2010/main" val="1603302747"/>
+        <p14:creationId xmlns:p14="http://schemas.microsoft.com/office/powerpoint/2010/main" val="4271083164"/>
       </p:ext>
     </p:extLst>
   </p:cSld>
@@ -1506,65 +3385,59 @@
       </p:grpSpPr>
       <p:sp>
         <p:nvSpPr>
-          <p:cNvPr id="2" name="Cím 1">
-            <a:extLst>
-              <a:ext uri="{FF2B5EF4-FFF2-40B4-BE49-F238E27FC236}">
-                <a16:creationId xmlns:a16="http://schemas.microsoft.com/office/drawing/2014/main" id="{18F7C3FC-CFE7-4749-8615-D6124290AF0D}"/>
-              </a:ext>
-            </a:extLst>
-          </p:cNvPr>
+          <p:cNvPr id="2" name="Title 1"/>
           <p:cNvSpPr>
             <a:spLocks noGrp="1"/>
           </p:cNvSpPr>
           <p:nvPr>
             <p:ph type="title"/>
+          </p:nvPr>
+        </p:nvSpPr>
+        <p:spPr/>
+        <p:txBody>
+          <a:bodyPr/>
+          <a:lstStyle>
+            <a:lvl1pPr>
+              <a:defRPr/>
+            </a:lvl1pPr>
+          </a:lstStyle>
+          <a:p>
+            <a:r>
+              <a:rPr lang="hu-HU"/>
+              <a:t>Mintacím szerkesztése</a:t>
+            </a:r>
+            <a:endParaRPr lang="en-US" dirty="0"/>
+          </a:p>
+        </p:txBody>
+      </p:sp>
+      <p:sp>
+        <p:nvSpPr>
+          <p:cNvPr id="3" name="Text Placeholder 2"/>
+          <p:cNvSpPr>
+            <a:spLocks noGrp="1"/>
+          </p:cNvSpPr>
+          <p:nvPr>
+            <p:ph type="body" idx="1"/>
           </p:nvPr>
         </p:nvSpPr>
         <p:spPr>
           <a:xfrm>
-            <a:off x="839788" y="365125"/>
-            <a:ext cx="10515600" cy="1325563"/>
+            <a:off x="972080" y="685800"/>
+            <a:ext cx="4649787" cy="576262"/>
           </a:xfrm>
         </p:spPr>
         <p:txBody>
-          <a:bodyPr/>
-          <a:lstStyle/>
-          <a:p>
-            <a:r>
-              <a:rPr lang="hu-HU"/>
-              <a:t>Mintacím szerkesztése</a:t>
-            </a:r>
-          </a:p>
-        </p:txBody>
-      </p:sp>
-      <p:sp>
-        <p:nvSpPr>
-          <p:cNvPr id="3" name="Szöveg helye 2">
-            <a:extLst>
-              <a:ext uri="{FF2B5EF4-FFF2-40B4-BE49-F238E27FC236}">
-                <a16:creationId xmlns:a16="http://schemas.microsoft.com/office/drawing/2014/main" id="{945319D3-60EF-4449-B452-0B4119286213}"/>
-              </a:ext>
-            </a:extLst>
-          </p:cNvPr>
-          <p:cNvSpPr>
-            <a:spLocks noGrp="1"/>
-          </p:cNvSpPr>
-          <p:nvPr>
-            <p:ph type="body" idx="1"/>
-          </p:nvPr>
-        </p:nvSpPr>
-        <p:spPr>
-          <a:xfrm>
-            <a:off x="839788" y="1681163"/>
-            <a:ext cx="5157787" cy="823912"/>
-          </a:xfrm>
-        </p:spPr>
-        <p:txBody>
-          <a:bodyPr anchor="b"/>
+          <a:bodyPr anchor="b">
+            <a:noAutofit/>
+          </a:bodyPr>
           <a:lstStyle>
             <a:lvl1pPr marL="0" indent="0">
               <a:buNone/>
-              <a:defRPr sz="2400" b="1"/>
+              <a:defRPr sz="2800" b="0">
+                <a:solidFill>
+                  <a:schemeClr val="tx1"/>
+                </a:solidFill>
+              </a:defRPr>
             </a:lvl1pPr>
             <a:lvl2pPr marL="457200" indent="0">
               <a:buNone/>
@@ -1610,13 +3483,7 @@
       </p:sp>
       <p:sp>
         <p:nvSpPr>
-          <p:cNvPr id="4" name="Tartalom helye 3">
-            <a:extLst>
-              <a:ext uri="{FF2B5EF4-FFF2-40B4-BE49-F238E27FC236}">
-                <a16:creationId xmlns:a16="http://schemas.microsoft.com/office/drawing/2014/main" id="{D15488A4-94A2-4C9A-BA91-0C3B4F087121}"/>
-              </a:ext>
-            </a:extLst>
-          </p:cNvPr>
+          <p:cNvPr id="4" name="Content Placeholder 3"/>
           <p:cNvSpPr>
             <a:spLocks noGrp="1"/>
           </p:cNvSpPr>
@@ -1626,12 +3493,14 @@
         </p:nvSpPr>
         <p:spPr>
           <a:xfrm>
-            <a:off x="839788" y="2505075"/>
-            <a:ext cx="5157787" cy="3684588"/>
+            <a:off x="684211" y="1270529"/>
+            <a:ext cx="4937655" cy="3030538"/>
           </a:xfrm>
         </p:spPr>
         <p:txBody>
-          <a:bodyPr/>
+          <a:bodyPr anchor="t">
+            <a:normAutofit/>
+          </a:bodyPr>
           <a:lstStyle/>
           <a:p>
             <a:pPr lvl="0"/>
@@ -1667,18 +3536,13 @@
               <a:rPr lang="hu-HU"/>
               <a:t>Ötödik szint</a:t>
             </a:r>
-          </a:p>
-        </p:txBody>
-      </p:sp>
-      <p:sp>
-        <p:nvSpPr>
-          <p:cNvPr id="5" name="Szöveg helye 4">
-            <a:extLst>
-              <a:ext uri="{FF2B5EF4-FFF2-40B4-BE49-F238E27FC236}">
-                <a16:creationId xmlns:a16="http://schemas.microsoft.com/office/drawing/2014/main" id="{F085C131-54DC-4BC2-88C7-F2B2A30FEBEA}"/>
-              </a:ext>
-            </a:extLst>
-          </p:cNvPr>
+            <a:endParaRPr lang="en-US" dirty="0"/>
+          </a:p>
+        </p:txBody>
+      </p:sp>
+      <p:sp>
+        <p:nvSpPr>
+          <p:cNvPr id="5" name="Text Placeholder 4"/>
           <p:cNvSpPr>
             <a:spLocks noGrp="1"/>
           </p:cNvSpPr>
@@ -1688,16 +3552,22 @@
         </p:nvSpPr>
         <p:spPr>
           <a:xfrm>
-            <a:off x="6172200" y="1681163"/>
-            <a:ext cx="5183188" cy="823912"/>
+            <a:off x="6079066" y="685800"/>
+            <a:ext cx="4665134" cy="576262"/>
           </a:xfrm>
         </p:spPr>
         <p:txBody>
-          <a:bodyPr anchor="b"/>
+          <a:bodyPr anchor="b">
+            <a:noAutofit/>
+          </a:bodyPr>
           <a:lstStyle>
             <a:lvl1pPr marL="0" indent="0">
               <a:buNone/>
-              <a:defRPr sz="2400" b="1"/>
+              <a:defRPr sz="2800" b="0">
+                <a:solidFill>
+                  <a:schemeClr val="tx1"/>
+                </a:solidFill>
+              </a:defRPr>
             </a:lvl1pPr>
             <a:lvl2pPr marL="457200" indent="0">
               <a:buNone/>
@@ -1743,13 +3613,7 @@
       </p:sp>
       <p:sp>
         <p:nvSpPr>
-          <p:cNvPr id="6" name="Tartalom helye 5">
-            <a:extLst>
-              <a:ext uri="{FF2B5EF4-FFF2-40B4-BE49-F238E27FC236}">
-                <a16:creationId xmlns:a16="http://schemas.microsoft.com/office/drawing/2014/main" id="{56CB6CF1-8114-42A7-841C-30E63E9E316D}"/>
-              </a:ext>
-            </a:extLst>
-          </p:cNvPr>
+          <p:cNvPr id="6" name="Content Placeholder 5"/>
           <p:cNvSpPr>
             <a:spLocks noGrp="1"/>
           </p:cNvSpPr>
@@ -1759,12 +3623,14 @@
         </p:nvSpPr>
         <p:spPr>
           <a:xfrm>
-            <a:off x="6172200" y="2505075"/>
-            <a:ext cx="5183188" cy="3684588"/>
+            <a:off x="5806545" y="1262062"/>
+            <a:ext cx="4929188" cy="3030538"/>
           </a:xfrm>
         </p:spPr>
         <p:txBody>
-          <a:bodyPr/>
+          <a:bodyPr anchor="t">
+            <a:normAutofit/>
+          </a:bodyPr>
           <a:lstStyle/>
           <a:p>
             <a:pPr lvl="0"/>
@@ -1800,18 +3666,13 @@
               <a:rPr lang="hu-HU"/>
               <a:t>Ötödik szint</a:t>
             </a:r>
-          </a:p>
-        </p:txBody>
-      </p:sp>
-      <p:sp>
-        <p:nvSpPr>
-          <p:cNvPr id="7" name="Dátum helye 6">
-            <a:extLst>
-              <a:ext uri="{FF2B5EF4-FFF2-40B4-BE49-F238E27FC236}">
-                <a16:creationId xmlns:a16="http://schemas.microsoft.com/office/drawing/2014/main" id="{6796205E-1D2D-49FA-95EF-E511DF1D330D}"/>
-              </a:ext>
-            </a:extLst>
-          </p:cNvPr>
+            <a:endParaRPr lang="en-US" dirty="0"/>
+          </a:p>
+        </p:txBody>
+      </p:sp>
+      <p:sp>
+        <p:nvSpPr>
+          <p:cNvPr id="7" name="Date Placeholder 6"/>
           <p:cNvSpPr>
             <a:spLocks noGrp="1"/>
           </p:cNvSpPr>
@@ -1826,7 +3687,7 @@
           <a:p>
             <a:fld id="{A14AEA5C-A5BC-4DE8-9202-74515C7584F2}" type="datetimeFigureOut">
               <a:rPr lang="hu-HU" smtClean="0"/>
-              <a:t>2024.03.18.</a:t>
+              <a:t>2024.03.25.</a:t>
             </a:fld>
             <a:endParaRPr lang="hu-HU"/>
           </a:p>
@@ -1834,13 +3695,7 @@
       </p:sp>
       <p:sp>
         <p:nvSpPr>
-          <p:cNvPr id="8" name="Élőláb helye 7">
-            <a:extLst>
-              <a:ext uri="{FF2B5EF4-FFF2-40B4-BE49-F238E27FC236}">
-                <a16:creationId xmlns:a16="http://schemas.microsoft.com/office/drawing/2014/main" id="{1D7F975D-2BC6-4016-9428-BE496C2BC983}"/>
-              </a:ext>
-            </a:extLst>
-          </p:cNvPr>
+          <p:cNvPr id="8" name="Footer Placeholder 7"/>
           <p:cNvSpPr>
             <a:spLocks noGrp="1"/>
           </p:cNvSpPr>
@@ -1859,13 +3714,7 @@
       </p:sp>
       <p:sp>
         <p:nvSpPr>
-          <p:cNvPr id="9" name="Dia számának helye 8">
-            <a:extLst>
-              <a:ext uri="{FF2B5EF4-FFF2-40B4-BE49-F238E27FC236}">
-                <a16:creationId xmlns:a16="http://schemas.microsoft.com/office/drawing/2014/main" id="{189F0715-8DD9-4632-A3A2-974AC4C859F1}"/>
-              </a:ext>
-            </a:extLst>
-          </p:cNvPr>
+          <p:cNvPr id="9" name="Slide Number Placeholder 8"/>
           <p:cNvSpPr>
             <a:spLocks noGrp="1"/>
           </p:cNvSpPr>
@@ -1889,7 +3738,7 @@
     </p:spTree>
     <p:extLst>
       <p:ext uri="{BB962C8B-B14F-4D97-AF65-F5344CB8AC3E}">
-        <p14:creationId xmlns:p14="http://schemas.microsoft.com/office/powerpoint/2010/main" val="1516514413"/>
+        <p14:creationId xmlns:p14="http://schemas.microsoft.com/office/powerpoint/2010/main" val="2384372261"/>
       </p:ext>
     </p:extLst>
   </p:cSld>
@@ -1918,13 +3767,7 @@
       </p:grpSpPr>
       <p:sp>
         <p:nvSpPr>
-          <p:cNvPr id="2" name="Cím 1">
-            <a:extLst>
-              <a:ext uri="{FF2B5EF4-FFF2-40B4-BE49-F238E27FC236}">
-                <a16:creationId xmlns:a16="http://schemas.microsoft.com/office/drawing/2014/main" id="{AE67BD26-62D1-4A16-86A2-DED121A710BA}"/>
-              </a:ext>
-            </a:extLst>
-          </p:cNvPr>
+          <p:cNvPr id="2" name="Title 1"/>
           <p:cNvSpPr>
             <a:spLocks noGrp="1"/>
           </p:cNvSpPr>
@@ -1941,18 +3784,13 @@
               <a:rPr lang="hu-HU"/>
               <a:t>Mintacím szerkesztése</a:t>
             </a:r>
-          </a:p>
-        </p:txBody>
-      </p:sp>
-      <p:sp>
-        <p:nvSpPr>
-          <p:cNvPr id="3" name="Dátum helye 2">
-            <a:extLst>
-              <a:ext uri="{FF2B5EF4-FFF2-40B4-BE49-F238E27FC236}">
-                <a16:creationId xmlns:a16="http://schemas.microsoft.com/office/drawing/2014/main" id="{F5F11012-5765-4094-95A9-49B0DEF8E27D}"/>
-              </a:ext>
-            </a:extLst>
-          </p:cNvPr>
+            <a:endParaRPr lang="en-US" dirty="0"/>
+          </a:p>
+        </p:txBody>
+      </p:sp>
+      <p:sp>
+        <p:nvSpPr>
+          <p:cNvPr id="3" name="Date Placeholder 2"/>
           <p:cNvSpPr>
             <a:spLocks noGrp="1"/>
           </p:cNvSpPr>
@@ -1967,7 +3805,7 @@
           <a:p>
             <a:fld id="{A14AEA5C-A5BC-4DE8-9202-74515C7584F2}" type="datetimeFigureOut">
               <a:rPr lang="hu-HU" smtClean="0"/>
-              <a:t>2024.03.18.</a:t>
+              <a:t>2024.03.25.</a:t>
             </a:fld>
             <a:endParaRPr lang="hu-HU"/>
           </a:p>
@@ -1975,13 +3813,7 @@
       </p:sp>
       <p:sp>
         <p:nvSpPr>
-          <p:cNvPr id="4" name="Élőláb helye 3">
-            <a:extLst>
-              <a:ext uri="{FF2B5EF4-FFF2-40B4-BE49-F238E27FC236}">
-                <a16:creationId xmlns:a16="http://schemas.microsoft.com/office/drawing/2014/main" id="{8A7E5757-E0E6-4388-89C5-DBD2AE51A024}"/>
-              </a:ext>
-            </a:extLst>
-          </p:cNvPr>
+          <p:cNvPr id="4" name="Footer Placeholder 3"/>
           <p:cNvSpPr>
             <a:spLocks noGrp="1"/>
           </p:cNvSpPr>
@@ -2000,13 +3832,7 @@
       </p:sp>
       <p:sp>
         <p:nvSpPr>
-          <p:cNvPr id="5" name="Dia számának helye 4">
-            <a:extLst>
-              <a:ext uri="{FF2B5EF4-FFF2-40B4-BE49-F238E27FC236}">
-                <a16:creationId xmlns:a16="http://schemas.microsoft.com/office/drawing/2014/main" id="{FE242296-32A2-4F1C-B824-994E47116F2D}"/>
-              </a:ext>
-            </a:extLst>
-          </p:cNvPr>
+          <p:cNvPr id="5" name="Slide Number Placeholder 4"/>
           <p:cNvSpPr>
             <a:spLocks noGrp="1"/>
           </p:cNvSpPr>
@@ -2030,7 +3856,7 @@
     </p:spTree>
     <p:extLst>
       <p:ext uri="{BB962C8B-B14F-4D97-AF65-F5344CB8AC3E}">
-        <p14:creationId xmlns:p14="http://schemas.microsoft.com/office/powerpoint/2010/main" val="1962640101"/>
+        <p14:creationId xmlns:p14="http://schemas.microsoft.com/office/powerpoint/2010/main" val="2730036409"/>
       </p:ext>
     </p:extLst>
   </p:cSld>
@@ -2059,13 +3885,7 @@
       </p:grpSpPr>
       <p:sp>
         <p:nvSpPr>
-          <p:cNvPr id="2" name="Dátum helye 1">
-            <a:extLst>
-              <a:ext uri="{FF2B5EF4-FFF2-40B4-BE49-F238E27FC236}">
-                <a16:creationId xmlns:a16="http://schemas.microsoft.com/office/drawing/2014/main" id="{8A4B1F3D-86D8-43E5-A7A2-65F2A9702186}"/>
-              </a:ext>
-            </a:extLst>
-          </p:cNvPr>
+          <p:cNvPr id="2" name="Date Placeholder 1"/>
           <p:cNvSpPr>
             <a:spLocks noGrp="1"/>
           </p:cNvSpPr>
@@ -2080,7 +3900,7 @@
           <a:p>
             <a:fld id="{A14AEA5C-A5BC-4DE8-9202-74515C7584F2}" type="datetimeFigureOut">
               <a:rPr lang="hu-HU" smtClean="0"/>
-              <a:t>2024.03.18.</a:t>
+              <a:t>2024.03.25.</a:t>
             </a:fld>
             <a:endParaRPr lang="hu-HU"/>
           </a:p>
@@ -2088,13 +3908,7 @@
       </p:sp>
       <p:sp>
         <p:nvSpPr>
-          <p:cNvPr id="3" name="Élőláb helye 2">
-            <a:extLst>
-              <a:ext uri="{FF2B5EF4-FFF2-40B4-BE49-F238E27FC236}">
-                <a16:creationId xmlns:a16="http://schemas.microsoft.com/office/drawing/2014/main" id="{B8744273-2670-42C1-BFFE-5879E09548C2}"/>
-              </a:ext>
-            </a:extLst>
-          </p:cNvPr>
+          <p:cNvPr id="3" name="Footer Placeholder 2"/>
           <p:cNvSpPr>
             <a:spLocks noGrp="1"/>
           </p:cNvSpPr>
@@ -2113,13 +3927,7 @@
       </p:sp>
       <p:sp>
         <p:nvSpPr>
-          <p:cNvPr id="4" name="Dia számának helye 3">
-            <a:extLst>
-              <a:ext uri="{FF2B5EF4-FFF2-40B4-BE49-F238E27FC236}">
-                <a16:creationId xmlns:a16="http://schemas.microsoft.com/office/drawing/2014/main" id="{8AC061B3-AA66-4A50-9E5E-A5C1AF3599B2}"/>
-              </a:ext>
-            </a:extLst>
-          </p:cNvPr>
+          <p:cNvPr id="4" name="Slide Number Placeholder 3"/>
           <p:cNvSpPr>
             <a:spLocks noGrp="1"/>
           </p:cNvSpPr>
@@ -2143,7 +3951,7 @@
     </p:spTree>
     <p:extLst>
       <p:ext uri="{BB962C8B-B14F-4D97-AF65-F5344CB8AC3E}">
-        <p14:creationId xmlns:p14="http://schemas.microsoft.com/office/powerpoint/2010/main" val="3475414446"/>
+        <p14:creationId xmlns:p14="http://schemas.microsoft.com/office/powerpoint/2010/main" val="1330811974"/>
       </p:ext>
     </p:extLst>
   </p:cSld>
@@ -2172,13 +3980,7 @@
       </p:grpSpPr>
       <p:sp>
         <p:nvSpPr>
-          <p:cNvPr id="2" name="Cím 1">
-            <a:extLst>
-              <a:ext uri="{FF2B5EF4-FFF2-40B4-BE49-F238E27FC236}">
-                <a16:creationId xmlns:a16="http://schemas.microsoft.com/office/drawing/2014/main" id="{226CC8AE-D354-48B0-B9F7-0E875ABBAEED}"/>
-              </a:ext>
-            </a:extLst>
-          </p:cNvPr>
+          <p:cNvPr id="2" name="Title 1"/>
           <p:cNvSpPr>
             <a:spLocks noGrp="1"/>
           </p:cNvSpPr>
@@ -2188,15 +3990,17 @@
         </p:nvSpPr>
         <p:spPr>
           <a:xfrm>
-            <a:off x="839788" y="457200"/>
-            <a:ext cx="3932237" cy="1600200"/>
+            <a:off x="7085012" y="685800"/>
+            <a:ext cx="3657600" cy="1371600"/>
           </a:xfrm>
         </p:spPr>
         <p:txBody>
-          <a:bodyPr anchor="b"/>
+          <a:bodyPr anchor="b">
+            <a:normAutofit/>
+          </a:bodyPr>
           <a:lstStyle>
-            <a:lvl1pPr>
-              <a:defRPr sz="3200"/>
+            <a:lvl1pPr algn="l">
+              <a:defRPr sz="2400" b="0"/>
             </a:lvl1pPr>
           </a:lstStyle>
           <a:p>
@@ -2204,18 +4008,13 @@
               <a:rPr lang="hu-HU"/>
               <a:t>Mintacím szerkesztése</a:t>
             </a:r>
-          </a:p>
-        </p:txBody>
-      </p:sp>
-      <p:sp>
-        <p:nvSpPr>
-          <p:cNvPr id="3" name="Tartalom helye 2">
-            <a:extLst>
-              <a:ext uri="{FF2B5EF4-FFF2-40B4-BE49-F238E27FC236}">
-                <a16:creationId xmlns:a16="http://schemas.microsoft.com/office/drawing/2014/main" id="{FA8A980C-D1F8-47FC-8D31-5D28D15B59B4}"/>
-              </a:ext>
-            </a:extLst>
-          </p:cNvPr>
+            <a:endParaRPr lang="en-US" dirty="0"/>
+          </a:p>
+        </p:txBody>
+      </p:sp>
+      <p:sp>
+        <p:nvSpPr>
+          <p:cNvPr id="3" name="Content Placeholder 2"/>
           <p:cNvSpPr>
             <a:spLocks noGrp="1"/>
           </p:cNvSpPr>
@@ -2225,41 +4024,15 @@
         </p:nvSpPr>
         <p:spPr>
           <a:xfrm>
-            <a:off x="5183188" y="987425"/>
-            <a:ext cx="6172200" cy="4873625"/>
+            <a:off x="684212" y="685800"/>
+            <a:ext cx="5943601" cy="5308600"/>
           </a:xfrm>
         </p:spPr>
         <p:txBody>
-          <a:bodyPr/>
-          <a:lstStyle>
-            <a:lvl1pPr>
-              <a:defRPr sz="3200"/>
-            </a:lvl1pPr>
-            <a:lvl2pPr>
-              <a:defRPr sz="2800"/>
-            </a:lvl2pPr>
-            <a:lvl3pPr>
-              <a:defRPr sz="2400"/>
-            </a:lvl3pPr>
-            <a:lvl4pPr>
-              <a:defRPr sz="2000"/>
-            </a:lvl4pPr>
-            <a:lvl5pPr>
-              <a:defRPr sz="2000"/>
-            </a:lvl5pPr>
-            <a:lvl6pPr>
-              <a:defRPr sz="2000"/>
-            </a:lvl6pPr>
-            <a:lvl7pPr>
-              <a:defRPr sz="2000"/>
-            </a:lvl7pPr>
-            <a:lvl8pPr>
-              <a:defRPr sz="2000"/>
-            </a:lvl8pPr>
-            <a:lvl9pPr>
-              <a:defRPr sz="2000"/>
-            </a:lvl9pPr>
-          </a:lstStyle>
+          <a:bodyPr anchor="ctr">
+            <a:normAutofit/>
+          </a:bodyPr>
+          <a:lstStyle/>
           <a:p>
             <a:pPr lvl="0"/>
             <a:r>
@@ -2294,18 +4067,13 @@
               <a:rPr lang="hu-HU"/>
               <a:t>Ötödik szint</a:t>
             </a:r>
-          </a:p>
-        </p:txBody>
-      </p:sp>
-      <p:sp>
-        <p:nvSpPr>
-          <p:cNvPr id="4" name="Szöveg helye 3">
-            <a:extLst>
-              <a:ext uri="{FF2B5EF4-FFF2-40B4-BE49-F238E27FC236}">
-                <a16:creationId xmlns:a16="http://schemas.microsoft.com/office/drawing/2014/main" id="{F70E693C-1103-483D-9B58-CF1E9E881893}"/>
-              </a:ext>
-            </a:extLst>
-          </p:cNvPr>
+            <a:endParaRPr lang="en-US" dirty="0"/>
+          </a:p>
+        </p:txBody>
+      </p:sp>
+      <p:sp>
+        <p:nvSpPr>
+          <p:cNvPr id="4" name="Text Placeholder 3"/>
           <p:cNvSpPr>
             <a:spLocks noGrp="1"/>
           </p:cNvSpPr>
@@ -2315,12 +4083,14 @@
         </p:nvSpPr>
         <p:spPr>
           <a:xfrm>
-            <a:off x="839788" y="2057400"/>
-            <a:ext cx="3932237" cy="3811588"/>
+            <a:off x="7085012" y="2209799"/>
+            <a:ext cx="3657600" cy="2091267"/>
           </a:xfrm>
         </p:spPr>
         <p:txBody>
-          <a:bodyPr/>
+          <a:bodyPr anchor="t">
+            <a:normAutofit/>
+          </a:bodyPr>
           <a:lstStyle>
             <a:lvl1pPr marL="0" indent="0">
               <a:buNone/>
@@ -2328,35 +4098,35 @@
             </a:lvl1pPr>
             <a:lvl2pPr marL="457200" indent="0">
               <a:buNone/>
-              <a:defRPr sz="1400"/>
+              <a:defRPr sz="1200"/>
             </a:lvl2pPr>
             <a:lvl3pPr marL="914400" indent="0">
               <a:buNone/>
-              <a:defRPr sz="1200"/>
+              <a:defRPr sz="1000"/>
             </a:lvl3pPr>
             <a:lvl4pPr marL="1371600" indent="0">
               <a:buNone/>
-              <a:defRPr sz="1000"/>
+              <a:defRPr sz="900"/>
             </a:lvl4pPr>
             <a:lvl5pPr marL="1828800" indent="0">
               <a:buNone/>
-              <a:defRPr sz="1000"/>
+              <a:defRPr sz="900"/>
             </a:lvl5pPr>
             <a:lvl6pPr marL="2286000" indent="0">
               <a:buNone/>
-              <a:defRPr sz="1000"/>
+              <a:defRPr sz="900"/>
             </a:lvl6pPr>
             <a:lvl7pPr marL="2743200" indent="0">
               <a:buNone/>
-              <a:defRPr sz="1000"/>
+              <a:defRPr sz="900"/>
             </a:lvl7pPr>
             <a:lvl8pPr marL="3200400" indent="0">
               <a:buNone/>
-              <a:defRPr sz="1000"/>
+              <a:defRPr sz="900"/>
             </a:lvl8pPr>
             <a:lvl9pPr marL="3657600" indent="0">
               <a:buNone/>
-              <a:defRPr sz="1000"/>
+              <a:defRPr sz="900"/>
             </a:lvl9pPr>
           </a:lstStyle>
           <a:p>
@@ -2370,13 +4140,7 @@
       </p:sp>
       <p:sp>
         <p:nvSpPr>
-          <p:cNvPr id="5" name="Dátum helye 4">
-            <a:extLst>
-              <a:ext uri="{FF2B5EF4-FFF2-40B4-BE49-F238E27FC236}">
-                <a16:creationId xmlns:a16="http://schemas.microsoft.com/office/drawing/2014/main" id="{2A935B49-E385-4E04-A2D2-A592DFE1EF85}"/>
-              </a:ext>
-            </a:extLst>
-          </p:cNvPr>
+          <p:cNvPr id="5" name="Date Placeholder 4"/>
           <p:cNvSpPr>
             <a:spLocks noGrp="1"/>
           </p:cNvSpPr>
@@ -2391,7 +4155,7 @@
           <a:p>
             <a:fld id="{A14AEA5C-A5BC-4DE8-9202-74515C7584F2}" type="datetimeFigureOut">
               <a:rPr lang="hu-HU" smtClean="0"/>
-              <a:t>2024.03.18.</a:t>
+              <a:t>2024.03.25.</a:t>
             </a:fld>
             <a:endParaRPr lang="hu-HU"/>
           </a:p>
@@ -2399,13 +4163,7 @@
       </p:sp>
       <p:sp>
         <p:nvSpPr>
-          <p:cNvPr id="6" name="Élőláb helye 5">
-            <a:extLst>
-              <a:ext uri="{FF2B5EF4-FFF2-40B4-BE49-F238E27FC236}">
-                <a16:creationId xmlns:a16="http://schemas.microsoft.com/office/drawing/2014/main" id="{FDB6FD87-2198-4D49-8DE6-EEE4C84D763B}"/>
-              </a:ext>
-            </a:extLst>
-          </p:cNvPr>
+          <p:cNvPr id="6" name="Footer Placeholder 5"/>
           <p:cNvSpPr>
             <a:spLocks noGrp="1"/>
           </p:cNvSpPr>
@@ -2424,13 +4182,7 @@
       </p:sp>
       <p:sp>
         <p:nvSpPr>
-          <p:cNvPr id="7" name="Dia számának helye 6">
-            <a:extLst>
-              <a:ext uri="{FF2B5EF4-FFF2-40B4-BE49-F238E27FC236}">
-                <a16:creationId xmlns:a16="http://schemas.microsoft.com/office/drawing/2014/main" id="{B72BE955-10B1-4C66-AFC2-2C385CB8439A}"/>
-              </a:ext>
-            </a:extLst>
-          </p:cNvPr>
+          <p:cNvPr id="7" name="Slide Number Placeholder 6"/>
           <p:cNvSpPr>
             <a:spLocks noGrp="1"/>
           </p:cNvSpPr>
@@ -2454,7 +4206,7 @@
     </p:spTree>
     <p:extLst>
       <p:ext uri="{BB962C8B-B14F-4D97-AF65-F5344CB8AC3E}">
-        <p14:creationId xmlns:p14="http://schemas.microsoft.com/office/powerpoint/2010/main" val="3437962999"/>
+        <p14:creationId xmlns:p14="http://schemas.microsoft.com/office/powerpoint/2010/main" val="3823974163"/>
       </p:ext>
     </p:extLst>
   </p:cSld>
@@ -2483,13 +4235,7 @@
       </p:grpSpPr>
       <p:sp>
         <p:nvSpPr>
-          <p:cNvPr id="2" name="Cím 1">
-            <a:extLst>
-              <a:ext uri="{FF2B5EF4-FFF2-40B4-BE49-F238E27FC236}">
-                <a16:creationId xmlns:a16="http://schemas.microsoft.com/office/drawing/2014/main" id="{1E541DF4-D3C4-4523-BFB5-DBF1B558BB4C}"/>
-              </a:ext>
-            </a:extLst>
-          </p:cNvPr>
+          <p:cNvPr id="2" name="Title 1"/>
           <p:cNvSpPr>
             <a:spLocks noGrp="1"/>
           </p:cNvSpPr>
@@ -2499,15 +4245,17 @@
         </p:nvSpPr>
         <p:spPr>
           <a:xfrm>
-            <a:off x="839788" y="457200"/>
-            <a:ext cx="3932237" cy="1600200"/>
+            <a:off x="4722812" y="1447800"/>
+            <a:ext cx="6019800" cy="1143000"/>
           </a:xfrm>
         </p:spPr>
         <p:txBody>
-          <a:bodyPr anchor="b"/>
+          <a:bodyPr anchor="b">
+            <a:normAutofit/>
+          </a:bodyPr>
           <a:lstStyle>
-            <a:lvl1pPr>
-              <a:defRPr sz="3200"/>
+            <a:lvl1pPr algn="l">
+              <a:defRPr sz="2800" b="0"/>
             </a:lvl1pPr>
           </a:lstStyle>
           <a:p>
@@ -2515,20 +4263,15 @@
               <a:rPr lang="hu-HU"/>
               <a:t>Mintacím szerkesztése</a:t>
             </a:r>
-          </a:p>
-        </p:txBody>
-      </p:sp>
-      <p:sp>
-        <p:nvSpPr>
-          <p:cNvPr id="3" name="Kép helye 2">
-            <a:extLst>
-              <a:ext uri="{FF2B5EF4-FFF2-40B4-BE49-F238E27FC236}">
-                <a16:creationId xmlns:a16="http://schemas.microsoft.com/office/drawing/2014/main" id="{66175225-3D3F-40B7-9225-60F92A999447}"/>
-              </a:ext>
-            </a:extLst>
-          </p:cNvPr>
-          <p:cNvSpPr>
-            <a:spLocks noGrp="1"/>
+            <a:endParaRPr lang="en-US" dirty="0"/>
+          </a:p>
+        </p:txBody>
+      </p:sp>
+      <p:sp>
+        <p:nvSpPr>
+          <p:cNvPr id="14" name="Picture Placeholder 2"/>
+          <p:cNvSpPr>
+            <a:spLocks noGrp="1" noChangeAspect="1"/>
           </p:cNvSpPr>
           <p:nvPr>
             <p:ph type="pic" idx="1"/>
@@ -2536,118 +4279,140 @@
         </p:nvSpPr>
         <p:spPr>
           <a:xfrm>
-            <a:off x="5183188" y="987425"/>
-            <a:ext cx="6172200" cy="4873625"/>
+            <a:off x="989012" y="914400"/>
+            <a:ext cx="3280974" cy="4572000"/>
           </a:xfrm>
+          <a:prstGeom prst="snip2DiagRect">
+            <a:avLst>
+              <a:gd name="adj1" fmla="val 10815"/>
+              <a:gd name="adj2" fmla="val 0"/>
+            </a:avLst>
+          </a:prstGeom>
+          <a:ln w="15875">
+            <a:solidFill>
+              <a:schemeClr val="tx1">
+                <a:alpha val="40000"/>
+              </a:schemeClr>
+            </a:solidFill>
+          </a:ln>
+          <a:effectLst>
+            <a:innerShdw blurRad="57150" dist="38100" dir="14460000">
+              <a:srgbClr val="000000">
+                <a:alpha val="70000"/>
+              </a:srgbClr>
+            </a:innerShdw>
+          </a:effectLst>
         </p:spPr>
         <p:txBody>
-          <a:bodyPr/>
+          <a:bodyPr anchor="t">
+            <a:normAutofit/>
+          </a:bodyPr>
           <a:lstStyle>
-            <a:lvl1pPr marL="0" indent="0">
-              <a:buNone/>
-              <a:defRPr sz="3200"/>
-            </a:lvl1pPr>
-            <a:lvl2pPr marL="457200" indent="0">
-              <a:buNone/>
-              <a:defRPr sz="2800"/>
-            </a:lvl2pPr>
-            <a:lvl3pPr marL="914400" indent="0">
-              <a:buNone/>
-              <a:defRPr sz="2400"/>
-            </a:lvl3pPr>
-            <a:lvl4pPr marL="1371600" indent="0">
-              <a:buNone/>
-              <a:defRPr sz="2000"/>
-            </a:lvl4pPr>
-            <a:lvl5pPr marL="1828800" indent="0">
-              <a:buNone/>
-              <a:defRPr sz="2000"/>
-            </a:lvl5pPr>
-            <a:lvl6pPr marL="2286000" indent="0">
-              <a:buNone/>
-              <a:defRPr sz="2000"/>
-            </a:lvl6pPr>
-            <a:lvl7pPr marL="2743200" indent="0">
-              <a:buNone/>
-              <a:defRPr sz="2000"/>
-            </a:lvl7pPr>
-            <a:lvl8pPr marL="3200400" indent="0">
-              <a:buNone/>
-              <a:defRPr sz="2000"/>
-            </a:lvl8pPr>
-            <a:lvl9pPr marL="3657600" indent="0">
-              <a:buNone/>
-              <a:defRPr sz="2000"/>
-            </a:lvl9pPr>
-          </a:lstStyle>
-          <a:p>
-            <a:endParaRPr lang="hu-HU"/>
-          </a:p>
-        </p:txBody>
-      </p:sp>
-      <p:sp>
-        <p:nvSpPr>
-          <p:cNvPr id="4" name="Szöveg helye 3">
-            <a:extLst>
-              <a:ext uri="{FF2B5EF4-FFF2-40B4-BE49-F238E27FC236}">
-                <a16:creationId xmlns:a16="http://schemas.microsoft.com/office/drawing/2014/main" id="{6A669A18-287C-494A-800A-A6DCC4AF0F21}"/>
-              </a:ext>
-            </a:extLst>
-          </p:cNvPr>
-          <p:cNvSpPr>
-            <a:spLocks noGrp="1"/>
-          </p:cNvSpPr>
-          <p:nvPr>
-            <p:ph type="body" sz="half" idx="2"/>
-          </p:nvPr>
-        </p:nvSpPr>
-        <p:spPr>
-          <a:xfrm>
-            <a:off x="839788" y="2057400"/>
-            <a:ext cx="3932237" cy="3811588"/>
-          </a:xfrm>
-        </p:spPr>
-        <p:txBody>
-          <a:bodyPr/>
-          <a:lstStyle>
-            <a:lvl1pPr marL="0" indent="0">
+            <a:lvl1pPr marL="0" indent="0" algn="ctr">
               <a:buNone/>
               <a:defRPr sz="1600"/>
             </a:lvl1pPr>
             <a:lvl2pPr marL="457200" indent="0">
               <a:buNone/>
-              <a:defRPr sz="1400"/>
+              <a:defRPr sz="1600"/>
             </a:lvl2pPr>
             <a:lvl3pPr marL="914400" indent="0">
               <a:buNone/>
-              <a:defRPr sz="1200"/>
+              <a:defRPr sz="1600"/>
             </a:lvl3pPr>
             <a:lvl4pPr marL="1371600" indent="0">
               <a:buNone/>
-              <a:defRPr sz="1000"/>
+              <a:defRPr sz="1600"/>
             </a:lvl4pPr>
             <a:lvl5pPr marL="1828800" indent="0">
               <a:buNone/>
-              <a:defRPr sz="1000"/>
+              <a:defRPr sz="1600"/>
             </a:lvl5pPr>
             <a:lvl6pPr marL="2286000" indent="0">
               <a:buNone/>
-              <a:defRPr sz="1000"/>
+              <a:defRPr sz="1600"/>
             </a:lvl6pPr>
             <a:lvl7pPr marL="2743200" indent="0">
               <a:buNone/>
-              <a:defRPr sz="1000"/>
+              <a:defRPr sz="1600"/>
             </a:lvl7pPr>
             <a:lvl8pPr marL="3200400" indent="0">
               <a:buNone/>
-              <a:defRPr sz="1000"/>
+              <a:defRPr sz="1600"/>
             </a:lvl8pPr>
             <a:lvl9pPr marL="3657600" indent="0">
               <a:buNone/>
-              <a:defRPr sz="1000"/>
+              <a:defRPr sz="1600"/>
             </a:lvl9pPr>
           </a:lstStyle>
           <a:p>
+            <a:r>
+              <a:rPr lang="hu-HU"/>
+              <a:t>Kép beszúrásához kattintson az ikonra</a:t>
+            </a:r>
+            <a:endParaRPr lang="en-US" dirty="0"/>
+          </a:p>
+        </p:txBody>
+      </p:sp>
+      <p:sp>
+        <p:nvSpPr>
+          <p:cNvPr id="4" name="Text Placeholder 3"/>
+          <p:cNvSpPr>
+            <a:spLocks noGrp="1"/>
+          </p:cNvSpPr>
+          <p:nvPr>
+            <p:ph type="body" sz="half" idx="2"/>
+          </p:nvPr>
+        </p:nvSpPr>
+        <p:spPr>
+          <a:xfrm>
+            <a:off x="4722812" y="2777066"/>
+            <a:ext cx="6021388" cy="2048933"/>
+          </a:xfrm>
+        </p:spPr>
+        <p:txBody>
+          <a:bodyPr anchor="t">
+            <a:normAutofit/>
+          </a:bodyPr>
+          <a:lstStyle>
+            <a:lvl1pPr marL="0" indent="0">
+              <a:buNone/>
+              <a:defRPr sz="1800"/>
+            </a:lvl1pPr>
+            <a:lvl2pPr marL="457200" indent="0">
+              <a:buNone/>
+              <a:defRPr sz="1200"/>
+            </a:lvl2pPr>
+            <a:lvl3pPr marL="914400" indent="0">
+              <a:buNone/>
+              <a:defRPr sz="1000"/>
+            </a:lvl3pPr>
+            <a:lvl4pPr marL="1371600" indent="0">
+              <a:buNone/>
+              <a:defRPr sz="900"/>
+            </a:lvl4pPr>
+            <a:lvl5pPr marL="1828800" indent="0">
+              <a:buNone/>
+              <a:defRPr sz="900"/>
+            </a:lvl5pPr>
+            <a:lvl6pPr marL="2286000" indent="0">
+              <a:buNone/>
+              <a:defRPr sz="900"/>
+            </a:lvl6pPr>
+            <a:lvl7pPr marL="2743200" indent="0">
+              <a:buNone/>
+              <a:defRPr sz="900"/>
+            </a:lvl7pPr>
+            <a:lvl8pPr marL="3200400" indent="0">
+              <a:buNone/>
+              <a:defRPr sz="900"/>
+            </a:lvl8pPr>
+            <a:lvl9pPr marL="3657600" indent="0">
+              <a:buNone/>
+              <a:defRPr sz="900"/>
+            </a:lvl9pPr>
+          </a:lstStyle>
+          <a:p>
             <a:pPr lvl="0"/>
             <a:r>
               <a:rPr lang="hu-HU"/>
@@ -2658,13 +4423,7 @@
       </p:sp>
       <p:sp>
         <p:nvSpPr>
-          <p:cNvPr id="5" name="Dátum helye 4">
-            <a:extLst>
-              <a:ext uri="{FF2B5EF4-FFF2-40B4-BE49-F238E27FC236}">
-                <a16:creationId xmlns:a16="http://schemas.microsoft.com/office/drawing/2014/main" id="{07021CE8-0790-4C34-B006-B6B4DA5B11B1}"/>
-              </a:ext>
-            </a:extLst>
-          </p:cNvPr>
+          <p:cNvPr id="5" name="Date Placeholder 4"/>
           <p:cNvSpPr>
             <a:spLocks noGrp="1"/>
           </p:cNvSpPr>
@@ -2679,7 +4438,7 @@
           <a:p>
             <a:fld id="{A14AEA5C-A5BC-4DE8-9202-74515C7584F2}" type="datetimeFigureOut">
               <a:rPr lang="hu-HU" smtClean="0"/>
-              <a:t>2024.03.18.</a:t>
+              <a:t>2024.03.25.</a:t>
             </a:fld>
             <a:endParaRPr lang="hu-HU"/>
           </a:p>
@@ -2687,13 +4446,7 @@
       </p:sp>
       <p:sp>
         <p:nvSpPr>
-          <p:cNvPr id="6" name="Élőláb helye 5">
-            <a:extLst>
-              <a:ext uri="{FF2B5EF4-FFF2-40B4-BE49-F238E27FC236}">
-                <a16:creationId xmlns:a16="http://schemas.microsoft.com/office/drawing/2014/main" id="{CE7E6007-94CE-4370-817E-EDC2228A0033}"/>
-              </a:ext>
-            </a:extLst>
-          </p:cNvPr>
+          <p:cNvPr id="6" name="Footer Placeholder 5"/>
           <p:cNvSpPr>
             <a:spLocks noGrp="1"/>
           </p:cNvSpPr>
@@ -2712,13 +4465,7 @@
       </p:sp>
       <p:sp>
         <p:nvSpPr>
-          <p:cNvPr id="7" name="Dia számának helye 6">
-            <a:extLst>
-              <a:ext uri="{FF2B5EF4-FFF2-40B4-BE49-F238E27FC236}">
-                <a16:creationId xmlns:a16="http://schemas.microsoft.com/office/drawing/2014/main" id="{BE39F61A-51E3-4A09-8B07-4F7FA89B1542}"/>
-              </a:ext>
-            </a:extLst>
-          </p:cNvPr>
+          <p:cNvPr id="7" name="Slide Number Placeholder 6"/>
           <p:cNvSpPr>
             <a:spLocks noGrp="1"/>
           </p:cNvSpPr>
@@ -2742,7 +4489,7 @@
     </p:spTree>
     <p:extLst>
       <p:ext uri="{BB962C8B-B14F-4D97-AF65-F5344CB8AC3E}">
-        <p14:creationId xmlns:p14="http://schemas.microsoft.com/office/powerpoint/2010/main" val="2124479457"/>
+        <p14:creationId xmlns:p14="http://schemas.microsoft.com/office/powerpoint/2010/main" val="1584962545"/>
       </p:ext>
     </p:extLst>
   </p:cSld>
@@ -2756,8 +4503,8 @@
 <p:sldMaster xmlns:a="http://schemas.openxmlformats.org/drawingml/2006/main" xmlns:r="http://schemas.openxmlformats.org/officeDocument/2006/relationships" xmlns:p="http://schemas.openxmlformats.org/presentationml/2006/main">
   <p:cSld>
     <p:bg>
-      <p:bgRef idx="1001">
-        <a:schemeClr val="bg1"/>
+      <p:bgRef idx="1002">
+        <a:schemeClr val="bg2"/>
       </p:bgRef>
     </p:bg>
     <p:spTree>
@@ -2774,15 +4521,199 @@
           <a:chExt cx="0" cy="0"/>
         </a:xfrm>
       </p:grpSpPr>
-      <p:sp>
-        <p:nvSpPr>
-          <p:cNvPr id="2" name="Cím helye 1">
-            <a:extLst>
-              <a:ext uri="{FF2B5EF4-FFF2-40B4-BE49-F238E27FC236}">
-                <a16:creationId xmlns:a16="http://schemas.microsoft.com/office/drawing/2014/main" id="{BDBB08E3-BE12-45A1-86E2-B81FC058C482}"/>
-              </a:ext>
-            </a:extLst>
-          </p:cNvPr>
+      <p:grpSp>
+        <p:nvGrpSpPr>
+          <p:cNvPr id="7" name="Group 6"/>
+          <p:cNvGrpSpPr/>
+          <p:nvPr/>
+        </p:nvGrpSpPr>
+        <p:grpSpPr>
+          <a:xfrm>
+            <a:off x="9206969" y="2963333"/>
+            <a:ext cx="2981858" cy="3208867"/>
+            <a:chOff x="9206969" y="2963333"/>
+            <a:chExt cx="2981858" cy="3208867"/>
+          </a:xfrm>
+        </p:grpSpPr>
+        <p:cxnSp>
+          <p:nvCxnSpPr>
+            <p:cNvPr id="8" name="Straight Connector 7"/>
+            <p:cNvCxnSpPr/>
+            <p:nvPr/>
+          </p:nvCxnSpPr>
+          <p:spPr>
+            <a:xfrm flipH="1">
+              <a:off x="11276012" y="2963333"/>
+              <a:ext cx="912814" cy="912812"/>
+            </a:xfrm>
+            <a:prstGeom prst="line">
+              <a:avLst/>
+            </a:prstGeom>
+            <a:ln w="9525">
+              <a:solidFill>
+                <a:schemeClr val="tx1"/>
+              </a:solidFill>
+            </a:ln>
+          </p:spPr>
+          <p:style>
+            <a:lnRef idx="2">
+              <a:schemeClr val="accent1"/>
+            </a:lnRef>
+            <a:fillRef idx="0">
+              <a:schemeClr val="accent1"/>
+            </a:fillRef>
+            <a:effectRef idx="1">
+              <a:schemeClr val="accent1"/>
+            </a:effectRef>
+            <a:fontRef idx="minor">
+              <a:schemeClr val="tx1"/>
+            </a:fontRef>
+          </p:style>
+        </p:cxnSp>
+        <p:cxnSp>
+          <p:nvCxnSpPr>
+            <p:cNvPr id="9" name="Straight Connector 8"/>
+            <p:cNvCxnSpPr/>
+            <p:nvPr/>
+          </p:nvCxnSpPr>
+          <p:spPr>
+            <a:xfrm flipH="1">
+              <a:off x="9206969" y="3190344"/>
+              <a:ext cx="2981857" cy="2981856"/>
+            </a:xfrm>
+            <a:prstGeom prst="line">
+              <a:avLst/>
+            </a:prstGeom>
+            <a:ln w="9525">
+              <a:solidFill>
+                <a:schemeClr val="tx1"/>
+              </a:solidFill>
+            </a:ln>
+          </p:spPr>
+          <p:style>
+            <a:lnRef idx="2">
+              <a:schemeClr val="accent1"/>
+            </a:lnRef>
+            <a:fillRef idx="0">
+              <a:schemeClr val="accent1"/>
+            </a:fillRef>
+            <a:effectRef idx="1">
+              <a:schemeClr val="accent1"/>
+            </a:effectRef>
+            <a:fontRef idx="minor">
+              <a:schemeClr val="tx1"/>
+            </a:fontRef>
+          </p:style>
+        </p:cxnSp>
+        <p:cxnSp>
+          <p:nvCxnSpPr>
+            <p:cNvPr id="10" name="Straight Connector 9"/>
+            <p:cNvCxnSpPr/>
+            <p:nvPr/>
+          </p:nvCxnSpPr>
+          <p:spPr>
+            <a:xfrm flipH="1">
+              <a:off x="10292292" y="3285067"/>
+              <a:ext cx="1896534" cy="1896533"/>
+            </a:xfrm>
+            <a:prstGeom prst="line">
+              <a:avLst/>
+            </a:prstGeom>
+            <a:ln w="9525">
+              <a:solidFill>
+                <a:schemeClr val="tx1"/>
+              </a:solidFill>
+            </a:ln>
+          </p:spPr>
+          <p:style>
+            <a:lnRef idx="2">
+              <a:schemeClr val="accent1"/>
+            </a:lnRef>
+            <a:fillRef idx="0">
+              <a:schemeClr val="accent1"/>
+            </a:fillRef>
+            <a:effectRef idx="1">
+              <a:schemeClr val="accent1"/>
+            </a:effectRef>
+            <a:fontRef idx="minor">
+              <a:schemeClr val="tx1"/>
+            </a:fontRef>
+          </p:style>
+        </p:cxnSp>
+        <p:cxnSp>
+          <p:nvCxnSpPr>
+            <p:cNvPr id="11" name="Straight Connector 10"/>
+            <p:cNvCxnSpPr/>
+            <p:nvPr/>
+          </p:nvCxnSpPr>
+          <p:spPr>
+            <a:xfrm flipH="1">
+              <a:off x="10443103" y="3131080"/>
+              <a:ext cx="1745722" cy="1745720"/>
+            </a:xfrm>
+            <a:prstGeom prst="line">
+              <a:avLst/>
+            </a:prstGeom>
+            <a:ln w="28575">
+              <a:solidFill>
+                <a:schemeClr val="tx1"/>
+              </a:solidFill>
+            </a:ln>
+          </p:spPr>
+          <p:style>
+            <a:lnRef idx="2">
+              <a:schemeClr val="accent1"/>
+            </a:lnRef>
+            <a:fillRef idx="0">
+              <a:schemeClr val="accent1"/>
+            </a:fillRef>
+            <a:effectRef idx="1">
+              <a:schemeClr val="accent1"/>
+            </a:effectRef>
+            <a:fontRef idx="minor">
+              <a:schemeClr val="tx1"/>
+            </a:fontRef>
+          </p:style>
+        </p:cxnSp>
+        <p:cxnSp>
+          <p:nvCxnSpPr>
+            <p:cNvPr id="12" name="Straight Connector 11"/>
+            <p:cNvCxnSpPr/>
+            <p:nvPr/>
+          </p:nvCxnSpPr>
+          <p:spPr>
+            <a:xfrm flipH="1">
+              <a:off x="10918826" y="3683001"/>
+              <a:ext cx="1270001" cy="1269999"/>
+            </a:xfrm>
+            <a:prstGeom prst="line">
+              <a:avLst/>
+            </a:prstGeom>
+            <a:ln w="28575">
+              <a:solidFill>
+                <a:schemeClr val="tx1"/>
+              </a:solidFill>
+            </a:ln>
+          </p:spPr>
+          <p:style>
+            <a:lnRef idx="2">
+              <a:schemeClr val="accent1"/>
+            </a:lnRef>
+            <a:fillRef idx="0">
+              <a:schemeClr val="accent1"/>
+            </a:fillRef>
+            <a:effectRef idx="1">
+              <a:schemeClr val="accent1"/>
+            </a:effectRef>
+            <a:fontRef idx="minor">
+              <a:schemeClr val="tx1"/>
+            </a:fontRef>
+          </p:style>
+        </p:cxnSp>
+      </p:grpSp>
+      <p:sp>
+        <p:nvSpPr>
+          <p:cNvPr id="2" name="Title Placeholder 1"/>
           <p:cNvSpPr>
             <a:spLocks noGrp="1"/>
           </p:cNvSpPr>
@@ -2792,8 +4723,42 @@
         </p:nvSpPr>
         <p:spPr>
           <a:xfrm>
-            <a:off x="838200" y="365125"/>
-            <a:ext cx="10515600" cy="1325563"/>
+            <a:off x="684212" y="4487332"/>
+            <a:ext cx="8534400" cy="1507067"/>
+          </a:xfrm>
+          <a:prstGeom prst="rect">
+            <a:avLst/>
+          </a:prstGeom>
+          <a:effectLst/>
+        </p:spPr>
+        <p:txBody>
+          <a:bodyPr vert="horz" lIns="91440" tIns="45720" rIns="91440" bIns="45720" rtlCol="0" anchor="ctr">
+            <a:normAutofit/>
+          </a:bodyPr>
+          <a:lstStyle/>
+          <a:p>
+            <a:r>
+              <a:rPr lang="hu-HU"/>
+              <a:t>Mintacím szerkesztése</a:t>
+            </a:r>
+            <a:endParaRPr lang="en-US" dirty="0"/>
+          </a:p>
+        </p:txBody>
+      </p:sp>
+      <p:sp>
+        <p:nvSpPr>
+          <p:cNvPr id="3" name="Text Placeholder 2"/>
+          <p:cNvSpPr>
+            <a:spLocks noGrp="1"/>
+          </p:cNvSpPr>
+          <p:nvPr>
+            <p:ph type="body" idx="1"/>
+          </p:nvPr>
+        </p:nvSpPr>
+        <p:spPr>
+          <a:xfrm>
+            <a:off x="684212" y="685800"/>
+            <a:ext cx="8534400" cy="3615267"/>
           </a:xfrm>
           <a:prstGeom prst="rect">
             <a:avLst/>
@@ -2805,205 +4770,156 @@
           </a:bodyPr>
           <a:lstStyle/>
           <a:p>
-            <a:r>
-              <a:rPr lang="hu-HU"/>
-              <a:t>Mintacím szerkesztése</a:t>
-            </a:r>
-          </a:p>
-        </p:txBody>
-      </p:sp>
-      <p:sp>
-        <p:nvSpPr>
-          <p:cNvPr id="3" name="Szöveg helye 2">
-            <a:extLst>
-              <a:ext uri="{FF2B5EF4-FFF2-40B4-BE49-F238E27FC236}">
-                <a16:creationId xmlns:a16="http://schemas.microsoft.com/office/drawing/2014/main" id="{0E91A200-CB36-49AC-A5E4-855280CA1C85}"/>
-              </a:ext>
-            </a:extLst>
-          </p:cNvPr>
-          <p:cNvSpPr>
-            <a:spLocks noGrp="1"/>
-          </p:cNvSpPr>
-          <p:nvPr>
-            <p:ph type="body" idx="1"/>
+            <a:pPr lvl="0"/>
+            <a:r>
+              <a:rPr lang="hu-HU"/>
+              <a:t>Mintaszöveg szerkesztése</a:t>
+            </a:r>
+          </a:p>
+          <a:p>
+            <a:pPr lvl="1"/>
+            <a:r>
+              <a:rPr lang="hu-HU"/>
+              <a:t>Második szint</a:t>
+            </a:r>
+          </a:p>
+          <a:p>
+            <a:pPr lvl="2"/>
+            <a:r>
+              <a:rPr lang="hu-HU"/>
+              <a:t>Harmadik szint</a:t>
+            </a:r>
+          </a:p>
+          <a:p>
+            <a:pPr lvl="3"/>
+            <a:r>
+              <a:rPr lang="hu-HU"/>
+              <a:t>Negyedik szint</a:t>
+            </a:r>
+          </a:p>
+          <a:p>
+            <a:pPr lvl="4"/>
+            <a:r>
+              <a:rPr lang="hu-HU"/>
+              <a:t>Ötödik szint</a:t>
+            </a:r>
+            <a:endParaRPr lang="en-US" dirty="0"/>
+          </a:p>
+        </p:txBody>
+      </p:sp>
+      <p:sp>
+        <p:nvSpPr>
+          <p:cNvPr id="4" name="Date Placeholder 3"/>
+          <p:cNvSpPr>
+            <a:spLocks noGrp="1"/>
+          </p:cNvSpPr>
+          <p:nvPr>
+            <p:ph type="dt" sz="half" idx="2"/>
           </p:nvPr>
         </p:nvSpPr>
         <p:spPr>
           <a:xfrm>
-            <a:off x="838200" y="1825625"/>
-            <a:ext cx="10515600" cy="4351338"/>
+            <a:off x="9904412" y="6172200"/>
+            <a:ext cx="1600200" cy="365125"/>
           </a:xfrm>
           <a:prstGeom prst="rect">
             <a:avLst/>
           </a:prstGeom>
         </p:spPr>
         <p:txBody>
-          <a:bodyPr vert="horz" lIns="91440" tIns="45720" rIns="91440" bIns="45720" rtlCol="0">
-            <a:normAutofit/>
-          </a:bodyPr>
-          <a:lstStyle/>
-          <a:p>
-            <a:pPr lvl="0"/>
-            <a:r>
-              <a:rPr lang="hu-HU"/>
-              <a:t>Mintaszöveg szerkesztése</a:t>
-            </a:r>
-          </a:p>
-          <a:p>
-            <a:pPr lvl="1"/>
-            <a:r>
-              <a:rPr lang="hu-HU"/>
-              <a:t>Második szint</a:t>
-            </a:r>
-          </a:p>
-          <a:p>
-            <a:pPr lvl="2"/>
-            <a:r>
-              <a:rPr lang="hu-HU"/>
-              <a:t>Harmadik szint</a:t>
-            </a:r>
-          </a:p>
-          <a:p>
-            <a:pPr lvl="3"/>
-            <a:r>
-              <a:rPr lang="hu-HU"/>
-              <a:t>Negyedik szint</a:t>
-            </a:r>
-          </a:p>
-          <a:p>
-            <a:pPr lvl="4"/>
-            <a:r>
-              <a:rPr lang="hu-HU"/>
-              <a:t>Ötödik szint</a:t>
-            </a:r>
-          </a:p>
-        </p:txBody>
-      </p:sp>
-      <p:sp>
-        <p:nvSpPr>
-          <p:cNvPr id="4" name="Dátum helye 3">
-            <a:extLst>
-              <a:ext uri="{FF2B5EF4-FFF2-40B4-BE49-F238E27FC236}">
-                <a16:creationId xmlns:a16="http://schemas.microsoft.com/office/drawing/2014/main" id="{EFFBA033-8226-44B2-81EF-0E5798C1F63F}"/>
-              </a:ext>
-            </a:extLst>
-          </p:cNvPr>
-          <p:cNvSpPr>
-            <a:spLocks noGrp="1"/>
-          </p:cNvSpPr>
-          <p:nvPr>
-            <p:ph type="dt" sz="half" idx="2"/>
+          <a:bodyPr vert="horz" lIns="91440" tIns="45720" rIns="91440" bIns="45720" rtlCol="0" anchor="t"/>
+          <a:lstStyle>
+            <a:lvl1pPr algn="r">
+              <a:defRPr sz="1000" b="0" i="0">
+                <a:solidFill>
+                  <a:schemeClr val="bg2">
+                    <a:lumMod val="50000"/>
+                  </a:schemeClr>
+                </a:solidFill>
+                <a:effectLst/>
+                <a:latin typeface="+mn-lt"/>
+              </a:defRPr>
+            </a:lvl1pPr>
+          </a:lstStyle>
+          <a:p>
+            <a:fld id="{A14AEA5C-A5BC-4DE8-9202-74515C7584F2}" type="datetimeFigureOut">
+              <a:rPr lang="hu-HU" smtClean="0"/>
+              <a:t>2024.03.25.</a:t>
+            </a:fld>
+            <a:endParaRPr lang="hu-HU"/>
+          </a:p>
+        </p:txBody>
+      </p:sp>
+      <p:sp>
+        <p:nvSpPr>
+          <p:cNvPr id="5" name="Footer Placeholder 4"/>
+          <p:cNvSpPr>
+            <a:spLocks noGrp="1"/>
+          </p:cNvSpPr>
+          <p:nvPr>
+            <p:ph type="ftr" sz="quarter" idx="3"/>
           </p:nvPr>
         </p:nvSpPr>
         <p:spPr>
           <a:xfrm>
-            <a:off x="838200" y="6356350"/>
-            <a:ext cx="2743200" cy="365125"/>
+            <a:off x="684212" y="6172200"/>
+            <a:ext cx="7543800" cy="365125"/>
           </a:xfrm>
           <a:prstGeom prst="rect">
             <a:avLst/>
           </a:prstGeom>
         </p:spPr>
         <p:txBody>
-          <a:bodyPr vert="horz" lIns="91440" tIns="45720" rIns="91440" bIns="45720" rtlCol="0" anchor="ctr"/>
+          <a:bodyPr vert="horz" lIns="91440" tIns="45720" rIns="91440" bIns="45720" rtlCol="0" anchor="t"/>
           <a:lstStyle>
             <a:lvl1pPr algn="l">
-              <a:defRPr sz="1200">
-                <a:solidFill>
-                  <a:schemeClr val="tx1">
-                    <a:tint val="75000"/>
+              <a:defRPr sz="1000" b="0" i="0">
+                <a:solidFill>
+                  <a:schemeClr val="bg2">
+                    <a:lumMod val="50000"/>
                   </a:schemeClr>
                 </a:solidFill>
+                <a:effectLst/>
+                <a:latin typeface="+mn-lt"/>
               </a:defRPr>
             </a:lvl1pPr>
           </a:lstStyle>
           <a:p>
-            <a:fld id="{A14AEA5C-A5BC-4DE8-9202-74515C7584F2}" type="datetimeFigureOut">
-              <a:rPr lang="hu-HU" smtClean="0"/>
-              <a:t>2024.03.18.</a:t>
-            </a:fld>
             <a:endParaRPr lang="hu-HU"/>
           </a:p>
         </p:txBody>
       </p:sp>
       <p:sp>
         <p:nvSpPr>
-          <p:cNvPr id="5" name="Élőláb helye 4">
-            <a:extLst>
-              <a:ext uri="{FF2B5EF4-FFF2-40B4-BE49-F238E27FC236}">
-                <a16:creationId xmlns:a16="http://schemas.microsoft.com/office/drawing/2014/main" id="{9D454C85-617E-46E2-9FA8-9E89648E1C62}"/>
-              </a:ext>
-            </a:extLst>
-          </p:cNvPr>
-          <p:cNvSpPr>
-            <a:spLocks noGrp="1"/>
-          </p:cNvSpPr>
-          <p:nvPr>
-            <p:ph type="ftr" sz="quarter" idx="3"/>
+          <p:cNvPr id="6" name="Slide Number Placeholder 5"/>
+          <p:cNvSpPr>
+            <a:spLocks noGrp="1"/>
+          </p:cNvSpPr>
+          <p:nvPr>
+            <p:ph type="sldNum" sz="quarter" idx="4"/>
           </p:nvPr>
         </p:nvSpPr>
         <p:spPr>
           <a:xfrm>
-            <a:off x="4038600" y="6356350"/>
-            <a:ext cx="4114800" cy="365125"/>
+            <a:off x="10363200" y="5578475"/>
+            <a:ext cx="1142245" cy="669925"/>
           </a:xfrm>
           <a:prstGeom prst="rect">
             <a:avLst/>
           </a:prstGeom>
         </p:spPr>
         <p:txBody>
-          <a:bodyPr vert="horz" lIns="91440" tIns="45720" rIns="91440" bIns="45720" rtlCol="0" anchor="ctr"/>
-          <a:lstStyle>
-            <a:lvl1pPr algn="ctr">
-              <a:defRPr sz="1200">
-                <a:solidFill>
-                  <a:schemeClr val="tx1">
-                    <a:tint val="75000"/>
-                  </a:schemeClr>
-                </a:solidFill>
-              </a:defRPr>
-            </a:lvl1pPr>
-          </a:lstStyle>
-          <a:p>
-            <a:endParaRPr lang="hu-HU"/>
-          </a:p>
-        </p:txBody>
-      </p:sp>
-      <p:sp>
-        <p:nvSpPr>
-          <p:cNvPr id="6" name="Dia számának helye 5">
-            <a:extLst>
-              <a:ext uri="{FF2B5EF4-FFF2-40B4-BE49-F238E27FC236}">
-                <a16:creationId xmlns:a16="http://schemas.microsoft.com/office/drawing/2014/main" id="{223D0289-F973-4F18-873B-6435722DE66B}"/>
-              </a:ext>
-            </a:extLst>
-          </p:cNvPr>
-          <p:cNvSpPr>
-            <a:spLocks noGrp="1"/>
-          </p:cNvSpPr>
-          <p:nvPr>
-            <p:ph type="sldNum" sz="quarter" idx="4"/>
-          </p:nvPr>
-        </p:nvSpPr>
-        <p:spPr>
-          <a:xfrm>
-            <a:off x="8610600" y="6356350"/>
-            <a:ext cx="2743200" cy="365125"/>
-          </a:xfrm>
-          <a:prstGeom prst="rect">
-            <a:avLst/>
-          </a:prstGeom>
-        </p:spPr>
-        <p:txBody>
-          <a:bodyPr vert="horz" lIns="91440" tIns="45720" rIns="91440" bIns="45720" rtlCol="0" anchor="ctr"/>
+          <a:bodyPr vert="horz" lIns="91440" tIns="45720" rIns="91440" bIns="45720" rtlCol="0" anchor="b"/>
           <a:lstStyle>
             <a:lvl1pPr algn="r">
-              <a:defRPr sz="1200">
-                <a:solidFill>
-                  <a:schemeClr val="tx1">
-                    <a:tint val="75000"/>
+              <a:defRPr sz="3200" b="0" i="0">
+                <a:solidFill>
+                  <a:schemeClr val="bg2">
+                    <a:lumMod val="50000"/>
                   </a:schemeClr>
                 </a:solidFill>
+                <a:effectLst/>
+                <a:latin typeface="+mn-lt"/>
               </a:defRPr>
             </a:lvl1pPr>
           </a:lstStyle>
@@ -3019,55 +4935,340 @@
     </p:spTree>
     <p:extLst>
       <p:ext uri="{BB962C8B-B14F-4D97-AF65-F5344CB8AC3E}">
-        <p14:creationId xmlns:p14="http://schemas.microsoft.com/office/powerpoint/2010/main" val="1715112846"/>
+        <p14:creationId xmlns:p14="http://schemas.microsoft.com/office/powerpoint/2010/main" val="2671885435"/>
       </p:ext>
     </p:extLst>
   </p:cSld>
-  <p:clrMap bg1="lt1" tx1="dk1" bg2="lt2" tx2="dk2" accent1="accent1" accent2="accent2" accent3="accent3" accent4="accent4" accent5="accent5" accent6="accent6" hlink="hlink" folHlink="folHlink"/>
+  <p:clrMap bg1="dk1" tx1="lt1" bg2="dk2" tx2="lt2" accent1="accent1" accent2="accent2" accent3="accent3" accent4="accent4" accent5="accent5" accent6="accent6" hlink="hlink" folHlink="folHlink"/>
   <p:sldLayoutIdLst>
-    <p:sldLayoutId id="2147483649" r:id="rId1"/>
-    <p:sldLayoutId id="2147483650" r:id="rId2"/>
-    <p:sldLayoutId id="2147483651" r:id="rId3"/>
-    <p:sldLayoutId id="2147483652" r:id="rId4"/>
-    <p:sldLayoutId id="2147483653" r:id="rId5"/>
-    <p:sldLayoutId id="2147483654" r:id="rId6"/>
-    <p:sldLayoutId id="2147483655" r:id="rId7"/>
-    <p:sldLayoutId id="2147483656" r:id="rId8"/>
-    <p:sldLayoutId id="2147483657" r:id="rId9"/>
-    <p:sldLayoutId id="2147483658" r:id="rId10"/>
-    <p:sldLayoutId id="2147483659" r:id="rId11"/>
+    <p:sldLayoutId id="2147483679" r:id="rId1"/>
+    <p:sldLayoutId id="2147483680" r:id="rId2"/>
+    <p:sldLayoutId id="2147483681" r:id="rId3"/>
+    <p:sldLayoutId id="2147483682" r:id="rId4"/>
+    <p:sldLayoutId id="2147483683" r:id="rId5"/>
+    <p:sldLayoutId id="2147483684" r:id="rId6"/>
+    <p:sldLayoutId id="2147483685" r:id="rId7"/>
+    <p:sldLayoutId id="2147483686" r:id="rId8"/>
+    <p:sldLayoutId id="2147483687" r:id="rId9"/>
+    <p:sldLayoutId id="2147483688" r:id="rId10"/>
+    <p:sldLayoutId id="2147483689" r:id="rId11"/>
+    <p:sldLayoutId id="2147483690" r:id="rId12"/>
+    <p:sldLayoutId id="2147483691" r:id="rId13"/>
+    <p:sldLayoutId id="2147483692" r:id="rId14"/>
+    <p:sldLayoutId id="2147483693" r:id="rId15"/>
+    <p:sldLayoutId id="2147483694" r:id="rId16"/>
+    <p:sldLayoutId id="2147483695" r:id="rId17"/>
   </p:sldLayoutIdLst>
   <p:txStyles>
     <p:titleStyle>
-      <a:lvl1pPr algn="l" defTabSz="914400" rtl="0" eaLnBrk="1" latinLnBrk="0" hangingPunct="1">
-        <a:lnSpc>
-          <a:spcPct val="90000"/>
-        </a:lnSpc>
+      <a:lvl1pPr algn="l" defTabSz="457200" rtl="0" eaLnBrk="1" latinLnBrk="0" hangingPunct="1">
         <a:spcBef>
           <a:spcPct val="0"/>
         </a:spcBef>
         <a:buNone/>
-        <a:defRPr sz="4400" kern="1200">
+        <a:defRPr sz="3600" kern="1200" cap="all">
+          <a:ln w="3175" cmpd="sng">
+            <a:noFill/>
+          </a:ln>
           <a:solidFill>
             <a:schemeClr val="tx1"/>
           </a:solidFill>
+          <a:effectLst/>
           <a:latin typeface="+mj-lt"/>
           <a:ea typeface="+mj-ea"/>
           <a:cs typeface="+mj-cs"/>
         </a:defRPr>
       </a:lvl1pPr>
+      <a:lvl2pPr eaLnBrk="1" hangingPunct="1">
+        <a:defRPr>
+          <a:solidFill>
+            <a:schemeClr val="tx2"/>
+          </a:solidFill>
+        </a:defRPr>
+      </a:lvl2pPr>
+      <a:lvl3pPr eaLnBrk="1" hangingPunct="1">
+        <a:defRPr>
+          <a:solidFill>
+            <a:schemeClr val="tx2"/>
+          </a:solidFill>
+        </a:defRPr>
+      </a:lvl3pPr>
+      <a:lvl4pPr eaLnBrk="1" hangingPunct="1">
+        <a:defRPr>
+          <a:solidFill>
+            <a:schemeClr val="tx2"/>
+          </a:solidFill>
+        </a:defRPr>
+      </a:lvl4pPr>
+      <a:lvl5pPr eaLnBrk="1" hangingPunct="1">
+        <a:defRPr>
+          <a:solidFill>
+            <a:schemeClr val="tx2"/>
+          </a:solidFill>
+        </a:defRPr>
+      </a:lvl5pPr>
+      <a:lvl6pPr eaLnBrk="1" hangingPunct="1">
+        <a:defRPr>
+          <a:solidFill>
+            <a:schemeClr val="tx2"/>
+          </a:solidFill>
+        </a:defRPr>
+      </a:lvl6pPr>
+      <a:lvl7pPr eaLnBrk="1" hangingPunct="1">
+        <a:defRPr>
+          <a:solidFill>
+            <a:schemeClr val="tx2"/>
+          </a:solidFill>
+        </a:defRPr>
+      </a:lvl7pPr>
+      <a:lvl8pPr eaLnBrk="1" hangingPunct="1">
+        <a:defRPr>
+          <a:solidFill>
+            <a:schemeClr val="tx2"/>
+          </a:solidFill>
+        </a:defRPr>
+      </a:lvl8pPr>
+      <a:lvl9pPr eaLnBrk="1" hangingPunct="1">
+        <a:defRPr>
+          <a:solidFill>
+            <a:schemeClr val="tx2"/>
+          </a:solidFill>
+        </a:defRPr>
+      </a:lvl9pPr>
     </p:titleStyle>
     <p:bodyStyle>
-      <a:lvl1pPr marL="228600" indent="-228600" algn="l" defTabSz="914400" rtl="0" eaLnBrk="1" latinLnBrk="0" hangingPunct="1">
-        <a:lnSpc>
-          <a:spcPct val="90000"/>
-        </a:lnSpc>
+      <a:lvl1pPr marL="285750" indent="-285750" algn="l" defTabSz="457200" rtl="0" eaLnBrk="1" latinLnBrk="0" hangingPunct="1">
         <a:spcBef>
-          <a:spcPts val="1000"/>
+          <a:spcPct val="20000"/>
         </a:spcBef>
-        <a:buFont typeface="Arial" panose="020B0604020202020204" pitchFamily="34" charset="0"/>
-        <a:buChar char="•"/>
-        <a:defRPr sz="2800" kern="1200">
+        <a:spcAft>
+          <a:spcPts val="600"/>
+        </a:spcAft>
+        <a:buClr>
+          <a:schemeClr val="tx1"/>
+        </a:buClr>
+        <a:buSzPct val="80000"/>
+        <a:buFont typeface="Wingdings 3" panose="05040102010807070707" pitchFamily="18" charset="2"/>
+        <a:buChar char=""/>
+        <a:defRPr sz="2000" kern="1200" cap="none">
+          <a:solidFill>
+            <a:schemeClr val="bg2">
+              <a:lumMod val="75000"/>
+            </a:schemeClr>
+          </a:solidFill>
+          <a:effectLst/>
+          <a:latin typeface="+mn-lt"/>
+          <a:ea typeface="+mn-ea"/>
+          <a:cs typeface="+mn-cs"/>
+        </a:defRPr>
+      </a:lvl1pPr>
+      <a:lvl2pPr marL="742950" indent="-285750" algn="l" defTabSz="457200" rtl="0" eaLnBrk="1" latinLnBrk="0" hangingPunct="1">
+        <a:spcBef>
+          <a:spcPct val="20000"/>
+        </a:spcBef>
+        <a:spcAft>
+          <a:spcPts val="600"/>
+        </a:spcAft>
+        <a:buClr>
+          <a:schemeClr val="tx1"/>
+        </a:buClr>
+        <a:buSzPct val="80000"/>
+        <a:buFont typeface="Wingdings 3" panose="05040102010807070707" pitchFamily="18" charset="2"/>
+        <a:buChar char=""/>
+        <a:defRPr sz="1800" kern="1200" cap="none">
+          <a:solidFill>
+            <a:schemeClr val="bg2">
+              <a:lumMod val="75000"/>
+            </a:schemeClr>
+          </a:solidFill>
+          <a:effectLst/>
+          <a:latin typeface="+mn-lt"/>
+          <a:ea typeface="+mn-ea"/>
+          <a:cs typeface="+mn-cs"/>
+        </a:defRPr>
+      </a:lvl2pPr>
+      <a:lvl3pPr marL="1200150" indent="-285750" algn="l" defTabSz="457200" rtl="0" eaLnBrk="1" latinLnBrk="0" hangingPunct="1">
+        <a:spcBef>
+          <a:spcPct val="20000"/>
+        </a:spcBef>
+        <a:spcAft>
+          <a:spcPts val="600"/>
+        </a:spcAft>
+        <a:buClr>
+          <a:schemeClr val="tx1"/>
+        </a:buClr>
+        <a:buSzPct val="80000"/>
+        <a:buFont typeface="Wingdings 3" panose="05040102010807070707" pitchFamily="18" charset="2"/>
+        <a:buChar char=""/>
+        <a:defRPr sz="1600" kern="1200" cap="none">
+          <a:solidFill>
+            <a:schemeClr val="bg2">
+              <a:lumMod val="75000"/>
+            </a:schemeClr>
+          </a:solidFill>
+          <a:effectLst/>
+          <a:latin typeface="+mn-lt"/>
+          <a:ea typeface="+mn-ea"/>
+          <a:cs typeface="+mn-cs"/>
+        </a:defRPr>
+      </a:lvl3pPr>
+      <a:lvl4pPr marL="1543050" indent="-171450" algn="l" defTabSz="457200" rtl="0" eaLnBrk="1" latinLnBrk="0" hangingPunct="1">
+        <a:spcBef>
+          <a:spcPct val="20000"/>
+        </a:spcBef>
+        <a:spcAft>
+          <a:spcPts val="600"/>
+        </a:spcAft>
+        <a:buClr>
+          <a:schemeClr val="tx1"/>
+        </a:buClr>
+        <a:buSzPct val="80000"/>
+        <a:buFont typeface="Wingdings 3" panose="05040102010807070707" pitchFamily="18" charset="2"/>
+        <a:buChar char=""/>
+        <a:defRPr sz="1400" kern="1200" cap="none">
+          <a:solidFill>
+            <a:schemeClr val="bg2">
+              <a:lumMod val="75000"/>
+            </a:schemeClr>
+          </a:solidFill>
+          <a:effectLst/>
+          <a:latin typeface="+mn-lt"/>
+          <a:ea typeface="+mn-ea"/>
+          <a:cs typeface="+mn-cs"/>
+        </a:defRPr>
+      </a:lvl4pPr>
+      <a:lvl5pPr marL="2000250" indent="-171450" algn="l" defTabSz="457200" rtl="0" eaLnBrk="1" latinLnBrk="0" hangingPunct="1">
+        <a:spcBef>
+          <a:spcPct val="20000"/>
+        </a:spcBef>
+        <a:spcAft>
+          <a:spcPts val="600"/>
+        </a:spcAft>
+        <a:buClr>
+          <a:schemeClr val="tx1"/>
+        </a:buClr>
+        <a:buSzPct val="80000"/>
+        <a:buFont typeface="Wingdings 3" panose="05040102010807070707" pitchFamily="18" charset="2"/>
+        <a:buChar char=""/>
+        <a:defRPr sz="1400" kern="1200" cap="none">
+          <a:solidFill>
+            <a:schemeClr val="bg2">
+              <a:lumMod val="75000"/>
+            </a:schemeClr>
+          </a:solidFill>
+          <a:effectLst/>
+          <a:latin typeface="+mn-lt"/>
+          <a:ea typeface="+mn-ea"/>
+          <a:cs typeface="+mn-cs"/>
+        </a:defRPr>
+      </a:lvl5pPr>
+      <a:lvl6pPr marL="2514600" indent="-228600" algn="l" defTabSz="457200" rtl="0" eaLnBrk="1" latinLnBrk="0" hangingPunct="1">
+        <a:spcBef>
+          <a:spcPct val="20000"/>
+        </a:spcBef>
+        <a:spcAft>
+          <a:spcPts val="600"/>
+        </a:spcAft>
+        <a:buClr>
+          <a:schemeClr val="tx1"/>
+        </a:buClr>
+        <a:buSzPct val="80000"/>
+        <a:buFont typeface="Wingdings 3" panose="05040102010807070707" pitchFamily="18" charset="2"/>
+        <a:buChar char=""/>
+        <a:defRPr sz="1400" kern="1200" cap="none">
+          <a:solidFill>
+            <a:schemeClr val="bg2">
+              <a:lumMod val="75000"/>
+            </a:schemeClr>
+          </a:solidFill>
+          <a:effectLst/>
+          <a:latin typeface="+mn-lt"/>
+          <a:ea typeface="+mn-ea"/>
+          <a:cs typeface="+mn-cs"/>
+        </a:defRPr>
+      </a:lvl6pPr>
+      <a:lvl7pPr marL="2971800" indent="-228600" algn="l" defTabSz="457200" rtl="0" eaLnBrk="1" latinLnBrk="0" hangingPunct="1">
+        <a:spcBef>
+          <a:spcPct val="20000"/>
+        </a:spcBef>
+        <a:spcAft>
+          <a:spcPts val="600"/>
+        </a:spcAft>
+        <a:buClr>
+          <a:schemeClr val="tx1"/>
+        </a:buClr>
+        <a:buSzPct val="80000"/>
+        <a:buFont typeface="Wingdings 3" panose="05040102010807070707" pitchFamily="18" charset="2"/>
+        <a:buChar char=""/>
+        <a:defRPr sz="1400" kern="1200" cap="none">
+          <a:solidFill>
+            <a:schemeClr val="bg2">
+              <a:lumMod val="75000"/>
+            </a:schemeClr>
+          </a:solidFill>
+          <a:effectLst/>
+          <a:latin typeface="+mn-lt"/>
+          <a:ea typeface="+mn-ea"/>
+          <a:cs typeface="+mn-cs"/>
+        </a:defRPr>
+      </a:lvl7pPr>
+      <a:lvl8pPr marL="3429000" indent="-228600" algn="l" defTabSz="457200" rtl="0" eaLnBrk="1" latinLnBrk="0" hangingPunct="1">
+        <a:spcBef>
+          <a:spcPct val="20000"/>
+        </a:spcBef>
+        <a:spcAft>
+          <a:spcPts val="600"/>
+        </a:spcAft>
+        <a:buClr>
+          <a:schemeClr val="tx1"/>
+        </a:buClr>
+        <a:buSzPct val="80000"/>
+        <a:buFont typeface="Wingdings 3" panose="05040102010807070707" pitchFamily="18" charset="2"/>
+        <a:buChar char=""/>
+        <a:defRPr sz="1400" kern="1200" cap="none">
+          <a:solidFill>
+            <a:schemeClr val="bg2">
+              <a:lumMod val="75000"/>
+            </a:schemeClr>
+          </a:solidFill>
+          <a:effectLst/>
+          <a:latin typeface="+mn-lt"/>
+          <a:ea typeface="+mn-ea"/>
+          <a:cs typeface="+mn-cs"/>
+        </a:defRPr>
+      </a:lvl8pPr>
+      <a:lvl9pPr marL="3886200" indent="-228600" algn="l" defTabSz="457200" rtl="0" eaLnBrk="1" latinLnBrk="0" hangingPunct="1">
+        <a:spcBef>
+          <a:spcPct val="20000"/>
+        </a:spcBef>
+        <a:spcAft>
+          <a:spcPts val="600"/>
+        </a:spcAft>
+        <a:buClr>
+          <a:schemeClr val="tx1"/>
+        </a:buClr>
+        <a:buSzPct val="80000"/>
+        <a:buFont typeface="Wingdings 3" panose="05040102010807070707" pitchFamily="18" charset="2"/>
+        <a:buChar char=""/>
+        <a:defRPr sz="1400" kern="1200" cap="none">
+          <a:solidFill>
+            <a:schemeClr val="bg2">
+              <a:lumMod val="75000"/>
+            </a:schemeClr>
+          </a:solidFill>
+          <a:effectLst/>
+          <a:latin typeface="+mn-lt"/>
+          <a:ea typeface="+mn-ea"/>
+          <a:cs typeface="+mn-cs"/>
+        </a:defRPr>
+      </a:lvl9pPr>
+    </p:bodyStyle>
+    <p:otherStyle>
+      <a:defPPr>
+        <a:defRPr lang="en-US"/>
+      </a:defPPr>
+      <a:lvl1pPr marL="0" algn="l" defTabSz="457200" rtl="0" eaLnBrk="1" latinLnBrk="0" hangingPunct="1">
+        <a:defRPr sz="1800" kern="1200">
           <a:solidFill>
             <a:schemeClr val="tx1"/>
           </a:solidFill>
@@ -3076,16 +5277,8 @@
           <a:cs typeface="+mn-cs"/>
         </a:defRPr>
       </a:lvl1pPr>
-      <a:lvl2pPr marL="685800" indent="-228600" algn="l" defTabSz="914400" rtl="0" eaLnBrk="1" latinLnBrk="0" hangingPunct="1">
-        <a:lnSpc>
-          <a:spcPct val="90000"/>
-        </a:lnSpc>
-        <a:spcBef>
-          <a:spcPts val="500"/>
-        </a:spcBef>
-        <a:buFont typeface="Arial" panose="020B0604020202020204" pitchFamily="34" charset="0"/>
-        <a:buChar char="•"/>
-        <a:defRPr sz="2400" kern="1200">
+      <a:lvl2pPr marL="457200" algn="l" defTabSz="457200" rtl="0" eaLnBrk="1" latinLnBrk="0" hangingPunct="1">
+        <a:defRPr sz="1800" kern="1200">
           <a:solidFill>
             <a:schemeClr val="tx1"/>
           </a:solidFill>
@@ -3094,16 +5287,8 @@
           <a:cs typeface="+mn-cs"/>
         </a:defRPr>
       </a:lvl2pPr>
-      <a:lvl3pPr marL="1143000" indent="-228600" algn="l" defTabSz="914400" rtl="0" eaLnBrk="1" latinLnBrk="0" hangingPunct="1">
-        <a:lnSpc>
-          <a:spcPct val="90000"/>
-        </a:lnSpc>
-        <a:spcBef>
-          <a:spcPts val="500"/>
-        </a:spcBef>
-        <a:buFont typeface="Arial" panose="020B0604020202020204" pitchFamily="34" charset="0"/>
-        <a:buChar char="•"/>
-        <a:defRPr sz="2000" kern="1200">
+      <a:lvl3pPr marL="914400" algn="l" defTabSz="457200" rtl="0" eaLnBrk="1" latinLnBrk="0" hangingPunct="1">
+        <a:defRPr sz="1800" kern="1200">
           <a:solidFill>
             <a:schemeClr val="tx1"/>
           </a:solidFill>
@@ -3112,15 +5297,7 @@
           <a:cs typeface="+mn-cs"/>
         </a:defRPr>
       </a:lvl3pPr>
-      <a:lvl4pPr marL="1600200" indent="-228600" algn="l" defTabSz="914400" rtl="0" eaLnBrk="1" latinLnBrk="0" hangingPunct="1">
-        <a:lnSpc>
-          <a:spcPct val="90000"/>
-        </a:lnSpc>
-        <a:spcBef>
-          <a:spcPts val="500"/>
-        </a:spcBef>
-        <a:buFont typeface="Arial" panose="020B0604020202020204" pitchFamily="34" charset="0"/>
-        <a:buChar char="•"/>
+      <a:lvl4pPr marL="1371600" algn="l" defTabSz="457200" rtl="0" eaLnBrk="1" latinLnBrk="0" hangingPunct="1">
         <a:defRPr sz="1800" kern="1200">
           <a:solidFill>
             <a:schemeClr val="tx1"/>
@@ -3130,15 +5307,7 @@
           <a:cs typeface="+mn-cs"/>
         </a:defRPr>
       </a:lvl4pPr>
-      <a:lvl5pPr marL="2057400" indent="-228600" algn="l" defTabSz="914400" rtl="0" eaLnBrk="1" latinLnBrk="0" hangingPunct="1">
-        <a:lnSpc>
-          <a:spcPct val="90000"/>
-        </a:lnSpc>
-        <a:spcBef>
-          <a:spcPts val="500"/>
-        </a:spcBef>
-        <a:buFont typeface="Arial" panose="020B0604020202020204" pitchFamily="34" charset="0"/>
-        <a:buChar char="•"/>
+      <a:lvl5pPr marL="1828800" algn="l" defTabSz="457200" rtl="0" eaLnBrk="1" latinLnBrk="0" hangingPunct="1">
         <a:defRPr sz="1800" kern="1200">
           <a:solidFill>
             <a:schemeClr val="tx1"/>
@@ -3148,15 +5317,7 @@
           <a:cs typeface="+mn-cs"/>
         </a:defRPr>
       </a:lvl5pPr>
-      <a:lvl6pPr marL="2514600" indent="-228600" algn="l" defTabSz="914400" rtl="0" eaLnBrk="1" latinLnBrk="0" hangingPunct="1">
-        <a:lnSpc>
-          <a:spcPct val="90000"/>
-        </a:lnSpc>
-        <a:spcBef>
-          <a:spcPts val="500"/>
-        </a:spcBef>
-        <a:buFont typeface="Arial" panose="020B0604020202020204" pitchFamily="34" charset="0"/>
-        <a:buChar char="•"/>
+      <a:lvl6pPr marL="2286000" algn="l" defTabSz="457200" rtl="0" eaLnBrk="1" latinLnBrk="0" hangingPunct="1">
         <a:defRPr sz="1800" kern="1200">
           <a:solidFill>
             <a:schemeClr val="tx1"/>
@@ -3166,15 +5327,7 @@
           <a:cs typeface="+mn-cs"/>
         </a:defRPr>
       </a:lvl6pPr>
-      <a:lvl7pPr marL="2971800" indent="-228600" algn="l" defTabSz="914400" rtl="0" eaLnBrk="1" latinLnBrk="0" hangingPunct="1">
-        <a:lnSpc>
-          <a:spcPct val="90000"/>
-        </a:lnSpc>
-        <a:spcBef>
-          <a:spcPts val="500"/>
-        </a:spcBef>
-        <a:buFont typeface="Arial" panose="020B0604020202020204" pitchFamily="34" charset="0"/>
-        <a:buChar char="•"/>
+      <a:lvl7pPr marL="2743200" algn="l" defTabSz="457200" rtl="0" eaLnBrk="1" latinLnBrk="0" hangingPunct="1">
         <a:defRPr sz="1800" kern="1200">
           <a:solidFill>
             <a:schemeClr val="tx1"/>
@@ -3184,15 +5337,7 @@
           <a:cs typeface="+mn-cs"/>
         </a:defRPr>
       </a:lvl7pPr>
-      <a:lvl8pPr marL="3429000" indent="-228600" algn="l" defTabSz="914400" rtl="0" eaLnBrk="1" latinLnBrk="0" hangingPunct="1">
-        <a:lnSpc>
-          <a:spcPct val="90000"/>
-        </a:lnSpc>
-        <a:spcBef>
-          <a:spcPts val="500"/>
-        </a:spcBef>
-        <a:buFont typeface="Arial" panose="020B0604020202020204" pitchFamily="34" charset="0"/>
-        <a:buChar char="•"/>
+      <a:lvl8pPr marL="3200400" algn="l" defTabSz="457200" rtl="0" eaLnBrk="1" latinLnBrk="0" hangingPunct="1">
         <a:defRPr sz="1800" kern="1200">
           <a:solidFill>
             <a:schemeClr val="tx1"/>
@@ -3202,110 +5347,7 @@
           <a:cs typeface="+mn-cs"/>
         </a:defRPr>
       </a:lvl8pPr>
-      <a:lvl9pPr marL="3886200" indent="-228600" algn="l" defTabSz="914400" rtl="0" eaLnBrk="1" latinLnBrk="0" hangingPunct="1">
-        <a:lnSpc>
-          <a:spcPct val="90000"/>
-        </a:lnSpc>
-        <a:spcBef>
-          <a:spcPts val="500"/>
-        </a:spcBef>
-        <a:buFont typeface="Arial" panose="020B0604020202020204" pitchFamily="34" charset="0"/>
-        <a:buChar char="•"/>
-        <a:defRPr sz="1800" kern="1200">
-          <a:solidFill>
-            <a:schemeClr val="tx1"/>
-          </a:solidFill>
-          <a:latin typeface="+mn-lt"/>
-          <a:ea typeface="+mn-ea"/>
-          <a:cs typeface="+mn-cs"/>
-        </a:defRPr>
-      </a:lvl9pPr>
-    </p:bodyStyle>
-    <p:otherStyle>
-      <a:defPPr>
-        <a:defRPr lang="hu-HU"/>
-      </a:defPPr>
-      <a:lvl1pPr marL="0" algn="l" defTabSz="914400" rtl="0" eaLnBrk="1" latinLnBrk="0" hangingPunct="1">
-        <a:defRPr sz="1800" kern="1200">
-          <a:solidFill>
-            <a:schemeClr val="tx1"/>
-          </a:solidFill>
-          <a:latin typeface="+mn-lt"/>
-          <a:ea typeface="+mn-ea"/>
-          <a:cs typeface="+mn-cs"/>
-        </a:defRPr>
-      </a:lvl1pPr>
-      <a:lvl2pPr marL="457200" algn="l" defTabSz="914400" rtl="0" eaLnBrk="1" latinLnBrk="0" hangingPunct="1">
-        <a:defRPr sz="1800" kern="1200">
-          <a:solidFill>
-            <a:schemeClr val="tx1"/>
-          </a:solidFill>
-          <a:latin typeface="+mn-lt"/>
-          <a:ea typeface="+mn-ea"/>
-          <a:cs typeface="+mn-cs"/>
-        </a:defRPr>
-      </a:lvl2pPr>
-      <a:lvl3pPr marL="914400" algn="l" defTabSz="914400" rtl="0" eaLnBrk="1" latinLnBrk="0" hangingPunct="1">
-        <a:defRPr sz="1800" kern="1200">
-          <a:solidFill>
-            <a:schemeClr val="tx1"/>
-          </a:solidFill>
-          <a:latin typeface="+mn-lt"/>
-          <a:ea typeface="+mn-ea"/>
-          <a:cs typeface="+mn-cs"/>
-        </a:defRPr>
-      </a:lvl3pPr>
-      <a:lvl4pPr marL="1371600" algn="l" defTabSz="914400" rtl="0" eaLnBrk="1" latinLnBrk="0" hangingPunct="1">
-        <a:defRPr sz="1800" kern="1200">
-          <a:solidFill>
-            <a:schemeClr val="tx1"/>
-          </a:solidFill>
-          <a:latin typeface="+mn-lt"/>
-          <a:ea typeface="+mn-ea"/>
-          <a:cs typeface="+mn-cs"/>
-        </a:defRPr>
-      </a:lvl4pPr>
-      <a:lvl5pPr marL="1828800" algn="l" defTabSz="914400" rtl="0" eaLnBrk="1" latinLnBrk="0" hangingPunct="1">
-        <a:defRPr sz="1800" kern="1200">
-          <a:solidFill>
-            <a:schemeClr val="tx1"/>
-          </a:solidFill>
-          <a:latin typeface="+mn-lt"/>
-          <a:ea typeface="+mn-ea"/>
-          <a:cs typeface="+mn-cs"/>
-        </a:defRPr>
-      </a:lvl5pPr>
-      <a:lvl6pPr marL="2286000" algn="l" defTabSz="914400" rtl="0" eaLnBrk="1" latinLnBrk="0" hangingPunct="1">
-        <a:defRPr sz="1800" kern="1200">
-          <a:solidFill>
-            <a:schemeClr val="tx1"/>
-          </a:solidFill>
-          <a:latin typeface="+mn-lt"/>
-          <a:ea typeface="+mn-ea"/>
-          <a:cs typeface="+mn-cs"/>
-        </a:defRPr>
-      </a:lvl6pPr>
-      <a:lvl7pPr marL="2743200" algn="l" defTabSz="914400" rtl="0" eaLnBrk="1" latinLnBrk="0" hangingPunct="1">
-        <a:defRPr sz="1800" kern="1200">
-          <a:solidFill>
-            <a:schemeClr val="tx1"/>
-          </a:solidFill>
-          <a:latin typeface="+mn-lt"/>
-          <a:ea typeface="+mn-ea"/>
-          <a:cs typeface="+mn-cs"/>
-        </a:defRPr>
-      </a:lvl7pPr>
-      <a:lvl8pPr marL="3200400" algn="l" defTabSz="914400" rtl="0" eaLnBrk="1" latinLnBrk="0" hangingPunct="1">
-        <a:defRPr sz="1800" kern="1200">
-          <a:solidFill>
-            <a:schemeClr val="tx1"/>
-          </a:solidFill>
-          <a:latin typeface="+mn-lt"/>
-          <a:ea typeface="+mn-ea"/>
-          <a:cs typeface="+mn-cs"/>
-        </a:defRPr>
-      </a:lvl8pPr>
-      <a:lvl9pPr marL="3657600" algn="l" defTabSz="914400" rtl="0" eaLnBrk="1" latinLnBrk="0" hangingPunct="1">
+      <a:lvl9pPr marL="3657600" algn="l" defTabSz="457200" rtl="0" eaLnBrk="1" latinLnBrk="0" hangingPunct="1">
         <a:defRPr sz="1800" kern="1200">
           <a:solidFill>
             <a:schemeClr val="tx1"/>
@@ -3448,7 +5490,12 @@
             <p:ph type="title"/>
           </p:nvPr>
         </p:nvSpPr>
-        <p:spPr/>
+        <p:spPr>
+          <a:xfrm>
+            <a:off x="1119073" y="133446"/>
+            <a:ext cx="8534400" cy="1507067"/>
+          </a:xfrm>
+        </p:spPr>
         <p:txBody>
           <a:bodyPr/>
           <a:lstStyle/>
@@ -3461,6 +5508,36 @@
           </a:p>
         </p:txBody>
       </p:sp>
+      <p:pic>
+        <p:nvPicPr>
+          <p:cNvPr id="3" name="Kép 2">
+            <a:extLst>
+              <a:ext uri="{FF2B5EF4-FFF2-40B4-BE49-F238E27FC236}">
+                <a16:creationId xmlns:a16="http://schemas.microsoft.com/office/drawing/2014/main" id="{2B594274-9F24-44B7-A798-330D00797CE7}"/>
+              </a:ext>
+            </a:extLst>
+          </p:cNvPr>
+          <p:cNvPicPr>
+            <a:picLocks noChangeAspect="1"/>
+          </p:cNvPicPr>
+          <p:nvPr/>
+        </p:nvPicPr>
+        <p:blipFill>
+          <a:blip r:embed="rId2"/>
+          <a:stretch>
+            <a:fillRect/>
+          </a:stretch>
+        </p:blipFill>
+        <p:spPr>
+          <a:xfrm>
+            <a:off x="2701667" y="2149977"/>
+            <a:ext cx="6788665" cy="2975698"/>
+          </a:xfrm>
+          <a:prstGeom prst="rect">
+            <a:avLst/>
+          </a:prstGeom>
+        </p:spPr>
+      </p:pic>
     </p:spTree>
     <p:extLst>
       <p:ext uri="{BB962C8B-B14F-4D97-AF65-F5344CB8AC3E}">
@@ -3507,7 +5584,12 @@
             <p:ph type="title"/>
           </p:nvPr>
         </p:nvSpPr>
-        <p:spPr/>
+        <p:spPr>
+          <a:xfrm>
+            <a:off x="1514722" y="0"/>
+            <a:ext cx="8534400" cy="1507067"/>
+          </a:xfrm>
+        </p:spPr>
         <p:txBody>
           <a:bodyPr/>
           <a:lstStyle/>
@@ -3520,6 +5602,36 @@
           </a:p>
         </p:txBody>
       </p:sp>
+      <p:pic>
+        <p:nvPicPr>
+          <p:cNvPr id="3" name="Kép 2">
+            <a:extLst>
+              <a:ext uri="{FF2B5EF4-FFF2-40B4-BE49-F238E27FC236}">
+                <a16:creationId xmlns:a16="http://schemas.microsoft.com/office/drawing/2014/main" id="{26FB5CBF-801B-4D70-9D61-57E659DDD5C4}"/>
+              </a:ext>
+            </a:extLst>
+          </p:cNvPr>
+          <p:cNvPicPr>
+            <a:picLocks noChangeAspect="1"/>
+          </p:cNvPicPr>
+          <p:nvPr/>
+        </p:nvPicPr>
+        <p:blipFill>
+          <a:blip r:embed="rId2"/>
+          <a:stretch>
+            <a:fillRect/>
+          </a:stretch>
+        </p:blipFill>
+        <p:spPr>
+          <a:xfrm>
+            <a:off x="2675738" y="2110705"/>
+            <a:ext cx="6505719" cy="2830410"/>
+          </a:xfrm>
+          <a:prstGeom prst="rect">
+            <a:avLst/>
+          </a:prstGeom>
+        </p:spPr>
+      </p:pic>
     </p:spTree>
     <p:extLst>
       <p:ext uri="{BB962C8B-B14F-4D97-AF65-F5344CB8AC3E}">
@@ -3568,8 +5680,8 @@
         </p:nvSpPr>
         <p:spPr>
           <a:xfrm>
-            <a:off x="838200" y="1147194"/>
-            <a:ext cx="10515600" cy="4563611"/>
+            <a:off x="139398" y="1147194"/>
+            <a:ext cx="11496413" cy="4563611"/>
           </a:xfrm>
         </p:spPr>
         <p:txBody>
@@ -3632,7 +5744,12 @@
             <p:ph type="title"/>
           </p:nvPr>
         </p:nvSpPr>
-        <p:spPr/>
+        <p:spPr>
+          <a:xfrm>
+            <a:off x="684212" y="0"/>
+            <a:ext cx="8534400" cy="1507067"/>
+          </a:xfrm>
+        </p:spPr>
         <p:txBody>
           <a:bodyPr/>
           <a:lstStyle/>
@@ -3660,7 +5777,12 @@
             <p:ph idx="1"/>
           </p:nvPr>
         </p:nvSpPr>
-        <p:spPr/>
+        <p:spPr>
+          <a:xfrm>
+            <a:off x="684212" y="2170651"/>
+            <a:ext cx="8534400" cy="3615267"/>
+          </a:xfrm>
+        </p:spPr>
         <p:txBody>
           <a:bodyPr>
             <a:normAutofit/>
@@ -3671,7 +5793,11 @@
               <a:buNone/>
             </a:pPr>
             <a:r>
-              <a:rPr lang="hu-HU" sz="3600" dirty="0"/>
+              <a:rPr lang="hu-HU" sz="3600" dirty="0">
+                <a:solidFill>
+                  <a:schemeClr val="tx1"/>
+                </a:solidFill>
+              </a:rPr>
               <a:t>A megrendelő egy játékot várt el tőlünk, a játék tematikáját és struktúráját azt a csapat dönthette el, hogy milyen legyen. Az alapkövetelmény az volt, hogy a játék működőképes legyen.</a:t>
             </a:r>
           </a:p>
@@ -3723,7 +5849,12 @@
             <p:ph type="title"/>
           </p:nvPr>
         </p:nvSpPr>
-        <p:spPr/>
+        <p:spPr>
+          <a:xfrm>
+            <a:off x="600323" y="0"/>
+            <a:ext cx="8534400" cy="1507067"/>
+          </a:xfrm>
+        </p:spPr>
         <p:txBody>
           <a:bodyPr/>
           <a:lstStyle/>
@@ -3751,7 +5882,12 @@
             <p:ph idx="1"/>
           </p:nvPr>
         </p:nvSpPr>
-        <p:spPr/>
+        <p:spPr>
+          <a:xfrm>
+            <a:off x="600323" y="1927371"/>
+            <a:ext cx="8534400" cy="3615267"/>
+          </a:xfrm>
+        </p:spPr>
         <p:txBody>
           <a:bodyPr/>
           <a:lstStyle/>
@@ -3760,7 +5896,11 @@
               <a:buNone/>
             </a:pPr>
             <a:r>
-              <a:rPr lang="hu-HU" dirty="0"/>
+              <a:rPr lang="hu-HU" dirty="0">
+                <a:solidFill>
+                  <a:schemeClr val="tx1"/>
+                </a:solidFill>
+              </a:rPr>
               <a:t>Zsiros Máté Ferenc:</a:t>
             </a:r>
           </a:p>
@@ -3770,7 +5910,11 @@
               <a:buChar char="Ø"/>
             </a:pPr>
             <a:r>
-              <a:rPr lang="hu-HU" dirty="0"/>
+              <a:rPr lang="hu-HU" dirty="0">
+                <a:solidFill>
+                  <a:schemeClr val="tx1"/>
+                </a:solidFill>
+              </a:rPr>
               <a:t>Születési hely: Barcelona</a:t>
             </a:r>
           </a:p>
@@ -3780,7 +5924,11 @@
               <a:buChar char="Ø"/>
             </a:pPr>
             <a:r>
-              <a:rPr lang="hu-HU" dirty="0"/>
+              <a:rPr lang="hu-HU" dirty="0">
+                <a:solidFill>
+                  <a:schemeClr val="tx1"/>
+                </a:solidFill>
+              </a:rPr>
               <a:t>Lakhely: Palotás</a:t>
             </a:r>
           </a:p>
@@ -3790,7 +5938,11 @@
               <a:buChar char="Ø"/>
             </a:pPr>
             <a:r>
-              <a:rPr lang="hu-HU" dirty="0"/>
+              <a:rPr lang="hu-HU" dirty="0">
+                <a:solidFill>
+                  <a:schemeClr val="tx1"/>
+                </a:solidFill>
+              </a:rPr>
               <a:t>Születési idő: 2005. 05. 15.</a:t>
             </a:r>
           </a:p>
@@ -3800,7 +5952,11 @@
               <a:buChar char="Ø"/>
             </a:pPr>
             <a:r>
-              <a:rPr lang="hu-HU" dirty="0"/>
+              <a:rPr lang="hu-HU" dirty="0">
+                <a:solidFill>
+                  <a:schemeClr val="tx1"/>
+                </a:solidFill>
+              </a:rPr>
               <a:t>Telefonszám: 06-30-723-5679</a:t>
             </a:r>
           </a:p>
@@ -3810,7 +5966,11 @@
               <a:buChar char="Ø"/>
             </a:pPr>
             <a:r>
-              <a:rPr lang="hu-HU" dirty="0"/>
+              <a:rPr lang="hu-HU" dirty="0">
+                <a:solidFill>
+                  <a:schemeClr val="tx1"/>
+                </a:solidFill>
+              </a:rPr>
               <a:t>Pozíciók: programozó, menedzser</a:t>
             </a:r>
           </a:p>
@@ -3862,7 +6022,12 @@
             <p:ph type="title"/>
           </p:nvPr>
         </p:nvSpPr>
-        <p:spPr/>
+        <p:spPr>
+          <a:xfrm>
+            <a:off x="684212" y="0"/>
+            <a:ext cx="8534400" cy="1507067"/>
+          </a:xfrm>
+        </p:spPr>
         <p:txBody>
           <a:bodyPr/>
           <a:lstStyle/>
@@ -3890,7 +6055,12 @@
             <p:ph idx="1"/>
           </p:nvPr>
         </p:nvSpPr>
-        <p:spPr/>
+        <p:spPr>
+          <a:xfrm>
+            <a:off x="684212" y="1851870"/>
+            <a:ext cx="8534400" cy="3615267"/>
+          </a:xfrm>
+        </p:spPr>
         <p:txBody>
           <a:bodyPr/>
           <a:lstStyle/>
@@ -3899,7 +6069,11 @@
               <a:buNone/>
             </a:pPr>
             <a:r>
-              <a:rPr lang="hu-HU" dirty="0"/>
+              <a:rPr lang="hu-HU" dirty="0">
+                <a:solidFill>
+                  <a:schemeClr val="tx1"/>
+                </a:solidFill>
+              </a:rPr>
               <a:t>Tóth Bence:</a:t>
             </a:r>
           </a:p>
@@ -3909,7 +6083,11 @@
               <a:buChar char="Ø"/>
             </a:pPr>
             <a:r>
-              <a:rPr lang="hu-HU" dirty="0"/>
+              <a:rPr lang="hu-HU" dirty="0">
+                <a:solidFill>
+                  <a:schemeClr val="tx1"/>
+                </a:solidFill>
+              </a:rPr>
               <a:t>Születési hely: Tahitótfalu</a:t>
             </a:r>
           </a:p>
@@ -3919,7 +6097,11 @@
               <a:buChar char="Ø"/>
             </a:pPr>
             <a:r>
-              <a:rPr lang="hu-HU" dirty="0"/>
+              <a:rPr lang="hu-HU" dirty="0">
+                <a:solidFill>
+                  <a:schemeClr val="tx1"/>
+                </a:solidFill>
+              </a:rPr>
               <a:t>Lakhely: Budapest</a:t>
             </a:r>
           </a:p>
@@ -3929,7 +6111,11 @@
               <a:buChar char="Ø"/>
             </a:pPr>
             <a:r>
-              <a:rPr lang="hu-HU" dirty="0"/>
+              <a:rPr lang="hu-HU" dirty="0">
+                <a:solidFill>
+                  <a:schemeClr val="tx1"/>
+                </a:solidFill>
+              </a:rPr>
               <a:t>Születési idő: 2003. 06. 25.</a:t>
             </a:r>
           </a:p>
@@ -3939,7 +6125,11 @@
               <a:buChar char="Ø"/>
             </a:pPr>
             <a:r>
-              <a:rPr lang="hu-HU" dirty="0"/>
+              <a:rPr lang="hu-HU" dirty="0">
+                <a:solidFill>
+                  <a:schemeClr val="tx1"/>
+                </a:solidFill>
+              </a:rPr>
               <a:t>Telefonszám: 06-70-256-4173</a:t>
             </a:r>
           </a:p>
@@ -3949,7 +6139,11 @@
               <a:buChar char="Ø"/>
             </a:pPr>
             <a:r>
-              <a:rPr lang="hu-HU" dirty="0"/>
+              <a:rPr lang="hu-HU" dirty="0">
+                <a:solidFill>
+                  <a:schemeClr val="tx1"/>
+                </a:solidFill>
+              </a:rPr>
               <a:t>Pozíciók: programozó, előadó</a:t>
             </a:r>
           </a:p>
@@ -4001,7 +6195,12 @@
             <p:ph type="title"/>
           </p:nvPr>
         </p:nvSpPr>
-        <p:spPr/>
+        <p:spPr>
+          <a:xfrm>
+            <a:off x="986215" y="17632"/>
+            <a:ext cx="8534400" cy="1507067"/>
+          </a:xfrm>
+        </p:spPr>
         <p:txBody>
           <a:bodyPr/>
           <a:lstStyle/>
@@ -4029,7 +6228,12 @@
             <p:ph idx="1"/>
           </p:nvPr>
         </p:nvSpPr>
-        <p:spPr/>
+        <p:spPr>
+          <a:xfrm>
+            <a:off x="986215" y="1843481"/>
+            <a:ext cx="8534400" cy="3615267"/>
+          </a:xfrm>
+        </p:spPr>
         <p:txBody>
           <a:bodyPr/>
           <a:lstStyle/>
@@ -4038,7 +6242,11 @@
               <a:buNone/>
             </a:pPr>
             <a:r>
-              <a:rPr lang="hu-HU" dirty="0"/>
+              <a:rPr lang="hu-HU" dirty="0">
+                <a:solidFill>
+                  <a:schemeClr val="tx1"/>
+                </a:solidFill>
+              </a:rPr>
               <a:t>Kovács Zétény:</a:t>
             </a:r>
           </a:p>
@@ -4048,7 +6256,11 @@
               <a:buChar char="Ø"/>
             </a:pPr>
             <a:r>
-              <a:rPr lang="hu-HU" dirty="0"/>
+              <a:rPr lang="hu-HU" dirty="0">
+                <a:solidFill>
+                  <a:schemeClr val="tx1"/>
+                </a:solidFill>
+              </a:rPr>
               <a:t>Születési hely: Budapest</a:t>
             </a:r>
           </a:p>
@@ -4058,7 +6270,11 @@
               <a:buChar char="Ø"/>
             </a:pPr>
             <a:r>
-              <a:rPr lang="hu-HU" dirty="0"/>
+              <a:rPr lang="hu-HU" dirty="0">
+                <a:solidFill>
+                  <a:schemeClr val="tx1"/>
+                </a:solidFill>
+              </a:rPr>
               <a:t>Lakhely: Budapest</a:t>
             </a:r>
           </a:p>
@@ -4068,7 +6284,11 @@
               <a:buChar char="Ø"/>
             </a:pPr>
             <a:r>
-              <a:rPr lang="hu-HU" dirty="0"/>
+              <a:rPr lang="hu-HU" dirty="0">
+                <a:solidFill>
+                  <a:schemeClr val="tx1"/>
+                </a:solidFill>
+              </a:rPr>
               <a:t>Születési idő: 2004. 07. 08.</a:t>
             </a:r>
           </a:p>
@@ -4078,7 +6298,11 @@
               <a:buChar char="Ø"/>
             </a:pPr>
             <a:r>
-              <a:rPr lang="hu-HU" dirty="0"/>
+              <a:rPr lang="hu-HU" dirty="0">
+                <a:solidFill>
+                  <a:schemeClr val="tx1"/>
+                </a:solidFill>
+              </a:rPr>
               <a:t>Telefonszám: 06-30-150-7069</a:t>
             </a:r>
           </a:p>
@@ -4088,7 +6312,11 @@
               <a:buChar char="Ø"/>
             </a:pPr>
             <a:r>
-              <a:rPr lang="hu-HU" dirty="0"/>
+              <a:rPr lang="hu-HU" dirty="0">
+                <a:solidFill>
+                  <a:schemeClr val="tx1"/>
+                </a:solidFill>
+              </a:rPr>
               <a:t>Pozíciók: programozó, angol nyelvű előadó</a:t>
             </a:r>
           </a:p>
@@ -4097,7 +6325,11 @@
               <a:buFont typeface="Wingdings" panose="05000000000000000000" pitchFamily="2" charset="2"/>
               <a:buChar char="Ø"/>
             </a:pPr>
-            <a:endParaRPr lang="hu-HU" dirty="0"/>
+            <a:endParaRPr lang="hu-HU" dirty="0">
+              <a:solidFill>
+                <a:schemeClr val="tx1"/>
+              </a:solidFill>
+            </a:endParaRPr>
           </a:p>
         </p:txBody>
       </p:sp>
@@ -4147,7 +6379,12 @@
             <p:ph type="title"/>
           </p:nvPr>
         </p:nvSpPr>
-        <p:spPr/>
+        <p:spPr>
+          <a:xfrm>
+            <a:off x="717768" y="360727"/>
+            <a:ext cx="8534400" cy="1507067"/>
+          </a:xfrm>
+        </p:spPr>
         <p:txBody>
           <a:bodyPr/>
           <a:lstStyle/>
@@ -4175,7 +6412,12 @@
             <p:ph idx="1"/>
           </p:nvPr>
         </p:nvSpPr>
-        <p:spPr/>
+        <p:spPr>
+          <a:xfrm>
+            <a:off x="717768" y="2220986"/>
+            <a:ext cx="8534400" cy="3615267"/>
+          </a:xfrm>
+        </p:spPr>
         <p:txBody>
           <a:bodyPr/>
           <a:lstStyle/>
@@ -4184,7 +6426,11 @@
               <a:buNone/>
             </a:pPr>
             <a:r>
-              <a:rPr lang="hu-HU" dirty="0"/>
+              <a:rPr lang="hu-HU" dirty="0">
+                <a:solidFill>
+                  <a:schemeClr val="tx1"/>
+                </a:solidFill>
+              </a:rPr>
               <a:t>Kiss Benedek:</a:t>
             </a:r>
           </a:p>
@@ -4194,7 +6440,11 @@
               <a:buChar char="Ø"/>
             </a:pPr>
             <a:r>
-              <a:rPr lang="hu-HU" dirty="0"/>
+              <a:rPr lang="hu-HU" dirty="0">
+                <a:solidFill>
+                  <a:schemeClr val="tx1"/>
+                </a:solidFill>
+              </a:rPr>
               <a:t>Születési hely: Budapest</a:t>
             </a:r>
           </a:p>
@@ -4204,7 +6454,11 @@
               <a:buChar char="Ø"/>
             </a:pPr>
             <a:r>
-              <a:rPr lang="hu-HU" dirty="0"/>
+              <a:rPr lang="hu-HU" dirty="0">
+                <a:solidFill>
+                  <a:schemeClr val="tx1"/>
+                </a:solidFill>
+              </a:rPr>
               <a:t>Lakhely: Budapest</a:t>
             </a:r>
           </a:p>
@@ -4214,7 +6468,11 @@
               <a:buChar char="Ø"/>
             </a:pPr>
             <a:r>
-              <a:rPr lang="hu-HU" dirty="0"/>
+              <a:rPr lang="hu-HU" dirty="0">
+                <a:solidFill>
+                  <a:schemeClr val="tx1"/>
+                </a:solidFill>
+              </a:rPr>
               <a:t>Születési idő: 2004. 09. 06.</a:t>
             </a:r>
           </a:p>
@@ -4224,7 +6482,11 @@
               <a:buChar char="Ø"/>
             </a:pPr>
             <a:r>
-              <a:rPr lang="hu-HU" dirty="0"/>
+              <a:rPr lang="hu-HU" dirty="0">
+                <a:solidFill>
+                  <a:schemeClr val="tx1"/>
+                </a:solidFill>
+              </a:rPr>
               <a:t>Telefonszám: +7 495 697-03-49</a:t>
             </a:r>
           </a:p>
@@ -4234,7 +6496,11 @@
               <a:buChar char="Ø"/>
             </a:pPr>
             <a:r>
-              <a:rPr lang="hu-HU" dirty="0"/>
+              <a:rPr lang="hu-HU" dirty="0">
+                <a:solidFill>
+                  <a:schemeClr val="tx1"/>
+                </a:solidFill>
+              </a:rPr>
               <a:t>Pozíciók: programozó, szárnysegéd </a:t>
             </a:r>
           </a:p>
@@ -4243,7 +6509,11 @@
               <a:buFont typeface="Wingdings" panose="05000000000000000000" pitchFamily="2" charset="2"/>
               <a:buChar char="Ø"/>
             </a:pPr>
-            <a:endParaRPr lang="hu-HU" dirty="0"/>
+            <a:endParaRPr lang="hu-HU" dirty="0">
+              <a:solidFill>
+                <a:schemeClr val="tx1"/>
+              </a:solidFill>
+            </a:endParaRPr>
           </a:p>
         </p:txBody>
       </p:sp>
@@ -4293,7 +6563,12 @@
             <p:ph type="title"/>
           </p:nvPr>
         </p:nvSpPr>
-        <p:spPr/>
+        <p:spPr>
+          <a:xfrm>
+            <a:off x="520117" y="477394"/>
+            <a:ext cx="8589438" cy="1507067"/>
+          </a:xfrm>
+        </p:spPr>
         <p:txBody>
           <a:bodyPr/>
           <a:lstStyle/>
@@ -4335,11 +6610,19 @@
               <a:buNone/>
             </a:pPr>
             <a:r>
-              <a:rPr lang="hu-HU" dirty="0" err="1"/>
+              <a:rPr lang="hu-HU" dirty="0" err="1">
+                <a:solidFill>
+                  <a:schemeClr val="tx1"/>
+                </a:solidFill>
+              </a:rPr>
               <a:t>Trello</a:t>
             </a:r>
             <a:r>
-              <a:rPr lang="hu-HU" dirty="0"/>
+              <a:rPr lang="hu-HU" dirty="0">
+                <a:solidFill>
+                  <a:schemeClr val="tx1"/>
+                </a:solidFill>
+              </a:rPr>
               <a:t>:</a:t>
             </a:r>
           </a:p>
@@ -4348,15 +6631,27 @@
               <a:buNone/>
             </a:pPr>
             <a:r>
-              <a:rPr lang="hu-HU" dirty="0"/>
+              <a:rPr lang="hu-HU" dirty="0">
+                <a:solidFill>
+                  <a:schemeClr val="tx1"/>
+                </a:solidFill>
+              </a:rPr>
               <a:t>A </a:t>
             </a:r>
             <a:r>
-              <a:rPr lang="hu-HU" dirty="0" err="1"/>
+              <a:rPr lang="hu-HU" dirty="0" err="1">
+                <a:solidFill>
+                  <a:schemeClr val="tx1"/>
+                </a:solidFill>
+              </a:rPr>
               <a:t>Trello</a:t>
             </a:r>
             <a:r>
-              <a:rPr lang="hu-HU" dirty="0"/>
+              <a:rPr lang="hu-HU" dirty="0">
+                <a:solidFill>
+                  <a:schemeClr val="tx1"/>
+                </a:solidFill>
+              </a:rPr>
               <a:t> felületén osztottuk el a feladatokat, illetve hogy az egyes feladatok folyamatban vagy már kész vannak. </a:t>
             </a:r>
           </a:p>
@@ -4364,7 +6659,11 @@
             <a:pPr marL="0" indent="0">
               <a:buNone/>
             </a:pPr>
-            <a:endParaRPr lang="hu-HU" dirty="0"/>
+            <a:endParaRPr lang="hu-HU" dirty="0">
+              <a:solidFill>
+                <a:schemeClr val="tx1"/>
+              </a:solidFill>
+            </a:endParaRPr>
           </a:p>
         </p:txBody>
       </p:sp>
@@ -4497,11 +6796,19 @@
               <a:buNone/>
             </a:pPr>
             <a:r>
-              <a:rPr lang="hu-HU" dirty="0" err="1"/>
+              <a:rPr lang="hu-HU" dirty="0" err="1">
+                <a:solidFill>
+                  <a:schemeClr val="tx1"/>
+                </a:solidFill>
+              </a:rPr>
               <a:t>Figma</a:t>
             </a:r>
             <a:r>
-              <a:rPr lang="hu-HU" dirty="0"/>
+              <a:rPr lang="hu-HU" dirty="0">
+                <a:solidFill>
+                  <a:schemeClr val="tx1"/>
+                </a:solidFill>
+              </a:rPr>
               <a:t>:</a:t>
             </a:r>
           </a:p>
@@ -4510,15 +6817,27 @@
               <a:buNone/>
             </a:pPr>
             <a:r>
-              <a:rPr lang="hu-HU" dirty="0"/>
+              <a:rPr lang="hu-HU" dirty="0">
+                <a:solidFill>
+                  <a:schemeClr val="tx1"/>
+                </a:solidFill>
+              </a:rPr>
               <a:t>A </a:t>
             </a:r>
             <a:r>
-              <a:rPr lang="hu-HU" dirty="0" err="1"/>
+              <a:rPr lang="hu-HU" dirty="0" err="1">
+                <a:solidFill>
+                  <a:schemeClr val="tx1"/>
+                </a:solidFill>
+              </a:rPr>
               <a:t>Figma</a:t>
             </a:r>
             <a:r>
-              <a:rPr lang="hu-HU" dirty="0"/>
+              <a:rPr lang="hu-HU" dirty="0">
+                <a:solidFill>
+                  <a:schemeClr val="tx1"/>
+                </a:solidFill>
+              </a:rPr>
               <a:t> nevű oldalon terveztük meg a prototípust és annak drótvázát.</a:t>
             </a:r>
           </a:p>
@@ -4527,7 +6846,11 @@
               <a:buNone/>
             </a:pPr>
             <a:r>
-              <a:rPr lang="hu-HU" dirty="0"/>
+              <a:rPr lang="hu-HU" dirty="0">
+                <a:solidFill>
+                  <a:schemeClr val="tx1"/>
+                </a:solidFill>
+              </a:rPr>
               <a:t>Ezen a felületen többen is tudnak dolgozni egyszerre.</a:t>
             </a:r>
           </a:p>
@@ -4535,46 +6858,14 @@
             <a:pPr marL="0" indent="0">
               <a:buNone/>
             </a:pPr>
-            <a:endParaRPr lang="hu-HU" dirty="0"/>
-          </a:p>
-        </p:txBody>
-      </p:sp>
-      <p:pic>
-        <p:nvPicPr>
-          <p:cNvPr id="6" name="Kép 5">
-            <a:extLst>
-              <a:ext uri="{FF2B5EF4-FFF2-40B4-BE49-F238E27FC236}">
-                <a16:creationId xmlns:a16="http://schemas.microsoft.com/office/drawing/2014/main" id="{136BFA32-5CCB-490E-9716-1F5129588CFF}"/>
-              </a:ext>
-            </a:extLst>
-          </p:cNvPr>
-          <p:cNvPicPr>
-            <a:picLocks noChangeAspect="1"/>
-          </p:cNvPicPr>
-          <p:nvPr/>
-        </p:nvPicPr>
-        <p:blipFill>
-          <a:blip r:embed="rId2">
-            <a:extLst>
-              <a:ext uri="{28A0092B-C50C-407E-A947-70E740481C1C}">
-                <a14:useLocalDpi xmlns:a14="http://schemas.microsoft.com/office/drawing/2010/main" val="0"/>
-              </a:ext>
-            </a:extLst>
-          </a:blip>
-          <a:stretch>
-            <a:fillRect/>
-          </a:stretch>
-        </p:blipFill>
-        <p:spPr>
-          <a:xfrm>
-            <a:off x="3057048" y="2579840"/>
-            <a:ext cx="9134952" cy="3167650"/>
-          </a:xfrm>
-          <a:prstGeom prst="rect">
-            <a:avLst/>
-          </a:prstGeom>
-        </p:spPr>
-      </p:pic>
+            <a:endParaRPr lang="hu-HU" dirty="0">
+              <a:solidFill>
+                <a:schemeClr val="tx1"/>
+              </a:solidFill>
+            </a:endParaRPr>
+          </a:p>
+        </p:txBody>
+      </p:sp>
       <p:sp>
         <p:nvSpPr>
           <p:cNvPr id="7" name="Szövegdoboz 6">
@@ -4610,6 +6901,66 @@
           </a:p>
         </p:txBody>
       </p:sp>
+      <p:pic>
+        <p:nvPicPr>
+          <p:cNvPr id="4" name="Kép 3">
+            <a:extLst>
+              <a:ext uri="{FF2B5EF4-FFF2-40B4-BE49-F238E27FC236}">
+                <a16:creationId xmlns:a16="http://schemas.microsoft.com/office/drawing/2014/main" id="{F7DFA3A8-AC2A-437D-90A9-F72E41E01802}"/>
+              </a:ext>
+            </a:extLst>
+          </p:cNvPr>
+          <p:cNvPicPr>
+            <a:picLocks noChangeAspect="1"/>
+          </p:cNvPicPr>
+          <p:nvPr/>
+        </p:nvPicPr>
+        <p:blipFill>
+          <a:blip r:embed="rId2"/>
+          <a:stretch>
+            <a:fillRect/>
+          </a:stretch>
+        </p:blipFill>
+        <p:spPr>
+          <a:xfrm>
+            <a:off x="3129792" y="2158478"/>
+            <a:ext cx="4953000" cy="3590925"/>
+          </a:xfrm>
+          <a:prstGeom prst="rect">
+            <a:avLst/>
+          </a:prstGeom>
+        </p:spPr>
+      </p:pic>
+      <p:pic>
+        <p:nvPicPr>
+          <p:cNvPr id="5" name="Kép 4">
+            <a:extLst>
+              <a:ext uri="{FF2B5EF4-FFF2-40B4-BE49-F238E27FC236}">
+                <a16:creationId xmlns:a16="http://schemas.microsoft.com/office/drawing/2014/main" id="{99B9B860-757E-441E-9E8F-ED7869F1DA88}"/>
+              </a:ext>
+            </a:extLst>
+          </p:cNvPr>
+          <p:cNvPicPr>
+            <a:picLocks noChangeAspect="1"/>
+          </p:cNvPicPr>
+          <p:nvPr/>
+        </p:nvPicPr>
+        <p:blipFill>
+          <a:blip r:embed="rId3"/>
+          <a:stretch>
+            <a:fillRect/>
+          </a:stretch>
+        </p:blipFill>
+        <p:spPr>
+          <a:xfrm>
+            <a:off x="7313083" y="3610966"/>
+            <a:ext cx="4878917" cy="3305073"/>
+          </a:xfrm>
+          <a:prstGeom prst="rect">
+            <a:avLst/>
+          </a:prstGeom>
+        </p:spPr>
+      </p:pic>
     </p:spTree>
     <p:extLst>
       <p:ext uri="{BB962C8B-B14F-4D97-AF65-F5344CB8AC3E}">
@@ -4656,7 +7007,12 @@
             <p:ph type="title"/>
           </p:nvPr>
         </p:nvSpPr>
-        <p:spPr/>
+        <p:spPr>
+          <a:xfrm>
+            <a:off x="603308" y="133446"/>
+            <a:ext cx="8534400" cy="1507067"/>
+          </a:xfrm>
+        </p:spPr>
         <p:txBody>
           <a:bodyPr/>
           <a:lstStyle/>
@@ -4687,7 +7043,7 @@
         </p:nvSpPr>
         <p:spPr>
           <a:xfrm>
-            <a:off x="838200" y="1825625"/>
+            <a:off x="603308" y="1003504"/>
             <a:ext cx="2710343" cy="4351338"/>
           </a:xfrm>
         </p:spPr>
@@ -4699,15 +7055,27 @@
               <a:buNone/>
             </a:pPr>
             <a:r>
-              <a:rPr lang="hu-HU" dirty="0"/>
+              <a:rPr lang="hu-HU" dirty="0">
+                <a:solidFill>
+                  <a:schemeClr val="tx1"/>
+                </a:solidFill>
+              </a:rPr>
               <a:t>A </a:t>
             </a:r>
             <a:r>
-              <a:rPr lang="hu-HU" dirty="0" err="1"/>
-              <a:t>Githubon</a:t>
-            </a:r>
-            <a:r>
-              <a:rPr lang="hu-HU" dirty="0"/>
+              <a:rPr lang="hu-HU" dirty="0" err="1">
+                <a:solidFill>
+                  <a:schemeClr val="tx1"/>
+                </a:solidFill>
+              </a:rPr>
+              <a:t>Github-on</a:t>
+            </a:r>
+            <a:r>
+              <a:rPr lang="hu-HU" dirty="0">
+                <a:solidFill>
+                  <a:schemeClr val="tx1"/>
+                </a:solidFill>
+              </a:rPr>
               <a:t> osztottuk meg egymással a fájlokat. Ha a helyzet úgy kívánja, hogy valaki hiányzik akkor otthonról is képes megosztani a fontos dolgokat.</a:t>
             </a:r>
           </a:p>
@@ -4763,9 +7131,9 @@
 </file>
 
 <file path=ppt/theme/theme1.xml><?xml version="1.0" encoding="utf-8"?>
-<a:theme xmlns:a="http://schemas.openxmlformats.org/drawingml/2006/main" name="Office-téma">
+<a:theme xmlns:a="http://schemas.openxmlformats.org/drawingml/2006/main" name="Szelet">
   <a:themeElements>
-    <a:clrScheme name="Office">
+    <a:clrScheme name="Szelet">
       <a:dk1>
         <a:sysClr val="windowText" lastClr="000000"/>
       </a:dk1>
@@ -4773,100 +7141,48 @@
         <a:sysClr val="window" lastClr="FFFFFF"/>
       </a:lt1>
       <a:dk2>
-        <a:srgbClr val="44546A"/>
+        <a:srgbClr val="146194"/>
       </a:dk2>
       <a:lt2>
-        <a:srgbClr val="E7E6E6"/>
+        <a:srgbClr val="76DBF4"/>
       </a:lt2>
       <a:accent1>
-        <a:srgbClr val="4472C4"/>
+        <a:srgbClr val="052F61"/>
       </a:accent1>
       <a:accent2>
-        <a:srgbClr val="ED7D31"/>
+        <a:srgbClr val="A50E82"/>
       </a:accent2>
       <a:accent3>
-        <a:srgbClr val="A5A5A5"/>
+        <a:srgbClr val="14967C"/>
       </a:accent3>
       <a:accent4>
-        <a:srgbClr val="FFC000"/>
+        <a:srgbClr val="6A9E1F"/>
       </a:accent4>
       <a:accent5>
-        <a:srgbClr val="5B9BD5"/>
+        <a:srgbClr val="E87D37"/>
       </a:accent5>
       <a:accent6>
-        <a:srgbClr val="70AD47"/>
+        <a:srgbClr val="C62324"/>
       </a:accent6>
       <a:hlink>
-        <a:srgbClr val="0563C1"/>
+        <a:srgbClr val="0D2E46"/>
       </a:hlink>
       <a:folHlink>
-        <a:srgbClr val="954F72"/>
+        <a:srgbClr val="356A95"/>
       </a:folHlink>
     </a:clrScheme>
-    <a:fontScheme name="Office">
+    <a:fontScheme name="Szelet">
       <a:majorFont>
-        <a:latin typeface="Calibri Light" panose="020F0302020204030204"/>
+        <a:latin typeface="Century Gothic" panose="020B0502020202020204"/>
         <a:ea typeface=""/>
         <a:cs typeface=""/>
-        <a:font script="Jpan" typeface="游ゴシック Light"/>
-        <a:font script="Hang" typeface="맑은 고딕"/>
-        <a:font script="Hans" typeface="等线 Light"/>
-        <a:font script="Hant" typeface="新細明體"/>
-        <a:font script="Arab" typeface="Times New Roman"/>
-        <a:font script="Hebr" typeface="Times New Roman"/>
-        <a:font script="Thai" typeface="Angsana New"/>
-        <a:font script="Ethi" typeface="Nyala"/>
-        <a:font script="Beng" typeface="Vrinda"/>
-        <a:font script="Gujr" typeface="Shruti"/>
-        <a:font script="Khmr" typeface="MoolBoran"/>
-        <a:font script="Knda" typeface="Tunga"/>
-        <a:font script="Guru" typeface="Raavi"/>
-        <a:font script="Cans" typeface="Euphemia"/>
-        <a:font script="Cher" typeface="Plantagenet Cherokee"/>
-        <a:font script="Yiii" typeface="Microsoft Yi Baiti"/>
-        <a:font script="Tibt" typeface="Microsoft Himalaya"/>
-        <a:font script="Thaa" typeface="MV Boli"/>
-        <a:font script="Deva" typeface="Mangal"/>
-        <a:font script="Telu" typeface="Gautami"/>
-        <a:font script="Taml" typeface="Latha"/>
-        <a:font script="Syrc" typeface="Estrangelo Edessa"/>
-        <a:font script="Orya" typeface="Kalinga"/>
-        <a:font script="Mlym" typeface="Kartika"/>
-        <a:font script="Laoo" typeface="DokChampa"/>
-        <a:font script="Sinh" typeface="Iskoola Pota"/>
-        <a:font script="Mong" typeface="Mongolian Baiti"/>
-        <a:font script="Viet" typeface="Times New Roman"/>
-        <a:font script="Uigh" typeface="Microsoft Uighur"/>
-        <a:font script="Geor" typeface="Sylfaen"/>
-        <a:font script="Armn" typeface="Arial"/>
-        <a:font script="Bugi" typeface="Leelawadee UI"/>
-        <a:font script="Bopo" typeface="Microsoft JhengHei"/>
-        <a:font script="Java" typeface="Javanese Text"/>
-        <a:font script="Lisu" typeface="Segoe UI"/>
-        <a:font script="Mymr" typeface="Myanmar Text"/>
-        <a:font script="Nkoo" typeface="Ebrima"/>
-        <a:font script="Olck" typeface="Nirmala UI"/>
-        <a:font script="Osma" typeface="Ebrima"/>
-        <a:font script="Phag" typeface="Phagspa"/>
-        <a:font script="Syrn" typeface="Estrangelo Edessa"/>
-        <a:font script="Syrj" typeface="Estrangelo Edessa"/>
-        <a:font script="Syre" typeface="Estrangelo Edessa"/>
-        <a:font script="Sora" typeface="Nirmala UI"/>
-        <a:font script="Tale" typeface="Microsoft Tai Le"/>
-        <a:font script="Talu" typeface="Microsoft New Tai Lue"/>
-        <a:font script="Tfng" typeface="Ebrima"/>
-      </a:majorFont>
-      <a:minorFont>
-        <a:latin typeface="Calibri" panose="020F0502020204030204"/>
-        <a:ea typeface=""/>
-        <a:cs typeface=""/>
-        <a:font script="Jpan" typeface="游ゴシック"/>
-        <a:font script="Hang" typeface="맑은 고딕"/>
-        <a:font script="Hans" typeface="等线"/>
-        <a:font script="Hant" typeface="新細明體"/>
-        <a:font script="Arab" typeface="Arial"/>
-        <a:font script="Hebr" typeface="Arial"/>
-        <a:font script="Thai" typeface="Cordia New"/>
+        <a:font script="Jpan" typeface="メイリオ"/>
+        <a:font script="Hang" typeface="HY중고딕"/>
+        <a:font script="Hans" typeface="幼圆"/>
+        <a:font script="Hant" typeface="微軟正黑體"/>
+        <a:font script="Arab" typeface="Tahoma"/>
+        <a:font script="Hebr" typeface="Gisha"/>
+        <a:font script="Thai" typeface="DilleniaUPC"/>
         <a:font script="Ethi" typeface="Nyala"/>
         <a:font script="Beng" typeface="Vrinda"/>
         <a:font script="Gujr" typeface="Shruti"/>
@@ -4887,29 +7203,47 @@
         <a:font script="Laoo" typeface="DokChampa"/>
         <a:font script="Sinh" typeface="Iskoola Pota"/>
         <a:font script="Mong" typeface="Mongolian Baiti"/>
-        <a:font script="Viet" typeface="Arial"/>
+        <a:font script="Viet" typeface="Tahoma"/>
         <a:font script="Uigh" typeface="Microsoft Uighur"/>
         <a:font script="Geor" typeface="Sylfaen"/>
-        <a:font script="Armn" typeface="Arial"/>
-        <a:font script="Bugi" typeface="Leelawadee UI"/>
-        <a:font script="Bopo" typeface="Microsoft JhengHei"/>
-        <a:font script="Java" typeface="Javanese Text"/>
-        <a:font script="Lisu" typeface="Segoe UI"/>
-        <a:font script="Mymr" typeface="Myanmar Text"/>
-        <a:font script="Nkoo" typeface="Ebrima"/>
-        <a:font script="Olck" typeface="Nirmala UI"/>
-        <a:font script="Osma" typeface="Ebrima"/>
-        <a:font script="Phag" typeface="Phagspa"/>
-        <a:font script="Syrn" typeface="Estrangelo Edessa"/>
-        <a:font script="Syrj" typeface="Estrangelo Edessa"/>
-        <a:font script="Syre" typeface="Estrangelo Edessa"/>
-        <a:font script="Sora" typeface="Nirmala UI"/>
-        <a:font script="Tale" typeface="Microsoft Tai Le"/>
-        <a:font script="Talu" typeface="Microsoft New Tai Lue"/>
-        <a:font script="Tfng" typeface="Ebrima"/>
+      </a:majorFont>
+      <a:minorFont>
+        <a:latin typeface="Century Gothic" panose="020B0502020202020204"/>
+        <a:ea typeface=""/>
+        <a:cs typeface=""/>
+        <a:font script="Jpan" typeface="メイリオ"/>
+        <a:font script="Hang" typeface="HY중고딕"/>
+        <a:font script="Hans" typeface="幼圆"/>
+        <a:font script="Hant" typeface="微軟正黑體"/>
+        <a:font script="Arab" typeface="Tahoma"/>
+        <a:font script="Hebr" typeface="Gisha"/>
+        <a:font script="Thai" typeface="DilleniaUPC"/>
+        <a:font script="Ethi" typeface="Nyala"/>
+        <a:font script="Beng" typeface="Vrinda"/>
+        <a:font script="Gujr" typeface="Shruti"/>
+        <a:font script="Khmr" typeface="DaunPenh"/>
+        <a:font script="Knda" typeface="Tunga"/>
+        <a:font script="Guru" typeface="Raavi"/>
+        <a:font script="Cans" typeface="Euphemia"/>
+        <a:font script="Cher" typeface="Plantagenet Cherokee"/>
+        <a:font script="Yiii" typeface="Microsoft Yi Baiti"/>
+        <a:font script="Tibt" typeface="Microsoft Himalaya"/>
+        <a:font script="Thaa" typeface="MV Boli"/>
+        <a:font script="Deva" typeface="Mangal"/>
+        <a:font script="Telu" typeface="Gautami"/>
+        <a:font script="Taml" typeface="Latha"/>
+        <a:font script="Syrc" typeface="Estrangelo Edessa"/>
+        <a:font script="Orya" typeface="Kalinga"/>
+        <a:font script="Mlym" typeface="Kartika"/>
+        <a:font script="Laoo" typeface="DokChampa"/>
+        <a:font script="Sinh" typeface="Iskoola Pota"/>
+        <a:font script="Mong" typeface="Mongolian Baiti"/>
+        <a:font script="Viet" typeface="Tahoma"/>
+        <a:font script="Uigh" typeface="Microsoft Uighur"/>
+        <a:font script="Geor" typeface="Sylfaen"/>
       </a:minorFont>
     </a:fontScheme>
-    <a:fmtScheme name="Office">
+    <a:fmtScheme name="Szelet">
       <a:fillStyleLst>
         <a:solidFill>
           <a:schemeClr val="phClr"/>
@@ -4918,23 +7252,16 @@
           <a:gsLst>
             <a:gs pos="0">
               <a:schemeClr val="phClr">
+                <a:tint val="62000"/>
+                <a:hueMod val="94000"/>
+                <a:satMod val="140000"/>
                 <a:lumMod val="110000"/>
-                <a:satMod val="105000"/>
-                <a:tint val="67000"/>
-              </a:schemeClr>
-            </a:gs>
-            <a:gs pos="50000">
-              <a:schemeClr val="phClr">
-                <a:lumMod val="105000"/>
-                <a:satMod val="103000"/>
-                <a:tint val="73000"/>
               </a:schemeClr>
             </a:gs>
             <a:gs pos="100000">
               <a:schemeClr val="phClr">
-                <a:lumMod val="105000"/>
-                <a:satMod val="109000"/>
-                <a:tint val="81000"/>
+                <a:tint val="84000"/>
+                <a:satMod val="160000"/>
               </a:schemeClr>
             </a:gs>
           </a:gsLst>
@@ -4944,23 +7271,16 @@
           <a:gsLst>
             <a:gs pos="0">
               <a:schemeClr val="phClr">
-                <a:satMod val="103000"/>
-                <a:lumMod val="102000"/>
-                <a:tint val="94000"/>
-              </a:schemeClr>
-            </a:gs>
-            <a:gs pos="50000">
-              <a:schemeClr val="phClr">
-                <a:satMod val="110000"/>
-                <a:lumMod val="100000"/>
-                <a:shade val="100000"/>
+                <a:tint val="98000"/>
+                <a:hueMod val="94000"/>
+                <a:satMod val="130000"/>
+                <a:lumMod val="128000"/>
               </a:schemeClr>
             </a:gs>
             <a:gs pos="100000">
               <a:schemeClr val="phClr">
-                <a:lumMod val="99000"/>
-                <a:satMod val="120000"/>
-                <a:shade val="78000"/>
+                <a:shade val="94000"/>
+                <a:lumMod val="88000"/>
               </a:schemeClr>
             </a:gs>
           </a:gsLst>
@@ -4968,26 +7288,29 @@
         </a:gradFill>
       </a:fillStyleLst>
       <a:lnStyleLst>
-        <a:ln w="6350" cap="flat" cmpd="sng" algn="ctr">
+        <a:ln w="9525" cap="rnd" cmpd="sng" algn="ctr">
+          <a:solidFill>
+            <a:schemeClr val="phClr">
+              <a:tint val="76000"/>
+              <a:alpha val="60000"/>
+              <a:hueMod val="94000"/>
+            </a:schemeClr>
+          </a:solidFill>
+          <a:prstDash val="solid"/>
+        </a:ln>
+        <a:ln w="15875" cap="rnd" cmpd="sng" algn="ctr">
+          <a:solidFill>
+            <a:schemeClr val="phClr">
+              <a:hueMod val="94000"/>
+            </a:schemeClr>
+          </a:solidFill>
+          <a:prstDash val="solid"/>
+        </a:ln>
+        <a:ln w="28575" cap="rnd" cmpd="sng" algn="ctr">
           <a:solidFill>
             <a:schemeClr val="phClr"/>
           </a:solidFill>
           <a:prstDash val="solid"/>
-          <a:miter lim="800000"/>
-        </a:ln>
-        <a:ln w="12700" cap="flat" cmpd="sng" algn="ctr">
-          <a:solidFill>
-            <a:schemeClr val="phClr"/>
-          </a:solidFill>
-          <a:prstDash val="solid"/>
-          <a:miter lim="800000"/>
-        </a:ln>
-        <a:ln w="19050" cap="flat" cmpd="sng" algn="ctr">
-          <a:solidFill>
-            <a:schemeClr val="phClr"/>
-          </a:solidFill>
-          <a:prstDash val="solid"/>
-          <a:miter lim="800000"/>
         </a:ln>
       </a:lnStyleLst>
       <a:effectStyleLst>
@@ -4995,54 +7318,78 @@
           <a:effectLst/>
         </a:effectStyle>
         <a:effectStyle>
-          <a:effectLst/>
+          <a:effectLst>
+            <a:innerShdw blurRad="25400" dist="12700" dir="13500000">
+              <a:srgbClr val="000000">
+                <a:alpha val="45000"/>
+              </a:srgbClr>
+            </a:innerShdw>
+          </a:effectLst>
         </a:effectStyle>
         <a:effectStyle>
           <a:effectLst>
-            <a:outerShdw blurRad="57150" dist="19050" dir="5400000" algn="ctr" rotWithShape="0">
+            <a:outerShdw blurRad="50800" dist="38100" dir="5400000" rotWithShape="0">
               <a:srgbClr val="000000">
-                <a:alpha val="63000"/>
+                <a:alpha val="46000"/>
               </a:srgbClr>
             </a:outerShdw>
           </a:effectLst>
+          <a:scene3d>
+            <a:camera prst="orthographicFront">
+              <a:rot lat="0" lon="0" rev="0"/>
+            </a:camera>
+            <a:lightRig rig="threePt" dir="t"/>
+          </a:scene3d>
+          <a:sp3d prstMaterial="plastic">
+            <a:bevelT w="25400" h="25400"/>
+          </a:sp3d>
         </a:effectStyle>
       </a:effectStyleLst>
       <a:bgFillStyleLst>
         <a:solidFill>
           <a:schemeClr val="phClr"/>
         </a:solidFill>
-        <a:solidFill>
-          <a:schemeClr val="phClr">
-            <a:tint val="95000"/>
-            <a:satMod val="170000"/>
-          </a:schemeClr>
-        </a:solidFill>
+        <a:gradFill rotWithShape="1">
+          <a:gsLst>
+            <a:gs pos="10000">
+              <a:schemeClr val="phClr">
+                <a:tint val="97000"/>
+                <a:hueMod val="92000"/>
+                <a:satMod val="169000"/>
+                <a:lumMod val="164000"/>
+              </a:schemeClr>
+            </a:gs>
+            <a:gs pos="100000">
+              <a:schemeClr val="phClr">
+                <a:shade val="96000"/>
+                <a:satMod val="120000"/>
+                <a:lumMod val="90000"/>
+              </a:schemeClr>
+            </a:gs>
+          </a:gsLst>
+          <a:lin ang="6120000" scaled="1"/>
+        </a:gradFill>
         <a:gradFill rotWithShape="1">
           <a:gsLst>
             <a:gs pos="0">
               <a:schemeClr val="phClr">
-                <a:tint val="93000"/>
-                <a:satMod val="150000"/>
-                <a:shade val="98000"/>
-                <a:lumMod val="102000"/>
-              </a:schemeClr>
-            </a:gs>
-            <a:gs pos="50000">
-              <a:schemeClr val="phClr">
-                <a:tint val="98000"/>
-                <a:satMod val="130000"/>
-                <a:shade val="90000"/>
-                <a:lumMod val="103000"/>
+                <a:tint val="97000"/>
+                <a:hueMod val="92000"/>
+                <a:satMod val="169000"/>
+                <a:lumMod val="164000"/>
               </a:schemeClr>
             </a:gs>
             <a:gs pos="100000">
               <a:schemeClr val="phClr">
-                <a:shade val="63000"/>
+                <a:shade val="96000"/>
                 <a:satMod val="120000"/>
+                <a:lumMod val="90000"/>
               </a:schemeClr>
             </a:gs>
           </a:gsLst>
-          <a:lin ang="5400000" scaled="0"/>
+          <a:path path="circle">
+            <a:fillToRect b="100000"/>
+          </a:path>
         </a:gradFill>
       </a:bgFillStyleLst>
     </a:fmtScheme>
@@ -5051,7 +7398,7 @@
   <a:extraClrSchemeLst/>
   <a:extLst>
     <a:ext uri="{05A4C25C-085E-4340-85A3-A5531E510DB2}">
-      <thm15:themeFamily xmlns:thm15="http://schemas.microsoft.com/office/thememl/2012/main" name="Office Theme" id="{62F939B6-93AF-4DB8-9C6B-D6C7DFDC589F}" vid="{4A3C46E8-61CC-4603-A589-7422A47A8E4A}"/>
+      <thm15:themeFamily xmlns:thm15="http://schemas.microsoft.com/office/thememl/2012/main" name="Slice" id="{0507925B-6AC9-4358-8E18-C330545D08F8}" vid="{13FEC7C6-62A9-40C4-99D2-581AACACAA2F}"/>
     </a:ext>
   </a:extLst>
 </a:theme>
